--- a/研究生毕业设计/文档管理/论文_2/毕业设计答辩.pptx
+++ b/研究生毕业设计/文档管理/论文_2/毕业设计答辩.pptx
@@ -559,7 +559,7 @@
           <a:p>
             <a:fld id="{530820CF-B880-4189-942D-D702A7CBA730}" type="datetimeFigureOut">
               <a:rPr lang="zh-CN" altLang="en-US" smtClean="0"/>
-              <a:t>2013/12/4</a:t>
+              <a:t>2013/12/6</a:t>
             </a:fld>
             <a:endParaRPr lang="zh-CN" altLang="en-US"/>
           </a:p>
@@ -771,7 +771,7 @@
           <a:p>
             <a:fld id="{530820CF-B880-4189-942D-D702A7CBA730}" type="datetimeFigureOut">
               <a:rPr lang="zh-CN" altLang="en-US" smtClean="0"/>
-              <a:t>2013/12/4</a:t>
+              <a:t>2013/12/6</a:t>
             </a:fld>
             <a:endParaRPr lang="zh-CN" altLang="en-US"/>
           </a:p>
@@ -958,7 +958,7 @@
           <a:p>
             <a:fld id="{530820CF-B880-4189-942D-D702A7CBA730}" type="datetimeFigureOut">
               <a:rPr lang="zh-CN" altLang="en-US" smtClean="0"/>
-              <a:t>2013/12/4</a:t>
+              <a:t>2013/12/6</a:t>
             </a:fld>
             <a:endParaRPr lang="zh-CN" altLang="en-US"/>
           </a:p>
@@ -1055,7 +1055,7 @@
           <a:p>
             <a:fld id="{530820CF-B880-4189-942D-D702A7CBA730}" type="datetimeFigureOut">
               <a:rPr lang="zh-CN" altLang="en-US" smtClean="0"/>
-              <a:t>2013/12/4</a:t>
+              <a:t>2013/12/6</a:t>
             </a:fld>
             <a:endParaRPr lang="zh-CN" altLang="en-US"/>
           </a:p>
@@ -1651,7 +1651,7 @@
           <a:p>
             <a:fld id="{530820CF-B880-4189-942D-D702A7CBA730}" type="datetimeFigureOut">
               <a:rPr lang="zh-CN" altLang="en-US" smtClean="0"/>
-              <a:t>2013/12/4</a:t>
+              <a:t>2013/12/6</a:t>
             </a:fld>
             <a:endParaRPr lang="zh-CN" altLang="en-US"/>
           </a:p>
@@ -1748,7 +1748,7 @@
           <a:p>
             <a:fld id="{530820CF-B880-4189-942D-D702A7CBA730}" type="datetimeFigureOut">
               <a:rPr lang="zh-CN" altLang="en-US" smtClean="0"/>
-              <a:t>2013/12/4</a:t>
+              <a:t>2013/12/6</a:t>
             </a:fld>
             <a:endParaRPr lang="zh-CN" altLang="en-US"/>
           </a:p>
@@ -2353,7 +2353,7 @@
           <a:p>
             <a:fld id="{530820CF-B880-4189-942D-D702A7CBA730}" type="datetimeFigureOut">
               <a:rPr lang="zh-CN" altLang="en-US" smtClean="0"/>
-              <a:t>2013/12/4</a:t>
+              <a:t>2013/12/6</a:t>
             </a:fld>
             <a:endParaRPr lang="zh-CN" altLang="en-US"/>
           </a:p>
@@ -2496,7 +2496,7 @@
           <a:p>
             <a:fld id="{530820CF-B880-4189-942D-D702A7CBA730}" type="datetimeFigureOut">
               <a:rPr lang="zh-CN" altLang="en-US" smtClean="0"/>
-              <a:t>2013/12/4</a:t>
+              <a:t>2013/12/6</a:t>
             </a:fld>
             <a:endParaRPr lang="zh-CN" altLang="en-US"/>
           </a:p>
@@ -2593,7 +2593,7 @@
           <a:p>
             <a:fld id="{530820CF-B880-4189-942D-D702A7CBA730}" type="datetimeFigureOut">
               <a:rPr lang="zh-CN" altLang="en-US" smtClean="0"/>
-              <a:t>2013/12/4</a:t>
+              <a:t>2013/12/6</a:t>
             </a:fld>
             <a:endParaRPr lang="zh-CN" altLang="en-US"/>
           </a:p>
@@ -2877,7 +2877,7 @@
           <a:p>
             <a:fld id="{530820CF-B880-4189-942D-D702A7CBA730}" type="datetimeFigureOut">
               <a:rPr lang="zh-CN" altLang="en-US" smtClean="0"/>
-              <a:t>2013/12/4</a:t>
+              <a:t>2013/12/6</a:t>
             </a:fld>
             <a:endParaRPr lang="zh-CN" altLang="en-US"/>
           </a:p>
@@ -3399,7 +3399,7 @@
           <a:p>
             <a:fld id="{530820CF-B880-4189-942D-D702A7CBA730}" type="datetimeFigureOut">
               <a:rPr lang="zh-CN" altLang="en-US" smtClean="0"/>
-              <a:t>2013/12/4</a:t>
+              <a:t>2013/12/6</a:t>
             </a:fld>
             <a:endParaRPr lang="zh-CN" altLang="en-US"/>
           </a:p>
@@ -3919,7 +3919,7 @@
           <a:p>
             <a:fld id="{530820CF-B880-4189-942D-D702A7CBA730}" type="datetimeFigureOut">
               <a:rPr lang="zh-CN" altLang="en-US" smtClean="0"/>
-              <a:t>2013/12/4</a:t>
+              <a:t>2013/12/6</a:t>
             </a:fld>
             <a:endParaRPr lang="zh-CN" altLang="en-US"/>
           </a:p>
@@ -7212,7 +7212,11 @@
           <a:p>
             <a:r>
               <a:rPr lang="zh-CN" altLang="en-US" dirty="0" smtClean="0"/>
-              <a:t>形态学处理与运动点团提取</a:t>
+              <a:t>形态学</a:t>
+            </a:r>
+            <a:r>
+              <a:rPr lang="zh-CN" altLang="en-US" dirty="0" smtClean="0"/>
+              <a:t>处理</a:t>
             </a:r>
             <a:endParaRPr lang="zh-CN" altLang="en-US" dirty="0"/>
           </a:p>
@@ -9961,7 +9965,7 @@
                 <a:defRPr/>
               </a:pPr>
               <a:r>
-                <a:rPr kumimoji="0" lang="en-US" b="0" i="0" u="none" strike="noStrike" kern="0" cap="none" spc="0" normalizeH="0" baseline="0" noProof="0" dirty="0">
+                <a:rPr kumimoji="0" lang="en-US" b="0" i="0" u="none" strike="noStrike" kern="0" cap="none" spc="0" normalizeH="0" baseline="0" noProof="0" dirty="0" smtClean="0">
                   <a:ln>
                     <a:noFill/>
                   </a:ln>
@@ -9974,7 +9978,7 @@
                   <a:latin typeface="Times New Roman"/>
                   <a:cs typeface="宋体"/>
                 </a:rPr>
-                <a:t>(a)</a:t>
+                <a:t>(1)</a:t>
               </a:r>
               <a:endParaRPr kumimoji="0" lang="zh-CN" altLang="en-US" b="0" i="0" u="none" strike="noStrike" kern="0" cap="none" spc="0" normalizeH="0" baseline="0" noProof="0" dirty="0">
                 <a:ln>
@@ -10040,7 +10044,7 @@
                 <a:defRPr/>
               </a:pPr>
               <a:r>
-                <a:rPr kumimoji="0" lang="en-US" b="0" i="0" u="none" strike="noStrike" kern="0" cap="none" spc="0" normalizeH="0" baseline="0" noProof="0" dirty="0">
+                <a:rPr kumimoji="0" lang="en-US" b="0" i="0" u="none" strike="noStrike" kern="0" cap="none" spc="0" normalizeH="0" baseline="0" noProof="0" dirty="0" smtClean="0">
                   <a:ln>
                     <a:noFill/>
                   </a:ln>
@@ -10053,7 +10057,7 @@
                   <a:latin typeface="Times New Roman"/>
                   <a:cs typeface="宋体"/>
                 </a:rPr>
-                <a:t>(b)</a:t>
+                <a:t>(2)</a:t>
               </a:r>
               <a:endParaRPr kumimoji="0" lang="zh-CN" altLang="en-US" b="0" i="0" u="none" strike="noStrike" kern="0" cap="none" spc="0" normalizeH="0" baseline="0" noProof="0" dirty="0">
                 <a:ln>
@@ -10119,7 +10123,7 @@
                 <a:defRPr/>
               </a:pPr>
               <a:r>
-                <a:rPr kumimoji="0" lang="en-US" b="0" i="0" u="none" strike="noStrike" kern="0" cap="none" spc="0" normalizeH="0" baseline="0" noProof="0" dirty="0">
+                <a:rPr kumimoji="0" lang="en-US" b="0" i="0" u="none" strike="noStrike" kern="0" cap="none" spc="0" normalizeH="0" baseline="0" noProof="0" dirty="0" smtClean="0">
                   <a:ln>
                     <a:noFill/>
                   </a:ln>
@@ -10132,7 +10136,7 @@
                   <a:latin typeface="Times New Roman"/>
                   <a:cs typeface="宋体"/>
                 </a:rPr>
-                <a:t>(c)</a:t>
+                <a:t>(3)</a:t>
               </a:r>
               <a:endParaRPr kumimoji="0" lang="zh-CN" altLang="en-US" b="0" i="0" u="none" strike="noStrike" kern="0" cap="none" spc="0" normalizeH="0" baseline="0" noProof="0" dirty="0">
                 <a:ln>
@@ -10198,7 +10202,7 @@
                 <a:defRPr/>
               </a:pPr>
               <a:r>
-                <a:rPr kumimoji="0" lang="en-US" b="0" i="0" u="none" strike="noStrike" kern="0" cap="none" spc="0" normalizeH="0" baseline="0" noProof="0" dirty="0">
+                <a:rPr kumimoji="0" lang="en-US" b="0" i="0" u="none" strike="noStrike" kern="0" cap="none" spc="0" normalizeH="0" baseline="0" noProof="0" dirty="0" smtClean="0">
                   <a:ln>
                     <a:noFill/>
                   </a:ln>
@@ -10211,7 +10215,7 @@
                   <a:latin typeface="Times New Roman"/>
                   <a:cs typeface="宋体"/>
                 </a:rPr>
-                <a:t>(d)</a:t>
+                <a:t>(4)</a:t>
               </a:r>
               <a:endParaRPr kumimoji="0" lang="zh-CN" altLang="en-US" b="0" i="0" u="none" strike="noStrike" kern="0" cap="none" spc="0" normalizeH="0" baseline="0" noProof="0" dirty="0">
                 <a:ln>
@@ -11792,11 +11796,7 @@
           <a:p>
             <a:r>
               <a:rPr lang="zh-CN" altLang="en-US" sz="2000" dirty="0" smtClean="0"/>
-              <a:t>颜色特征</a:t>
-            </a:r>
-            <a:r>
-              <a:rPr lang="zh-CN" altLang="en-US" sz="2000" dirty="0" smtClean="0"/>
-              <a:t>：</a:t>
+              <a:t>颜色特征：</a:t>
             </a:r>
             <a:r>
               <a:rPr lang="en-US" altLang="zh-CN" sz="2000" dirty="0" smtClean="0"/>
@@ -15873,8 +15873,8 @@
           </a:p>
         </p:txBody>
       </p:sp>
-      <mc:AlternateContent xmlns:mc="http://schemas.openxmlformats.org/markup-compatibility/2006">
-        <mc:Choice xmlns:a14="http://schemas.microsoft.com/office/drawing/2010/main" Requires="a14">
+      <mc:AlternateContent xmlns:mc="http://schemas.openxmlformats.org/markup-compatibility/2006" xmlns:a14="http://schemas.microsoft.com/office/drawing/2010/main">
+        <mc:Choice Requires="a14">
           <p:sp>
             <p:nvSpPr>
               <p:cNvPr id="6" name="TextBox 5"/>
@@ -16075,7 +16075,7 @@
             </p:txBody>
           </p:sp>
         </mc:Choice>
-        <mc:Fallback>
+        <mc:Fallback xmlns="">
           <p:sp>
             <p:nvSpPr>
               <p:cNvPr id="6" name="TextBox 5"/>
@@ -21638,7 +21638,7 @@
         <p:spPr>
           <a:xfrm>
             <a:off x="3563888" y="2987660"/>
-            <a:ext cx="1800200" cy="369332"/>
+            <a:ext cx="2088232" cy="369332"/>
           </a:xfrm>
           <a:prstGeom prst="rect">
             <a:avLst/>
@@ -21651,6 +21651,10 @@
           </a:bodyPr>
           <a:lstStyle/>
           <a:p>
+            <a:r>
+              <a:rPr lang="zh-CN" altLang="en-US" dirty="0"/>
+              <a:t>混合</a:t>
+            </a:r>
             <a:r>
               <a:rPr lang="zh-CN" altLang="en-US" dirty="0" smtClean="0"/>
               <a:t>高斯背景建模</a:t>
@@ -23571,7 +23575,7 @@
             </a:r>
             <a:r>
               <a:rPr lang="en-US" altLang="zh-CN" dirty="0" smtClean="0"/>
-              <a:t>1270*720</a:t>
+              <a:t>1280*720</a:t>
             </a:r>
             <a:r>
               <a:rPr lang="zh-CN" altLang="en-US" dirty="0" smtClean="0"/>

--- a/研究生毕业设计/文档管理/论文_2/毕业设计答辩.pptx
+++ b/研究生毕业设计/文档管理/论文_2/毕业设计答辩.pptx
@@ -23,19 +23,18 @@
     <p:sldId id="286" r:id="rId17"/>
     <p:sldId id="285" r:id="rId18"/>
     <p:sldId id="259" r:id="rId19"/>
-    <p:sldId id="263" r:id="rId20"/>
-    <p:sldId id="288" r:id="rId21"/>
-    <p:sldId id="289" r:id="rId22"/>
-    <p:sldId id="287" r:id="rId23"/>
-    <p:sldId id="290" r:id="rId24"/>
-    <p:sldId id="291" r:id="rId25"/>
-    <p:sldId id="292" r:id="rId26"/>
-    <p:sldId id="293" r:id="rId27"/>
-    <p:sldId id="294" r:id="rId28"/>
-    <p:sldId id="295" r:id="rId29"/>
-    <p:sldId id="260" r:id="rId30"/>
-    <p:sldId id="264" r:id="rId31"/>
-    <p:sldId id="271" r:id="rId32"/>
+    <p:sldId id="288" r:id="rId20"/>
+    <p:sldId id="289" r:id="rId21"/>
+    <p:sldId id="287" r:id="rId22"/>
+    <p:sldId id="290" r:id="rId23"/>
+    <p:sldId id="291" r:id="rId24"/>
+    <p:sldId id="292" r:id="rId25"/>
+    <p:sldId id="293" r:id="rId26"/>
+    <p:sldId id="294" r:id="rId27"/>
+    <p:sldId id="295" r:id="rId28"/>
+    <p:sldId id="260" r:id="rId29"/>
+    <p:sldId id="264" r:id="rId30"/>
+    <p:sldId id="271" r:id="rId31"/>
   </p:sldIdLst>
   <p:sldSz cx="9144000" cy="6858000" type="screen4x3"/>
   <p:notesSz cx="6858000" cy="9144000"/>
@@ -7212,11 +7211,7 @@
           <a:p>
             <a:r>
               <a:rPr lang="zh-CN" altLang="en-US" dirty="0" smtClean="0"/>
-              <a:t>形态学</a:t>
-            </a:r>
-            <a:r>
-              <a:rPr lang="zh-CN" altLang="en-US" dirty="0" smtClean="0"/>
-              <a:t>处理</a:t>
+              <a:t>形态学处理</a:t>
             </a:r>
             <a:endParaRPr lang="zh-CN" altLang="en-US" dirty="0"/>
           </a:p>
@@ -12023,8 +12018,8 @@
         </p:nvSpPr>
         <p:spPr>
           <a:xfrm>
-            <a:off x="2595993" y="5742384"/>
-            <a:ext cx="6512511" cy="1143000"/>
+            <a:off x="1075200" y="5713934"/>
+            <a:ext cx="8054281" cy="1143000"/>
           </a:xfrm>
         </p:spPr>
         <p:txBody>
@@ -12033,100 +12028,492 @@
           <a:p>
             <a:r>
               <a:rPr lang="zh-CN" altLang="en-US" dirty="0" smtClean="0"/>
-              <a:t>特征提取技术路线</a:t>
+              <a:t>对象类型检索</a:t>
             </a:r>
             <a:endParaRPr lang="zh-CN" altLang="en-US" dirty="0"/>
           </a:p>
         </p:txBody>
       </p:sp>
-      <p:pic>
-        <p:nvPicPr>
-          <p:cNvPr id="1026" name="Picture 2"/>
-          <p:cNvPicPr>
-            <a:picLocks noChangeAspect="1" noChangeArrowheads="1"/>
-          </p:cNvPicPr>
+      <p:sp>
+        <p:nvSpPr>
+          <p:cNvPr id="4" name="矩形 3"/>
+          <p:cNvSpPr/>
           <p:nvPr/>
-        </p:nvPicPr>
-        <p:blipFill>
-          <a:blip r:embed="rId2">
-            <a:extLst>
-              <a:ext uri="{28A0092B-C50C-407E-A947-70E740481C1C}">
-                <a14:useLocalDpi xmlns:a14="http://schemas.microsoft.com/office/drawing/2010/main" val="0"/>
-              </a:ext>
-            </a:extLst>
-          </a:blip>
-          <a:srcRect/>
-          <a:stretch>
-            <a:fillRect/>
-          </a:stretch>
-        </p:blipFill>
-        <p:spPr bwMode="auto">
+        </p:nvSpPr>
+        <p:spPr>
           <a:xfrm>
-            <a:off x="4352900" y="7494"/>
-            <a:ext cx="2019300" cy="5200650"/>
+            <a:off x="971600" y="692696"/>
+            <a:ext cx="2977097" cy="369332"/>
           </a:xfrm>
           <a:prstGeom prst="rect">
             <a:avLst/>
           </a:prstGeom>
-          <a:noFill/>
-          <a:ln>
-            <a:noFill/>
-          </a:ln>
-          <a:extLst>
-            <a:ext uri="{909E8E84-426E-40DD-AFC4-6F175D3DCCD1}">
-              <a14:hiddenFill xmlns:a14="http://schemas.microsoft.com/office/drawing/2010/main">
-                <a:solidFill>
-                  <a:schemeClr val="accent1"/>
-                </a:solidFill>
-              </a14:hiddenFill>
-            </a:ext>
-            <a:ext uri="{91240B29-F687-4F45-9708-019B960494DF}">
-              <a14:hiddenLine xmlns:a14="http://schemas.microsoft.com/office/drawing/2010/main" w="9525">
-                <a:solidFill>
-                  <a:schemeClr val="tx1"/>
-                </a:solidFill>
-                <a:miter lim="800000"/>
-                <a:headEnd/>
-                <a:tailEnd/>
-              </a14:hiddenLine>
-            </a:ext>
-          </a:extLst>
-        </p:spPr>
-      </p:pic>
-      <p:sp>
-        <p:nvSpPr>
-          <p:cNvPr id="3" name="TextBox 2"/>
-          <p:cNvSpPr txBox="1"/>
-          <p:nvPr/>
-        </p:nvSpPr>
-        <p:spPr>
-          <a:xfrm>
-            <a:off x="2404209" y="548680"/>
-            <a:ext cx="1015663" cy="4392488"/>
-          </a:xfrm>
-          <a:prstGeom prst="rect">
-            <a:avLst/>
-          </a:prstGeom>
-          <a:noFill/>
         </p:spPr>
         <p:txBody>
-          <a:bodyPr vert="eaVert" wrap="square" rtlCol="0">
+          <a:bodyPr wrap="none">
             <a:spAutoFit/>
           </a:bodyPr>
           <a:lstStyle/>
           <a:p>
             <a:r>
-              <a:rPr lang="zh-CN" altLang="en-US" dirty="0"/>
-              <a:t>基于视频摘要的视频信息检索，只需要对视频有意义的部分进行检索操作，将大大缩小视频特征处理的时间。</a:t>
+              <a:rPr lang="zh-CN" altLang="zh-CN" dirty="0"/>
+              <a:t>基于</a:t>
             </a:r>
-            <a:endParaRPr lang="en-US" altLang="zh-CN" dirty="0"/>
+            <a:r>
+              <a:rPr lang="en-US" altLang="zh-CN" dirty="0" err="1"/>
+              <a:t>Haar</a:t>
+            </a:r>
+            <a:r>
+              <a:rPr lang="zh-CN" altLang="zh-CN" dirty="0"/>
+              <a:t>特征的级联分类器</a:t>
+            </a:r>
+            <a:endParaRPr lang="zh-CN" altLang="en-US" dirty="0"/>
           </a:p>
         </p:txBody>
       </p:sp>
+      <p:grpSp>
+        <p:nvGrpSpPr>
+          <p:cNvPr id="5" name="画布 186"/>
+          <p:cNvGrpSpPr/>
+          <p:nvPr/>
+        </p:nvGrpSpPr>
+        <p:grpSpPr>
+          <a:xfrm>
+            <a:off x="1028642" y="1088609"/>
+            <a:ext cx="7503797" cy="4644647"/>
+            <a:chOff x="0" y="0"/>
+            <a:chExt cx="5486400" cy="3620135"/>
+          </a:xfrm>
+        </p:grpSpPr>
+        <p:sp>
+          <p:nvSpPr>
+            <p:cNvPr id="6" name="矩形 5"/>
+            <p:cNvSpPr/>
+            <p:nvPr/>
+          </p:nvSpPr>
+          <p:spPr>
+            <a:xfrm>
+              <a:off x="0" y="0"/>
+              <a:ext cx="5486400" cy="3620135"/>
+            </a:xfrm>
+            <a:prstGeom prst="rect">
+              <a:avLst/>
+            </a:prstGeom>
+          </p:spPr>
+        </p:sp>
+        <p:pic>
+          <p:nvPicPr>
+            <p:cNvPr id="7" name="图片 6"/>
+            <p:cNvPicPr>
+              <a:picLocks noChangeAspect="1"/>
+            </p:cNvPicPr>
+            <p:nvPr/>
+          </p:nvPicPr>
+          <p:blipFill>
+            <a:blip r:embed="rId2"/>
+            <a:stretch>
+              <a:fillRect/>
+            </a:stretch>
+          </p:blipFill>
+          <p:spPr>
+            <a:xfrm>
+              <a:off x="1799022" y="0"/>
+              <a:ext cx="266928" cy="800782"/>
+            </a:xfrm>
+            <a:prstGeom prst="rect">
+              <a:avLst/>
+            </a:prstGeom>
+          </p:spPr>
+        </p:pic>
+        <p:pic>
+          <p:nvPicPr>
+            <p:cNvPr id="8" name="图片 7"/>
+            <p:cNvPicPr>
+              <a:picLocks noChangeAspect="1"/>
+            </p:cNvPicPr>
+            <p:nvPr/>
+          </p:nvPicPr>
+          <p:blipFill>
+            <a:blip r:embed="rId3"/>
+            <a:stretch>
+              <a:fillRect/>
+            </a:stretch>
+          </p:blipFill>
+          <p:spPr>
+            <a:xfrm>
+              <a:off x="2065950" y="0"/>
+              <a:ext cx="296250" cy="800782"/>
+            </a:xfrm>
+            <a:prstGeom prst="rect">
+              <a:avLst/>
+            </a:prstGeom>
+          </p:spPr>
+        </p:pic>
+        <p:pic>
+          <p:nvPicPr>
+            <p:cNvPr id="9" name="图片 8"/>
+            <p:cNvPicPr>
+              <a:picLocks noChangeAspect="1"/>
+            </p:cNvPicPr>
+            <p:nvPr/>
+          </p:nvPicPr>
+          <p:blipFill>
+            <a:blip r:embed="rId4"/>
+            <a:stretch>
+              <a:fillRect/>
+            </a:stretch>
+          </p:blipFill>
+          <p:spPr>
+            <a:xfrm>
+              <a:off x="2362200" y="6028"/>
+              <a:ext cx="258150" cy="794754"/>
+            </a:xfrm>
+            <a:prstGeom prst="rect">
+              <a:avLst/>
+            </a:prstGeom>
+          </p:spPr>
+        </p:pic>
+        <p:pic>
+          <p:nvPicPr>
+            <p:cNvPr id="10" name="图片 9"/>
+            <p:cNvPicPr>
+              <a:picLocks noChangeAspect="1"/>
+            </p:cNvPicPr>
+            <p:nvPr/>
+          </p:nvPicPr>
+          <p:blipFill>
+            <a:blip r:embed="rId5"/>
+            <a:stretch>
+              <a:fillRect/>
+            </a:stretch>
+          </p:blipFill>
+          <p:spPr>
+            <a:xfrm>
+              <a:off x="2620350" y="0"/>
+              <a:ext cx="306003" cy="800782"/>
+            </a:xfrm>
+            <a:prstGeom prst="rect">
+              <a:avLst/>
+            </a:prstGeom>
+          </p:spPr>
+        </p:pic>
+        <p:pic>
+          <p:nvPicPr>
+            <p:cNvPr id="11" name="图片 10"/>
+            <p:cNvPicPr>
+              <a:picLocks noChangeAspect="1"/>
+            </p:cNvPicPr>
+            <p:nvPr/>
+          </p:nvPicPr>
+          <p:blipFill>
+            <a:blip r:embed="rId6"/>
+            <a:stretch>
+              <a:fillRect/>
+            </a:stretch>
+          </p:blipFill>
+          <p:spPr>
+            <a:xfrm>
+              <a:off x="2926353" y="0"/>
+              <a:ext cx="270280" cy="800782"/>
+            </a:xfrm>
+            <a:prstGeom prst="rect">
+              <a:avLst/>
+            </a:prstGeom>
+          </p:spPr>
+        </p:pic>
+        <p:pic>
+          <p:nvPicPr>
+            <p:cNvPr id="12" name="图片 11"/>
+            <p:cNvPicPr>
+              <a:picLocks noChangeAspect="1"/>
+            </p:cNvPicPr>
+            <p:nvPr/>
+          </p:nvPicPr>
+          <p:blipFill>
+            <a:blip r:embed="rId7" cstate="screen">
+              <a:extLst>
+                <a:ext uri="{28A0092B-C50C-407E-A947-70E740481C1C}">
+                  <a14:useLocalDpi xmlns:a14="http://schemas.microsoft.com/office/drawing/2010/main"/>
+                </a:ext>
+              </a:extLst>
+            </a:blip>
+            <a:stretch>
+              <a:fillRect/>
+            </a:stretch>
+          </p:blipFill>
+          <p:spPr>
+            <a:xfrm>
+              <a:off x="3196633" y="0"/>
+              <a:ext cx="298779" cy="800782"/>
+            </a:xfrm>
+            <a:prstGeom prst="rect">
+              <a:avLst/>
+            </a:prstGeom>
+          </p:spPr>
+        </p:pic>
+        <p:pic>
+          <p:nvPicPr>
+            <p:cNvPr id="13" name="图片 12"/>
+            <p:cNvPicPr>
+              <a:picLocks noChangeAspect="1"/>
+            </p:cNvPicPr>
+            <p:nvPr/>
+          </p:nvPicPr>
+          <p:blipFill>
+            <a:blip r:embed="rId8"/>
+            <a:stretch>
+              <a:fillRect/>
+            </a:stretch>
+          </p:blipFill>
+          <p:spPr>
+            <a:xfrm>
+              <a:off x="3495412" y="0"/>
+              <a:ext cx="267675" cy="800782"/>
+            </a:xfrm>
+            <a:prstGeom prst="rect">
+              <a:avLst/>
+            </a:prstGeom>
+          </p:spPr>
+        </p:pic>
+        <p:sp>
+          <p:nvSpPr>
+            <p:cNvPr id="14" name="文本框 185"/>
+            <p:cNvSpPr txBox="1"/>
+            <p:nvPr/>
+          </p:nvSpPr>
+          <p:spPr>
+            <a:xfrm>
+              <a:off x="2189548" y="800782"/>
+              <a:ext cx="1182302" cy="304165"/>
+            </a:xfrm>
+            <a:prstGeom prst="rect">
+              <a:avLst/>
+            </a:prstGeom>
+            <a:noFill/>
+            <a:ln w="6350">
+              <a:noFill/>
+            </a:ln>
+            <a:effectLst/>
+          </p:spPr>
+          <p:style>
+            <a:lnRef idx="0">
+              <a:schemeClr val="accent1"/>
+            </a:lnRef>
+            <a:fillRef idx="0">
+              <a:schemeClr val="accent1"/>
+            </a:fillRef>
+            <a:effectRef idx="0">
+              <a:schemeClr val="accent1"/>
+            </a:effectRef>
+            <a:fontRef idx="minor">
+              <a:schemeClr val="dk1"/>
+            </a:fontRef>
+          </p:style>
+          <p:txBody>
+            <a:bodyPr rot="0" spcFirstLastPara="0" vert="horz" wrap="square" lIns="91440" tIns="45720" rIns="91440" bIns="45720" numCol="1" spcCol="0" rtlCol="0" fromWordArt="0" anchor="t" anchorCtr="0" forceAA="0" compatLnSpc="1">
+              <a:prstTxWarp prst="textNoShape">
+                <a:avLst/>
+              </a:prstTxWarp>
+              <a:noAutofit/>
+            </a:bodyPr>
+            <a:lstStyle/>
+            <a:p>
+              <a:pPr algn="just">
+                <a:spcAft>
+                  <a:spcPts val="0"/>
+                </a:spcAft>
+              </a:pPr>
+              <a:r>
+                <a:rPr lang="en-US" sz="1050" dirty="0" smtClean="0">
+                  <a:effectLst/>
+                  <a:latin typeface="宋体"/>
+                  <a:cs typeface="Times New Roman"/>
+                </a:rPr>
+                <a:t> </a:t>
+              </a:r>
+              <a:r>
+                <a:rPr lang="zh-CN" sz="1600" dirty="0">
+                  <a:effectLst/>
+                  <a:latin typeface="宋体"/>
+                  <a:cs typeface="Times New Roman"/>
+                </a:rPr>
+                <a:t>行人样本</a:t>
+              </a:r>
+              <a:endParaRPr lang="zh-CN" sz="1600" dirty="0">
+                <a:effectLst/>
+                <a:latin typeface="宋体"/>
+                <a:cs typeface="宋体"/>
+              </a:endParaRPr>
+            </a:p>
+          </p:txBody>
+        </p:sp>
+        <p:pic>
+          <p:nvPicPr>
+            <p:cNvPr id="15" name="图片 14"/>
+            <p:cNvPicPr>
+              <a:picLocks noChangeAspect="1"/>
+            </p:cNvPicPr>
+            <p:nvPr/>
+          </p:nvPicPr>
+          <p:blipFill>
+            <a:blip r:embed="rId9" cstate="screen">
+              <a:extLst>
+                <a:ext uri="{28A0092B-C50C-407E-A947-70E740481C1C}">
+                  <a14:useLocalDpi xmlns:a14="http://schemas.microsoft.com/office/drawing/2010/main"/>
+                </a:ext>
+              </a:extLst>
+            </a:blip>
+            <a:stretch>
+              <a:fillRect/>
+            </a:stretch>
+          </p:blipFill>
+          <p:spPr>
+            <a:xfrm>
+              <a:off x="0" y="1104947"/>
+              <a:ext cx="2106469" cy="2162128"/>
+            </a:xfrm>
+            <a:prstGeom prst="rect">
+              <a:avLst/>
+            </a:prstGeom>
+          </p:spPr>
+        </p:pic>
+        <p:pic>
+          <p:nvPicPr>
+            <p:cNvPr id="16" name="图片 15"/>
+            <p:cNvPicPr>
+              <a:picLocks noChangeAspect="1"/>
+            </p:cNvPicPr>
+            <p:nvPr/>
+          </p:nvPicPr>
+          <p:blipFill>
+            <a:blip r:embed="rId10" cstate="screen">
+              <a:extLst>
+                <a:ext uri="{28A0092B-C50C-407E-A947-70E740481C1C}">
+                  <a14:useLocalDpi xmlns:a14="http://schemas.microsoft.com/office/drawing/2010/main"/>
+                </a:ext>
+              </a:extLst>
+            </a:blip>
+            <a:stretch>
+              <a:fillRect/>
+            </a:stretch>
+          </p:blipFill>
+          <p:spPr>
+            <a:xfrm>
+              <a:off x="2106469" y="1104948"/>
+              <a:ext cx="1436831" cy="2162128"/>
+            </a:xfrm>
+            <a:prstGeom prst="rect">
+              <a:avLst/>
+            </a:prstGeom>
+          </p:spPr>
+        </p:pic>
+        <p:pic>
+          <p:nvPicPr>
+            <p:cNvPr id="17" name="图片 16"/>
+            <p:cNvPicPr>
+              <a:picLocks noChangeAspect="1"/>
+            </p:cNvPicPr>
+            <p:nvPr/>
+          </p:nvPicPr>
+          <p:blipFill>
+            <a:blip r:embed="rId11" cstate="screen">
+              <a:extLst>
+                <a:ext uri="{28A0092B-C50C-407E-A947-70E740481C1C}">
+                  <a14:useLocalDpi xmlns:a14="http://schemas.microsoft.com/office/drawing/2010/main"/>
+                </a:ext>
+              </a:extLst>
+            </a:blip>
+            <a:stretch>
+              <a:fillRect/>
+            </a:stretch>
+          </p:blipFill>
+          <p:spPr>
+            <a:xfrm>
+              <a:off x="3541812" y="1104947"/>
+              <a:ext cx="1944155" cy="2162128"/>
+            </a:xfrm>
+            <a:prstGeom prst="rect">
+              <a:avLst/>
+            </a:prstGeom>
+          </p:spPr>
+        </p:pic>
+        <p:sp>
+          <p:nvSpPr>
+            <p:cNvPr id="18" name="文本框 185"/>
+            <p:cNvSpPr txBox="1"/>
+            <p:nvPr/>
+          </p:nvSpPr>
+          <p:spPr>
+            <a:xfrm>
+              <a:off x="2171262" y="3305046"/>
+              <a:ext cx="1181735" cy="304165"/>
+            </a:xfrm>
+            <a:prstGeom prst="rect">
+              <a:avLst/>
+            </a:prstGeom>
+            <a:noFill/>
+            <a:ln w="6350">
+              <a:noFill/>
+            </a:ln>
+            <a:effectLst/>
+          </p:spPr>
+          <p:style>
+            <a:lnRef idx="0">
+              <a:schemeClr val="accent1"/>
+            </a:lnRef>
+            <a:fillRef idx="0">
+              <a:schemeClr val="accent1"/>
+            </a:fillRef>
+            <a:effectRef idx="0">
+              <a:schemeClr val="accent1"/>
+            </a:effectRef>
+            <a:fontRef idx="minor">
+              <a:schemeClr val="dk1"/>
+            </a:fontRef>
+          </p:style>
+          <p:txBody>
+            <a:bodyPr rot="0" spcFirstLastPara="0" vert="horz" wrap="square" lIns="91440" tIns="45720" rIns="91440" bIns="45720" numCol="1" spcCol="0" rtlCol="0" fromWordArt="0" anchor="t" anchorCtr="0" forceAA="0" compatLnSpc="1">
+              <a:prstTxWarp prst="textNoShape">
+                <a:avLst/>
+              </a:prstTxWarp>
+              <a:noAutofit/>
+            </a:bodyPr>
+            <a:lstStyle/>
+            <a:p>
+              <a:pPr algn="just">
+                <a:spcAft>
+                  <a:spcPts val="0"/>
+                </a:spcAft>
+              </a:pPr>
+              <a:r>
+                <a:rPr lang="en-US" sz="1600" dirty="0" smtClean="0">
+                  <a:effectLst/>
+                  <a:latin typeface="宋体"/>
+                  <a:cs typeface="Times New Roman"/>
+                </a:rPr>
+                <a:t> </a:t>
+              </a:r>
+              <a:r>
+                <a:rPr lang="zh-CN" sz="1600" dirty="0">
+                  <a:effectLst/>
+                  <a:latin typeface="宋体"/>
+                  <a:cs typeface="Times New Roman"/>
+                </a:rPr>
+                <a:t>车辆样本</a:t>
+              </a:r>
+              <a:endParaRPr lang="zh-CN" sz="1600" dirty="0">
+                <a:effectLst/>
+                <a:latin typeface="宋体"/>
+                <a:cs typeface="宋体"/>
+              </a:endParaRPr>
+            </a:p>
+          </p:txBody>
+        </p:sp>
+      </p:grpSp>
     </p:spTree>
     <p:extLst>
       <p:ext uri="{BB962C8B-B14F-4D97-AF65-F5344CB8AC3E}">
-        <p14:creationId xmlns:p14="http://schemas.microsoft.com/office/powerpoint/2010/main" val="1037395504"/>
+        <p14:creationId xmlns:p14="http://schemas.microsoft.com/office/powerpoint/2010/main" val="10927715"/>
       </p:ext>
     </p:extLst>
   </p:cSld>
@@ -12741,547 +13128,6 @@
 </file>
 
 <file path=ppt/slides/slide20.xml><?xml version="1.0" encoding="utf-8"?>
-<p:sld xmlns:a="http://schemas.openxmlformats.org/drawingml/2006/main" xmlns:r="http://schemas.openxmlformats.org/officeDocument/2006/relationships" xmlns:p="http://schemas.openxmlformats.org/presentationml/2006/main">
-  <p:cSld>
-    <p:spTree>
-      <p:nvGrpSpPr>
-        <p:cNvPr id="1" name=""/>
-        <p:cNvGrpSpPr/>
-        <p:nvPr/>
-      </p:nvGrpSpPr>
-      <p:grpSpPr>
-        <a:xfrm>
-          <a:off x="0" y="0"/>
-          <a:ext cx="0" cy="0"/>
-          <a:chOff x="0" y="0"/>
-          <a:chExt cx="0" cy="0"/>
-        </a:xfrm>
-      </p:grpSpPr>
-      <p:sp>
-        <p:nvSpPr>
-          <p:cNvPr id="2" name="标题 1"/>
-          <p:cNvSpPr>
-            <a:spLocks noGrp="1"/>
-          </p:cNvSpPr>
-          <p:nvPr>
-            <p:ph type="title"/>
-          </p:nvPr>
-        </p:nvSpPr>
-        <p:spPr>
-          <a:xfrm>
-            <a:off x="1075200" y="5713934"/>
-            <a:ext cx="8054281" cy="1143000"/>
-          </a:xfrm>
-        </p:spPr>
-        <p:txBody>
-          <a:bodyPr/>
-          <a:lstStyle/>
-          <a:p>
-            <a:r>
-              <a:rPr lang="zh-CN" altLang="en-US" dirty="0" smtClean="0"/>
-              <a:t>对象类型检索</a:t>
-            </a:r>
-            <a:endParaRPr lang="zh-CN" altLang="en-US" dirty="0"/>
-          </a:p>
-        </p:txBody>
-      </p:sp>
-      <p:sp>
-        <p:nvSpPr>
-          <p:cNvPr id="4" name="矩形 3"/>
-          <p:cNvSpPr/>
-          <p:nvPr/>
-        </p:nvSpPr>
-        <p:spPr>
-          <a:xfrm>
-            <a:off x="971600" y="692696"/>
-            <a:ext cx="2977097" cy="369332"/>
-          </a:xfrm>
-          <a:prstGeom prst="rect">
-            <a:avLst/>
-          </a:prstGeom>
-        </p:spPr>
-        <p:txBody>
-          <a:bodyPr wrap="none">
-            <a:spAutoFit/>
-          </a:bodyPr>
-          <a:lstStyle/>
-          <a:p>
-            <a:r>
-              <a:rPr lang="zh-CN" altLang="zh-CN" dirty="0"/>
-              <a:t>基于</a:t>
-            </a:r>
-            <a:r>
-              <a:rPr lang="en-US" altLang="zh-CN" dirty="0" err="1"/>
-              <a:t>Haar</a:t>
-            </a:r>
-            <a:r>
-              <a:rPr lang="zh-CN" altLang="zh-CN" dirty="0"/>
-              <a:t>特征的级联分类器</a:t>
-            </a:r>
-            <a:endParaRPr lang="zh-CN" altLang="en-US" dirty="0"/>
-          </a:p>
-        </p:txBody>
-      </p:sp>
-      <p:grpSp>
-        <p:nvGrpSpPr>
-          <p:cNvPr id="5" name="画布 186"/>
-          <p:cNvGrpSpPr/>
-          <p:nvPr/>
-        </p:nvGrpSpPr>
-        <p:grpSpPr>
-          <a:xfrm>
-            <a:off x="1028642" y="1088609"/>
-            <a:ext cx="7503797" cy="4644647"/>
-            <a:chOff x="0" y="0"/>
-            <a:chExt cx="5486400" cy="3620135"/>
-          </a:xfrm>
-        </p:grpSpPr>
-        <p:sp>
-          <p:nvSpPr>
-            <p:cNvPr id="6" name="矩形 5"/>
-            <p:cNvSpPr/>
-            <p:nvPr/>
-          </p:nvSpPr>
-          <p:spPr>
-            <a:xfrm>
-              <a:off x="0" y="0"/>
-              <a:ext cx="5486400" cy="3620135"/>
-            </a:xfrm>
-            <a:prstGeom prst="rect">
-              <a:avLst/>
-            </a:prstGeom>
-          </p:spPr>
-        </p:sp>
-        <p:pic>
-          <p:nvPicPr>
-            <p:cNvPr id="7" name="图片 6"/>
-            <p:cNvPicPr>
-              <a:picLocks noChangeAspect="1"/>
-            </p:cNvPicPr>
-            <p:nvPr/>
-          </p:nvPicPr>
-          <p:blipFill>
-            <a:blip r:embed="rId2"/>
-            <a:stretch>
-              <a:fillRect/>
-            </a:stretch>
-          </p:blipFill>
-          <p:spPr>
-            <a:xfrm>
-              <a:off x="1799022" y="0"/>
-              <a:ext cx="266928" cy="800782"/>
-            </a:xfrm>
-            <a:prstGeom prst="rect">
-              <a:avLst/>
-            </a:prstGeom>
-          </p:spPr>
-        </p:pic>
-        <p:pic>
-          <p:nvPicPr>
-            <p:cNvPr id="8" name="图片 7"/>
-            <p:cNvPicPr>
-              <a:picLocks noChangeAspect="1"/>
-            </p:cNvPicPr>
-            <p:nvPr/>
-          </p:nvPicPr>
-          <p:blipFill>
-            <a:blip r:embed="rId3"/>
-            <a:stretch>
-              <a:fillRect/>
-            </a:stretch>
-          </p:blipFill>
-          <p:spPr>
-            <a:xfrm>
-              <a:off x="2065950" y="0"/>
-              <a:ext cx="296250" cy="800782"/>
-            </a:xfrm>
-            <a:prstGeom prst="rect">
-              <a:avLst/>
-            </a:prstGeom>
-          </p:spPr>
-        </p:pic>
-        <p:pic>
-          <p:nvPicPr>
-            <p:cNvPr id="9" name="图片 8"/>
-            <p:cNvPicPr>
-              <a:picLocks noChangeAspect="1"/>
-            </p:cNvPicPr>
-            <p:nvPr/>
-          </p:nvPicPr>
-          <p:blipFill>
-            <a:blip r:embed="rId4"/>
-            <a:stretch>
-              <a:fillRect/>
-            </a:stretch>
-          </p:blipFill>
-          <p:spPr>
-            <a:xfrm>
-              <a:off x="2362200" y="6028"/>
-              <a:ext cx="258150" cy="794754"/>
-            </a:xfrm>
-            <a:prstGeom prst="rect">
-              <a:avLst/>
-            </a:prstGeom>
-          </p:spPr>
-        </p:pic>
-        <p:pic>
-          <p:nvPicPr>
-            <p:cNvPr id="10" name="图片 9"/>
-            <p:cNvPicPr>
-              <a:picLocks noChangeAspect="1"/>
-            </p:cNvPicPr>
-            <p:nvPr/>
-          </p:nvPicPr>
-          <p:blipFill>
-            <a:blip r:embed="rId5"/>
-            <a:stretch>
-              <a:fillRect/>
-            </a:stretch>
-          </p:blipFill>
-          <p:spPr>
-            <a:xfrm>
-              <a:off x="2620350" y="0"/>
-              <a:ext cx="306003" cy="800782"/>
-            </a:xfrm>
-            <a:prstGeom prst="rect">
-              <a:avLst/>
-            </a:prstGeom>
-          </p:spPr>
-        </p:pic>
-        <p:pic>
-          <p:nvPicPr>
-            <p:cNvPr id="11" name="图片 10"/>
-            <p:cNvPicPr>
-              <a:picLocks noChangeAspect="1"/>
-            </p:cNvPicPr>
-            <p:nvPr/>
-          </p:nvPicPr>
-          <p:blipFill>
-            <a:blip r:embed="rId6"/>
-            <a:stretch>
-              <a:fillRect/>
-            </a:stretch>
-          </p:blipFill>
-          <p:spPr>
-            <a:xfrm>
-              <a:off x="2926353" y="0"/>
-              <a:ext cx="270280" cy="800782"/>
-            </a:xfrm>
-            <a:prstGeom prst="rect">
-              <a:avLst/>
-            </a:prstGeom>
-          </p:spPr>
-        </p:pic>
-        <p:pic>
-          <p:nvPicPr>
-            <p:cNvPr id="12" name="图片 11"/>
-            <p:cNvPicPr>
-              <a:picLocks noChangeAspect="1"/>
-            </p:cNvPicPr>
-            <p:nvPr/>
-          </p:nvPicPr>
-          <p:blipFill>
-            <a:blip r:embed="rId7" cstate="screen">
-              <a:extLst>
-                <a:ext uri="{28A0092B-C50C-407E-A947-70E740481C1C}">
-                  <a14:useLocalDpi xmlns:a14="http://schemas.microsoft.com/office/drawing/2010/main"/>
-                </a:ext>
-              </a:extLst>
-            </a:blip>
-            <a:stretch>
-              <a:fillRect/>
-            </a:stretch>
-          </p:blipFill>
-          <p:spPr>
-            <a:xfrm>
-              <a:off x="3196633" y="0"/>
-              <a:ext cx="298779" cy="800782"/>
-            </a:xfrm>
-            <a:prstGeom prst="rect">
-              <a:avLst/>
-            </a:prstGeom>
-          </p:spPr>
-        </p:pic>
-        <p:pic>
-          <p:nvPicPr>
-            <p:cNvPr id="13" name="图片 12"/>
-            <p:cNvPicPr>
-              <a:picLocks noChangeAspect="1"/>
-            </p:cNvPicPr>
-            <p:nvPr/>
-          </p:nvPicPr>
-          <p:blipFill>
-            <a:blip r:embed="rId8"/>
-            <a:stretch>
-              <a:fillRect/>
-            </a:stretch>
-          </p:blipFill>
-          <p:spPr>
-            <a:xfrm>
-              <a:off x="3495412" y="0"/>
-              <a:ext cx="267675" cy="800782"/>
-            </a:xfrm>
-            <a:prstGeom prst="rect">
-              <a:avLst/>
-            </a:prstGeom>
-          </p:spPr>
-        </p:pic>
-        <p:sp>
-          <p:nvSpPr>
-            <p:cNvPr id="14" name="文本框 185"/>
-            <p:cNvSpPr txBox="1"/>
-            <p:nvPr/>
-          </p:nvSpPr>
-          <p:spPr>
-            <a:xfrm>
-              <a:off x="2189548" y="800782"/>
-              <a:ext cx="1182302" cy="304165"/>
-            </a:xfrm>
-            <a:prstGeom prst="rect">
-              <a:avLst/>
-            </a:prstGeom>
-            <a:noFill/>
-            <a:ln w="6350">
-              <a:noFill/>
-            </a:ln>
-            <a:effectLst/>
-          </p:spPr>
-          <p:style>
-            <a:lnRef idx="0">
-              <a:schemeClr val="accent1"/>
-            </a:lnRef>
-            <a:fillRef idx="0">
-              <a:schemeClr val="accent1"/>
-            </a:fillRef>
-            <a:effectRef idx="0">
-              <a:schemeClr val="accent1"/>
-            </a:effectRef>
-            <a:fontRef idx="minor">
-              <a:schemeClr val="dk1"/>
-            </a:fontRef>
-          </p:style>
-          <p:txBody>
-            <a:bodyPr rot="0" spcFirstLastPara="0" vert="horz" wrap="square" lIns="91440" tIns="45720" rIns="91440" bIns="45720" numCol="1" spcCol="0" rtlCol="0" fromWordArt="0" anchor="t" anchorCtr="0" forceAA="0" compatLnSpc="1">
-              <a:prstTxWarp prst="textNoShape">
-                <a:avLst/>
-              </a:prstTxWarp>
-              <a:noAutofit/>
-            </a:bodyPr>
-            <a:lstStyle/>
-            <a:p>
-              <a:pPr algn="just">
-                <a:spcAft>
-                  <a:spcPts val="0"/>
-                </a:spcAft>
-              </a:pPr>
-              <a:r>
-                <a:rPr lang="en-US" sz="1050" dirty="0" smtClean="0">
-                  <a:effectLst/>
-                  <a:latin typeface="宋体"/>
-                  <a:cs typeface="Times New Roman"/>
-                </a:rPr>
-                <a:t> </a:t>
-              </a:r>
-              <a:r>
-                <a:rPr lang="zh-CN" sz="1600" dirty="0">
-                  <a:effectLst/>
-                  <a:latin typeface="宋体"/>
-                  <a:cs typeface="Times New Roman"/>
-                </a:rPr>
-                <a:t>行人样本</a:t>
-              </a:r>
-              <a:endParaRPr lang="zh-CN" sz="1600" dirty="0">
-                <a:effectLst/>
-                <a:latin typeface="宋体"/>
-                <a:cs typeface="宋体"/>
-              </a:endParaRPr>
-            </a:p>
-          </p:txBody>
-        </p:sp>
-        <p:pic>
-          <p:nvPicPr>
-            <p:cNvPr id="15" name="图片 14"/>
-            <p:cNvPicPr>
-              <a:picLocks noChangeAspect="1"/>
-            </p:cNvPicPr>
-            <p:nvPr/>
-          </p:nvPicPr>
-          <p:blipFill>
-            <a:blip r:embed="rId9" cstate="screen">
-              <a:extLst>
-                <a:ext uri="{28A0092B-C50C-407E-A947-70E740481C1C}">
-                  <a14:useLocalDpi xmlns:a14="http://schemas.microsoft.com/office/drawing/2010/main"/>
-                </a:ext>
-              </a:extLst>
-            </a:blip>
-            <a:stretch>
-              <a:fillRect/>
-            </a:stretch>
-          </p:blipFill>
-          <p:spPr>
-            <a:xfrm>
-              <a:off x="0" y="1104947"/>
-              <a:ext cx="2106469" cy="2162128"/>
-            </a:xfrm>
-            <a:prstGeom prst="rect">
-              <a:avLst/>
-            </a:prstGeom>
-          </p:spPr>
-        </p:pic>
-        <p:pic>
-          <p:nvPicPr>
-            <p:cNvPr id="16" name="图片 15"/>
-            <p:cNvPicPr>
-              <a:picLocks noChangeAspect="1"/>
-            </p:cNvPicPr>
-            <p:nvPr/>
-          </p:nvPicPr>
-          <p:blipFill>
-            <a:blip r:embed="rId10" cstate="screen">
-              <a:extLst>
-                <a:ext uri="{28A0092B-C50C-407E-A947-70E740481C1C}">
-                  <a14:useLocalDpi xmlns:a14="http://schemas.microsoft.com/office/drawing/2010/main"/>
-                </a:ext>
-              </a:extLst>
-            </a:blip>
-            <a:stretch>
-              <a:fillRect/>
-            </a:stretch>
-          </p:blipFill>
-          <p:spPr>
-            <a:xfrm>
-              <a:off x="2106469" y="1104948"/>
-              <a:ext cx="1436831" cy="2162128"/>
-            </a:xfrm>
-            <a:prstGeom prst="rect">
-              <a:avLst/>
-            </a:prstGeom>
-          </p:spPr>
-        </p:pic>
-        <p:pic>
-          <p:nvPicPr>
-            <p:cNvPr id="17" name="图片 16"/>
-            <p:cNvPicPr>
-              <a:picLocks noChangeAspect="1"/>
-            </p:cNvPicPr>
-            <p:nvPr/>
-          </p:nvPicPr>
-          <p:blipFill>
-            <a:blip r:embed="rId11" cstate="screen">
-              <a:extLst>
-                <a:ext uri="{28A0092B-C50C-407E-A947-70E740481C1C}">
-                  <a14:useLocalDpi xmlns:a14="http://schemas.microsoft.com/office/drawing/2010/main"/>
-                </a:ext>
-              </a:extLst>
-            </a:blip>
-            <a:stretch>
-              <a:fillRect/>
-            </a:stretch>
-          </p:blipFill>
-          <p:spPr>
-            <a:xfrm>
-              <a:off x="3541812" y="1104947"/>
-              <a:ext cx="1944155" cy="2162128"/>
-            </a:xfrm>
-            <a:prstGeom prst="rect">
-              <a:avLst/>
-            </a:prstGeom>
-          </p:spPr>
-        </p:pic>
-        <p:sp>
-          <p:nvSpPr>
-            <p:cNvPr id="18" name="文本框 185"/>
-            <p:cNvSpPr txBox="1"/>
-            <p:nvPr/>
-          </p:nvSpPr>
-          <p:spPr>
-            <a:xfrm>
-              <a:off x="2171262" y="3305046"/>
-              <a:ext cx="1181735" cy="304165"/>
-            </a:xfrm>
-            <a:prstGeom prst="rect">
-              <a:avLst/>
-            </a:prstGeom>
-            <a:noFill/>
-            <a:ln w="6350">
-              <a:noFill/>
-            </a:ln>
-            <a:effectLst/>
-          </p:spPr>
-          <p:style>
-            <a:lnRef idx="0">
-              <a:schemeClr val="accent1"/>
-            </a:lnRef>
-            <a:fillRef idx="0">
-              <a:schemeClr val="accent1"/>
-            </a:fillRef>
-            <a:effectRef idx="0">
-              <a:schemeClr val="accent1"/>
-            </a:effectRef>
-            <a:fontRef idx="minor">
-              <a:schemeClr val="dk1"/>
-            </a:fontRef>
-          </p:style>
-          <p:txBody>
-            <a:bodyPr rot="0" spcFirstLastPara="0" vert="horz" wrap="square" lIns="91440" tIns="45720" rIns="91440" bIns="45720" numCol="1" spcCol="0" rtlCol="0" fromWordArt="0" anchor="t" anchorCtr="0" forceAA="0" compatLnSpc="1">
-              <a:prstTxWarp prst="textNoShape">
-                <a:avLst/>
-              </a:prstTxWarp>
-              <a:noAutofit/>
-            </a:bodyPr>
-            <a:lstStyle/>
-            <a:p>
-              <a:pPr algn="just">
-                <a:spcAft>
-                  <a:spcPts val="0"/>
-                </a:spcAft>
-              </a:pPr>
-              <a:r>
-                <a:rPr lang="en-US" sz="1600" dirty="0" smtClean="0">
-                  <a:effectLst/>
-                  <a:latin typeface="宋体"/>
-                  <a:cs typeface="Times New Roman"/>
-                </a:rPr>
-                <a:t> </a:t>
-              </a:r>
-              <a:r>
-                <a:rPr lang="zh-CN" sz="1600" dirty="0">
-                  <a:effectLst/>
-                  <a:latin typeface="宋体"/>
-                  <a:cs typeface="Times New Roman"/>
-                </a:rPr>
-                <a:t>车辆样本</a:t>
-              </a:r>
-              <a:endParaRPr lang="zh-CN" sz="1600" dirty="0">
-                <a:effectLst/>
-                <a:latin typeface="宋体"/>
-                <a:cs typeface="宋体"/>
-              </a:endParaRPr>
-            </a:p>
-          </p:txBody>
-        </p:sp>
-      </p:grpSp>
-    </p:spTree>
-    <p:extLst>
-      <p:ext uri="{BB962C8B-B14F-4D97-AF65-F5344CB8AC3E}">
-        <p14:creationId xmlns:p14="http://schemas.microsoft.com/office/powerpoint/2010/main" val="10927715"/>
-      </p:ext>
-    </p:extLst>
-  </p:cSld>
-  <p:clrMapOvr>
-    <a:masterClrMapping/>
-  </p:clrMapOvr>
-  <p:timing>
-    <p:tnLst>
-      <p:par>
-        <p:cTn id="1" dur="indefinite" restart="never" nodeType="tmRoot"/>
-      </p:par>
-    </p:tnLst>
-  </p:timing>
-</p:sld>
-</file>
-
-<file path=ppt/slides/slide21.xml><?xml version="1.0" encoding="utf-8"?>
 <p:sld xmlns:a="http://schemas.openxmlformats.org/drawingml/2006/main" xmlns:r="http://schemas.openxmlformats.org/officeDocument/2006/relationships" xmlns:p="http://schemas.openxmlformats.org/presentationml/2006/main">
   <p:cSld>
     <p:spTree>
@@ -14898,7 +14744,7 @@
 </p:sld>
 </file>
 
-<file path=ppt/slides/slide22.xml><?xml version="1.0" encoding="utf-8"?>
+<file path=ppt/slides/slide21.xml><?xml version="1.0" encoding="utf-8"?>
 <p:sld xmlns:a="http://schemas.openxmlformats.org/drawingml/2006/main" xmlns:r="http://schemas.openxmlformats.org/officeDocument/2006/relationships" xmlns:p="http://schemas.openxmlformats.org/presentationml/2006/main">
   <p:cSld>
     <p:spTree>
@@ -16134,7 +15980,7 @@
 </p:sld>
 </file>
 
-<file path=ppt/slides/slide23.xml><?xml version="1.0" encoding="utf-8"?>
+<file path=ppt/slides/slide22.xml><?xml version="1.0" encoding="utf-8"?>
 <p:sld xmlns:a="http://schemas.openxmlformats.org/drawingml/2006/main" xmlns:r="http://schemas.openxmlformats.org/officeDocument/2006/relationships" xmlns:p="http://schemas.openxmlformats.org/presentationml/2006/main">
   <p:cSld>
     <p:spTree>
@@ -16840,7 +16686,7 @@
 </p:sld>
 </file>
 
-<file path=ppt/slides/slide24.xml><?xml version="1.0" encoding="utf-8"?>
+<file path=ppt/slides/slide23.xml><?xml version="1.0" encoding="utf-8"?>
 <p:sld xmlns:a="http://schemas.openxmlformats.org/drawingml/2006/main" xmlns:r="http://schemas.openxmlformats.org/officeDocument/2006/relationships" xmlns:p="http://schemas.openxmlformats.org/presentationml/2006/main">
   <p:cSld>
     <p:spTree>
@@ -17013,7 +16859,7 @@
 </p:sld>
 </file>
 
-<file path=ppt/slides/slide25.xml><?xml version="1.0" encoding="utf-8"?>
+<file path=ppt/slides/slide24.xml><?xml version="1.0" encoding="utf-8"?>
 <p:sld xmlns:a="http://schemas.openxmlformats.org/drawingml/2006/main" xmlns:r="http://schemas.openxmlformats.org/officeDocument/2006/relationships" xmlns:p="http://schemas.openxmlformats.org/presentationml/2006/main">
   <p:cSld>
     <p:spTree>
@@ -17285,7 +17131,7 @@
 </p:sld>
 </file>
 
-<file path=ppt/slides/slide26.xml><?xml version="1.0" encoding="utf-8"?>
+<file path=ppt/slides/slide25.xml><?xml version="1.0" encoding="utf-8"?>
 <p:sld xmlns:a="http://schemas.openxmlformats.org/drawingml/2006/main" xmlns:r="http://schemas.openxmlformats.org/officeDocument/2006/relationships" xmlns:p="http://schemas.openxmlformats.org/presentationml/2006/main">
   <p:cSld>
     <p:spTree>
@@ -17468,7 +17314,7 @@
 </p:sld>
 </file>
 
-<file path=ppt/slides/slide27.xml><?xml version="1.0" encoding="utf-8"?>
+<file path=ppt/slides/slide26.xml><?xml version="1.0" encoding="utf-8"?>
 <p:sld xmlns:a="http://schemas.openxmlformats.org/drawingml/2006/main" xmlns:r="http://schemas.openxmlformats.org/officeDocument/2006/relationships" xmlns:p="http://schemas.openxmlformats.org/presentationml/2006/main">
   <p:cSld>
     <p:spTree>
@@ -19446,7 +19292,7 @@
 </p:sld>
 </file>
 
-<file path=ppt/slides/slide28.xml><?xml version="1.0" encoding="utf-8"?>
+<file path=ppt/slides/slide27.xml><?xml version="1.0" encoding="utf-8"?>
 <p:sld xmlns:a="http://schemas.openxmlformats.org/drawingml/2006/main" xmlns:r="http://schemas.openxmlformats.org/officeDocument/2006/relationships" xmlns:p="http://schemas.openxmlformats.org/presentationml/2006/main">
   <p:cSld>
     <p:spTree>
@@ -20414,7 +20260,7 @@
 </p:sld>
 </file>
 
-<file path=ppt/slides/slide29.xml><?xml version="1.0" encoding="utf-8"?>
+<file path=ppt/slides/slide28.xml><?xml version="1.0" encoding="utf-8"?>
 <p:sld xmlns:a="http://schemas.openxmlformats.org/drawingml/2006/main" xmlns:r="http://schemas.openxmlformats.org/officeDocument/2006/relationships" xmlns:p="http://schemas.openxmlformats.org/presentationml/2006/main">
   <p:cSld>
     <p:spTree>
@@ -20572,6 +20418,106 @@
 </p:sld>
 </file>
 
+<file path=ppt/slides/slide29.xml><?xml version="1.0" encoding="utf-8"?>
+<p:sld xmlns:a="http://schemas.openxmlformats.org/drawingml/2006/main" xmlns:r="http://schemas.openxmlformats.org/officeDocument/2006/relationships" xmlns:p="http://schemas.openxmlformats.org/presentationml/2006/main">
+  <p:cSld>
+    <p:spTree>
+      <p:nvGrpSpPr>
+        <p:cNvPr id="1" name=""/>
+        <p:cNvGrpSpPr/>
+        <p:nvPr/>
+      </p:nvGrpSpPr>
+      <p:grpSpPr>
+        <a:xfrm>
+          <a:off x="0" y="0"/>
+          <a:ext cx="0" cy="0"/>
+          <a:chOff x="0" y="0"/>
+          <a:chExt cx="0" cy="0"/>
+        </a:xfrm>
+      </p:grpSpPr>
+      <p:sp>
+        <p:nvSpPr>
+          <p:cNvPr id="2" name="标题 1"/>
+          <p:cNvSpPr>
+            <a:spLocks noGrp="1"/>
+          </p:cNvSpPr>
+          <p:nvPr>
+            <p:ph type="title"/>
+          </p:nvPr>
+        </p:nvSpPr>
+        <p:spPr>
+          <a:xfrm>
+            <a:off x="5508104" y="5742384"/>
+            <a:ext cx="3632191" cy="1143000"/>
+          </a:xfrm>
+        </p:spPr>
+        <p:txBody>
+          <a:bodyPr/>
+          <a:lstStyle/>
+          <a:p>
+            <a:r>
+              <a:rPr lang="zh-CN" altLang="en-US" dirty="0" smtClean="0"/>
+              <a:t>结果与展望</a:t>
+            </a:r>
+            <a:endParaRPr lang="zh-CN" altLang="en-US" dirty="0"/>
+          </a:p>
+        </p:txBody>
+      </p:sp>
+      <p:sp>
+        <p:nvSpPr>
+          <p:cNvPr id="3" name="内容占位符 2"/>
+          <p:cNvSpPr>
+            <a:spLocks noGrp="1"/>
+          </p:cNvSpPr>
+          <p:nvPr>
+            <p:ph sz="quarter" idx="13"/>
+          </p:nvPr>
+        </p:nvSpPr>
+        <p:spPr>
+          <a:xfrm>
+            <a:off x="1143000" y="731520"/>
+            <a:ext cx="6400800" cy="1905392"/>
+          </a:xfrm>
+        </p:spPr>
+        <p:txBody>
+          <a:bodyPr/>
+          <a:lstStyle/>
+          <a:p>
+            <a:r>
+              <a:rPr lang="zh-CN" altLang="en-US" dirty="0" smtClean="0"/>
+              <a:t>单一监控摄像头或视频的摘要和查询问题解决了，但是仅仅解决了局部问题而不是整体问题。</a:t>
+            </a:r>
+            <a:endParaRPr lang="en-US" altLang="zh-CN" dirty="0" smtClean="0"/>
+          </a:p>
+          <a:p>
+            <a:r>
+              <a:rPr lang="zh-CN" altLang="en-US" dirty="0" smtClean="0"/>
+              <a:t>将视频摘要和视频信息检索跟云处理相结合，成为了海量监控视频摘要与检索的唯一出路。</a:t>
+            </a:r>
+            <a:endParaRPr lang="zh-CN" altLang="en-US" dirty="0"/>
+          </a:p>
+        </p:txBody>
+      </p:sp>
+    </p:spTree>
+    <p:extLst>
+      <p:ext uri="{BB962C8B-B14F-4D97-AF65-F5344CB8AC3E}">
+        <p14:creationId xmlns:p14="http://schemas.microsoft.com/office/powerpoint/2010/main" val="3756721532"/>
+      </p:ext>
+    </p:extLst>
+  </p:cSld>
+  <p:clrMapOvr>
+    <a:masterClrMapping/>
+  </p:clrMapOvr>
+  <p:timing>
+    <p:tnLst>
+      <p:par>
+        <p:cTn id="1" dur="indefinite" restart="never" nodeType="tmRoot"/>
+      </p:par>
+    </p:tnLst>
+  </p:timing>
+</p:sld>
+</file>
+
 <file path=ppt/slides/slide3.xml><?xml version="1.0" encoding="utf-8"?>
 <p:sld xmlns:a="http://schemas.openxmlformats.org/drawingml/2006/main" xmlns:r="http://schemas.openxmlformats.org/officeDocument/2006/relationships" xmlns:p="http://schemas.openxmlformats.org/presentationml/2006/main">
   <p:cSld>
@@ -20702,106 +20648,6 @@
 </file>
 
 <file path=ppt/slides/slide30.xml><?xml version="1.0" encoding="utf-8"?>
-<p:sld xmlns:a="http://schemas.openxmlformats.org/drawingml/2006/main" xmlns:r="http://schemas.openxmlformats.org/officeDocument/2006/relationships" xmlns:p="http://schemas.openxmlformats.org/presentationml/2006/main">
-  <p:cSld>
-    <p:spTree>
-      <p:nvGrpSpPr>
-        <p:cNvPr id="1" name=""/>
-        <p:cNvGrpSpPr/>
-        <p:nvPr/>
-      </p:nvGrpSpPr>
-      <p:grpSpPr>
-        <a:xfrm>
-          <a:off x="0" y="0"/>
-          <a:ext cx="0" cy="0"/>
-          <a:chOff x="0" y="0"/>
-          <a:chExt cx="0" cy="0"/>
-        </a:xfrm>
-      </p:grpSpPr>
-      <p:sp>
-        <p:nvSpPr>
-          <p:cNvPr id="2" name="标题 1"/>
-          <p:cNvSpPr>
-            <a:spLocks noGrp="1"/>
-          </p:cNvSpPr>
-          <p:nvPr>
-            <p:ph type="title"/>
-          </p:nvPr>
-        </p:nvSpPr>
-        <p:spPr>
-          <a:xfrm>
-            <a:off x="5508104" y="5742384"/>
-            <a:ext cx="3632191" cy="1143000"/>
-          </a:xfrm>
-        </p:spPr>
-        <p:txBody>
-          <a:bodyPr/>
-          <a:lstStyle/>
-          <a:p>
-            <a:r>
-              <a:rPr lang="zh-CN" altLang="en-US" dirty="0" smtClean="0"/>
-              <a:t>结果与展望</a:t>
-            </a:r>
-            <a:endParaRPr lang="zh-CN" altLang="en-US" dirty="0"/>
-          </a:p>
-        </p:txBody>
-      </p:sp>
-      <p:sp>
-        <p:nvSpPr>
-          <p:cNvPr id="3" name="内容占位符 2"/>
-          <p:cNvSpPr>
-            <a:spLocks noGrp="1"/>
-          </p:cNvSpPr>
-          <p:nvPr>
-            <p:ph sz="quarter" idx="13"/>
-          </p:nvPr>
-        </p:nvSpPr>
-        <p:spPr>
-          <a:xfrm>
-            <a:off x="1143000" y="731520"/>
-            <a:ext cx="6400800" cy="1905392"/>
-          </a:xfrm>
-        </p:spPr>
-        <p:txBody>
-          <a:bodyPr/>
-          <a:lstStyle/>
-          <a:p>
-            <a:r>
-              <a:rPr lang="zh-CN" altLang="en-US" dirty="0" smtClean="0"/>
-              <a:t>单一监控摄像头或视频的摘要和查询问题解决了，但是仅仅解决了局部问题而不是整体问题。</a:t>
-            </a:r>
-            <a:endParaRPr lang="en-US" altLang="zh-CN" dirty="0" smtClean="0"/>
-          </a:p>
-          <a:p>
-            <a:r>
-              <a:rPr lang="zh-CN" altLang="en-US" dirty="0" smtClean="0"/>
-              <a:t>将视频摘要和视频信息检索跟云处理相结合，成为了海量监控视频摘要与检索的唯一出路。</a:t>
-            </a:r>
-            <a:endParaRPr lang="zh-CN" altLang="en-US" dirty="0"/>
-          </a:p>
-        </p:txBody>
-      </p:sp>
-    </p:spTree>
-    <p:extLst>
-      <p:ext uri="{BB962C8B-B14F-4D97-AF65-F5344CB8AC3E}">
-        <p14:creationId xmlns:p14="http://schemas.microsoft.com/office/powerpoint/2010/main" val="3756721532"/>
-      </p:ext>
-    </p:extLst>
-  </p:cSld>
-  <p:clrMapOvr>
-    <a:masterClrMapping/>
-  </p:clrMapOvr>
-  <p:timing>
-    <p:tnLst>
-      <p:par>
-        <p:cTn id="1" dur="indefinite" restart="never" nodeType="tmRoot"/>
-      </p:par>
-    </p:tnLst>
-  </p:timing>
-</p:sld>
-</file>
-
-<file path=ppt/slides/slide31.xml><?xml version="1.0" encoding="utf-8"?>
 <p:sld xmlns:a="http://schemas.openxmlformats.org/drawingml/2006/main" xmlns:r="http://schemas.openxmlformats.org/officeDocument/2006/relationships" xmlns:p="http://schemas.openxmlformats.org/presentationml/2006/main">
   <p:cSld>
     <p:spTree>

--- a/研究生毕业设计/文档管理/论文_2/毕业设计答辩.pptx
+++ b/研究生毕业设计/文档管理/论文_2/毕业设计答辩.pptx
@@ -10,31 +10,27 @@
     <p:sldId id="267" r:id="rId4"/>
     <p:sldId id="269" r:id="rId5"/>
     <p:sldId id="257" r:id="rId6"/>
-    <p:sldId id="262" r:id="rId7"/>
-    <p:sldId id="272" r:id="rId8"/>
-    <p:sldId id="297" r:id="rId9"/>
-    <p:sldId id="273" r:id="rId10"/>
-    <p:sldId id="283" r:id="rId11"/>
-    <p:sldId id="280" r:id="rId12"/>
-    <p:sldId id="281" r:id="rId13"/>
-    <p:sldId id="282" r:id="rId14"/>
-    <p:sldId id="296" r:id="rId15"/>
-    <p:sldId id="284" r:id="rId16"/>
-    <p:sldId id="286" r:id="rId17"/>
-    <p:sldId id="285" r:id="rId18"/>
-    <p:sldId id="259" r:id="rId19"/>
-    <p:sldId id="288" r:id="rId20"/>
-    <p:sldId id="289" r:id="rId21"/>
-    <p:sldId id="287" r:id="rId22"/>
-    <p:sldId id="290" r:id="rId23"/>
-    <p:sldId id="291" r:id="rId24"/>
-    <p:sldId id="292" r:id="rId25"/>
-    <p:sldId id="293" r:id="rId26"/>
-    <p:sldId id="294" r:id="rId27"/>
-    <p:sldId id="295" r:id="rId28"/>
-    <p:sldId id="260" r:id="rId29"/>
-    <p:sldId id="264" r:id="rId30"/>
-    <p:sldId id="271" r:id="rId31"/>
+    <p:sldId id="272" r:id="rId7"/>
+    <p:sldId id="297" r:id="rId8"/>
+    <p:sldId id="273" r:id="rId9"/>
+    <p:sldId id="281" r:id="rId10"/>
+    <p:sldId id="282" r:id="rId11"/>
+    <p:sldId id="296" r:id="rId12"/>
+    <p:sldId id="284" r:id="rId13"/>
+    <p:sldId id="286" r:id="rId14"/>
+    <p:sldId id="285" r:id="rId15"/>
+    <p:sldId id="259" r:id="rId16"/>
+    <p:sldId id="288" r:id="rId17"/>
+    <p:sldId id="289" r:id="rId18"/>
+    <p:sldId id="287" r:id="rId19"/>
+    <p:sldId id="290" r:id="rId20"/>
+    <p:sldId id="291" r:id="rId21"/>
+    <p:sldId id="292" r:id="rId22"/>
+    <p:sldId id="293" r:id="rId23"/>
+    <p:sldId id="294" r:id="rId24"/>
+    <p:sldId id="295" r:id="rId25"/>
+    <p:sldId id="264" r:id="rId26"/>
+    <p:sldId id="271" r:id="rId27"/>
   </p:sldIdLst>
   <p:sldSz cx="9144000" cy="6858000" type="screen4x3"/>
   <p:notesSz cx="6858000" cy="9144000"/>
@@ -558,7 +554,7 @@
           <a:p>
             <a:fld id="{530820CF-B880-4189-942D-D702A7CBA730}" type="datetimeFigureOut">
               <a:rPr lang="zh-CN" altLang="en-US" smtClean="0"/>
-              <a:t>2013/12/6</a:t>
+              <a:t>2013/12/7</a:t>
             </a:fld>
             <a:endParaRPr lang="zh-CN" altLang="en-US"/>
           </a:p>
@@ -770,7 +766,7 @@
           <a:p>
             <a:fld id="{530820CF-B880-4189-942D-D702A7CBA730}" type="datetimeFigureOut">
               <a:rPr lang="zh-CN" altLang="en-US" smtClean="0"/>
-              <a:t>2013/12/6</a:t>
+              <a:t>2013/12/7</a:t>
             </a:fld>
             <a:endParaRPr lang="zh-CN" altLang="en-US"/>
           </a:p>
@@ -957,7 +953,7 @@
           <a:p>
             <a:fld id="{530820CF-B880-4189-942D-D702A7CBA730}" type="datetimeFigureOut">
               <a:rPr lang="zh-CN" altLang="en-US" smtClean="0"/>
-              <a:t>2013/12/6</a:t>
+              <a:t>2013/12/7</a:t>
             </a:fld>
             <a:endParaRPr lang="zh-CN" altLang="en-US"/>
           </a:p>
@@ -1054,7 +1050,7 @@
           <a:p>
             <a:fld id="{530820CF-B880-4189-942D-D702A7CBA730}" type="datetimeFigureOut">
               <a:rPr lang="zh-CN" altLang="en-US" smtClean="0"/>
-              <a:t>2013/12/6</a:t>
+              <a:t>2013/12/7</a:t>
             </a:fld>
             <a:endParaRPr lang="zh-CN" altLang="en-US"/>
           </a:p>
@@ -1650,7 +1646,7 @@
           <a:p>
             <a:fld id="{530820CF-B880-4189-942D-D702A7CBA730}" type="datetimeFigureOut">
               <a:rPr lang="zh-CN" altLang="en-US" smtClean="0"/>
-              <a:t>2013/12/6</a:t>
+              <a:t>2013/12/7</a:t>
             </a:fld>
             <a:endParaRPr lang="zh-CN" altLang="en-US"/>
           </a:p>
@@ -1747,7 +1743,7 @@
           <a:p>
             <a:fld id="{530820CF-B880-4189-942D-D702A7CBA730}" type="datetimeFigureOut">
               <a:rPr lang="zh-CN" altLang="en-US" smtClean="0"/>
-              <a:t>2013/12/6</a:t>
+              <a:t>2013/12/7</a:t>
             </a:fld>
             <a:endParaRPr lang="zh-CN" altLang="en-US"/>
           </a:p>
@@ -2352,7 +2348,7 @@
           <a:p>
             <a:fld id="{530820CF-B880-4189-942D-D702A7CBA730}" type="datetimeFigureOut">
               <a:rPr lang="zh-CN" altLang="en-US" smtClean="0"/>
-              <a:t>2013/12/6</a:t>
+              <a:t>2013/12/7</a:t>
             </a:fld>
             <a:endParaRPr lang="zh-CN" altLang="en-US"/>
           </a:p>
@@ -2495,7 +2491,7 @@
           <a:p>
             <a:fld id="{530820CF-B880-4189-942D-D702A7CBA730}" type="datetimeFigureOut">
               <a:rPr lang="zh-CN" altLang="en-US" smtClean="0"/>
-              <a:t>2013/12/6</a:t>
+              <a:t>2013/12/7</a:t>
             </a:fld>
             <a:endParaRPr lang="zh-CN" altLang="en-US"/>
           </a:p>
@@ -2592,7 +2588,7 @@
           <a:p>
             <a:fld id="{530820CF-B880-4189-942D-D702A7CBA730}" type="datetimeFigureOut">
               <a:rPr lang="zh-CN" altLang="en-US" smtClean="0"/>
-              <a:t>2013/12/6</a:t>
+              <a:t>2013/12/7</a:t>
             </a:fld>
             <a:endParaRPr lang="zh-CN" altLang="en-US"/>
           </a:p>
@@ -2876,7 +2872,7 @@
           <a:p>
             <a:fld id="{530820CF-B880-4189-942D-D702A7CBA730}" type="datetimeFigureOut">
               <a:rPr lang="zh-CN" altLang="en-US" smtClean="0"/>
-              <a:t>2013/12/6</a:t>
+              <a:t>2013/12/7</a:t>
             </a:fld>
             <a:endParaRPr lang="zh-CN" altLang="en-US"/>
           </a:p>
@@ -3398,7 +3394,7 @@
           <a:p>
             <a:fld id="{530820CF-B880-4189-942D-D702A7CBA730}" type="datetimeFigureOut">
               <a:rPr lang="zh-CN" altLang="en-US" smtClean="0"/>
-              <a:t>2013/12/6</a:t>
+              <a:t>2013/12/7</a:t>
             </a:fld>
             <a:endParaRPr lang="zh-CN" altLang="en-US"/>
           </a:p>
@@ -3918,7 +3914,7 @@
           <a:p>
             <a:fld id="{530820CF-B880-4189-942D-D702A7CBA730}" type="datetimeFigureOut">
               <a:rPr lang="zh-CN" altLang="en-US" smtClean="0"/>
-              <a:t>2013/12/6</a:t>
+              <a:t>2013/12/7</a:t>
             </a:fld>
             <a:endParaRPr lang="zh-CN" altLang="en-US"/>
           </a:p>
@@ -4599,2608 +4595,6 @@
         </p:nvSpPr>
         <p:spPr>
           <a:xfrm>
-            <a:off x="2631489" y="5715000"/>
-            <a:ext cx="6512511" cy="1143000"/>
-          </a:xfrm>
-        </p:spPr>
-        <p:txBody>
-          <a:bodyPr/>
-          <a:lstStyle/>
-          <a:p>
-            <a:r>
-              <a:rPr lang="zh-CN" altLang="en-US" dirty="0" smtClean="0"/>
-              <a:t>运动物体跟踪</a:t>
-            </a:r>
-            <a:endParaRPr lang="zh-CN" altLang="en-US" dirty="0"/>
-          </a:p>
-        </p:txBody>
-      </p:sp>
-      <p:grpSp>
-        <p:nvGrpSpPr>
-          <p:cNvPr id="19" name="画布 45"/>
-          <p:cNvGrpSpPr/>
-          <p:nvPr/>
-        </p:nvGrpSpPr>
-        <p:grpSpPr>
-          <a:xfrm>
-            <a:off x="3563888" y="387202"/>
-            <a:ext cx="2592288" cy="4769989"/>
-            <a:chOff x="2019299" y="66675"/>
-            <a:chExt cx="1256326" cy="2685075"/>
-          </a:xfrm>
-        </p:grpSpPr>
-        <p:sp>
-          <p:nvSpPr>
-            <p:cNvPr id="21" name="圆角矩形 20"/>
-            <p:cNvSpPr/>
-            <p:nvPr/>
-          </p:nvSpPr>
-          <p:spPr>
-            <a:xfrm>
-              <a:off x="2019299" y="66675"/>
-              <a:ext cx="1247776" cy="333375"/>
-            </a:xfrm>
-            <a:prstGeom prst="roundRect">
-              <a:avLst/>
-            </a:prstGeom>
-            <a:solidFill>
-              <a:sysClr val="window" lastClr="FFFFFF"/>
-            </a:solidFill>
-            <a:ln w="12700" cap="flat" cmpd="sng" algn="ctr">
-              <a:solidFill>
-                <a:sysClr val="windowText" lastClr="000000"/>
-              </a:solidFill>
-              <a:prstDash val="solid"/>
-            </a:ln>
-            <a:effectLst/>
-          </p:spPr>
-          <p:txBody>
-            <a:bodyPr rot="0" spcFirstLastPara="0" vert="horz" wrap="square" lIns="91440" tIns="45720" rIns="91440" bIns="45720" numCol="1" spcCol="0" rtlCol="0" fromWordArt="0" anchor="ctr" anchorCtr="0" forceAA="0" compatLnSpc="1">
-              <a:prstTxWarp prst="textNoShape">
-                <a:avLst/>
-              </a:prstTxWarp>
-              <a:noAutofit/>
-            </a:bodyPr>
-            <a:lstStyle/>
-            <a:p>
-              <a:pPr marL="0" marR="0" lvl="0" indent="0" algn="ctr" defTabSz="914400" eaLnBrk="1" fontAlgn="auto" latinLnBrk="0" hangingPunct="1">
-                <a:lnSpc>
-                  <a:spcPct val="100000"/>
-                </a:lnSpc>
-                <a:spcBef>
-                  <a:spcPts val="0"/>
-                </a:spcBef>
-                <a:spcAft>
-                  <a:spcPts val="0"/>
-                </a:spcAft>
-                <a:buClrTx/>
-                <a:buSzTx/>
-                <a:buFontTx/>
-                <a:buNone/>
-                <a:tabLst/>
-                <a:defRPr/>
-              </a:pPr>
-              <a:r>
-                <a:rPr kumimoji="0" lang="zh-CN" altLang="en-US" sz="2000" b="0" i="0" u="none" strike="noStrike" kern="100" cap="none" spc="0" normalizeH="0" baseline="0" noProof="0" dirty="0">
-                  <a:ln>
-                    <a:noFill/>
-                  </a:ln>
-                  <a:solidFill>
-                    <a:sysClr val="windowText" lastClr="000000"/>
-                  </a:solidFill>
-                  <a:effectLst/>
-                  <a:uLnTx/>
-                  <a:uFillTx/>
-                  <a:latin typeface="Calibri"/>
-                  <a:ea typeface="宋体"/>
-                  <a:cs typeface="Times New Roman"/>
-                </a:rPr>
-                <a:t>图像序列灰度化</a:t>
-              </a:r>
-            </a:p>
-          </p:txBody>
-        </p:sp>
-        <p:sp>
-          <p:nvSpPr>
-            <p:cNvPr id="22" name="矩形 21"/>
-            <p:cNvSpPr/>
-            <p:nvPr/>
-          </p:nvSpPr>
-          <p:spPr>
-            <a:xfrm>
-              <a:off x="2019299" y="628650"/>
-              <a:ext cx="1247776" cy="342900"/>
-            </a:xfrm>
-            <a:prstGeom prst="rect">
-              <a:avLst/>
-            </a:prstGeom>
-            <a:solidFill>
-              <a:sysClr val="window" lastClr="FFFFFF"/>
-            </a:solidFill>
-            <a:ln w="12700" cap="flat" cmpd="sng" algn="ctr">
-              <a:solidFill>
-                <a:sysClr val="windowText" lastClr="000000"/>
-              </a:solidFill>
-              <a:prstDash val="solid"/>
-            </a:ln>
-            <a:effectLst/>
-          </p:spPr>
-          <p:txBody>
-            <a:bodyPr rot="0" spcFirstLastPara="0" vert="horz" wrap="square" lIns="91440" tIns="45720" rIns="91440" bIns="45720" numCol="1" spcCol="0" rtlCol="0" fromWordArt="0" anchor="ctr" anchorCtr="0" forceAA="0" compatLnSpc="1">
-              <a:prstTxWarp prst="textNoShape">
-                <a:avLst/>
-              </a:prstTxWarp>
-              <a:noAutofit/>
-            </a:bodyPr>
-            <a:lstStyle/>
-            <a:p>
-              <a:pPr marL="0" marR="0" lvl="0" indent="0" algn="ctr" defTabSz="914400" eaLnBrk="1" fontAlgn="auto" latinLnBrk="0" hangingPunct="1">
-                <a:lnSpc>
-                  <a:spcPct val="100000"/>
-                </a:lnSpc>
-                <a:spcBef>
-                  <a:spcPts val="0"/>
-                </a:spcBef>
-                <a:spcAft>
-                  <a:spcPts val="0"/>
-                </a:spcAft>
-                <a:buClrTx/>
-                <a:buSzTx/>
-                <a:buFontTx/>
-                <a:buNone/>
-                <a:tabLst/>
-                <a:defRPr/>
-              </a:pPr>
-              <a:r>
-                <a:rPr kumimoji="0" lang="zh-CN" altLang="en-US" sz="2000" b="0" i="0" u="none" strike="noStrike" kern="100" cap="none" spc="0" normalizeH="0" baseline="0" noProof="0" dirty="0">
-                  <a:ln>
-                    <a:noFill/>
-                  </a:ln>
-                  <a:solidFill>
-                    <a:sysClr val="windowText" lastClr="000000"/>
-                  </a:solidFill>
-                  <a:effectLst/>
-                  <a:uLnTx/>
-                  <a:uFillTx/>
-                  <a:latin typeface="Calibri"/>
-                  <a:ea typeface="宋体"/>
-                  <a:cs typeface="Times New Roman"/>
-                </a:rPr>
-                <a:t>运动物体检测</a:t>
-              </a:r>
-            </a:p>
-          </p:txBody>
-        </p:sp>
-        <p:sp>
-          <p:nvSpPr>
-            <p:cNvPr id="23" name="矩形 22"/>
-            <p:cNvSpPr/>
-            <p:nvPr/>
-          </p:nvSpPr>
-          <p:spPr>
-            <a:xfrm>
-              <a:off x="2019300" y="1189650"/>
-              <a:ext cx="1247775" cy="342900"/>
-            </a:xfrm>
-            <a:prstGeom prst="rect">
-              <a:avLst/>
-            </a:prstGeom>
-            <a:solidFill>
-              <a:sysClr val="window" lastClr="FFFFFF"/>
-            </a:solidFill>
-            <a:ln w="12700" cap="flat" cmpd="sng" algn="ctr">
-              <a:solidFill>
-                <a:sysClr val="windowText" lastClr="000000"/>
-              </a:solidFill>
-              <a:prstDash val="solid"/>
-            </a:ln>
-            <a:effectLst/>
-          </p:spPr>
-          <p:txBody>
-            <a:bodyPr rot="0" spcFirstLastPara="0" vert="horz" wrap="square" lIns="91440" tIns="45720" rIns="91440" bIns="45720" numCol="1" spcCol="0" rtlCol="0" fromWordArt="0" anchor="ctr" anchorCtr="0" forceAA="0" compatLnSpc="1">
-              <a:prstTxWarp prst="textNoShape">
-                <a:avLst/>
-              </a:prstTxWarp>
-              <a:noAutofit/>
-            </a:bodyPr>
-            <a:lstStyle/>
-            <a:p>
-              <a:pPr marL="0" marR="0" lvl="0" indent="0" algn="ctr" defTabSz="914400" eaLnBrk="1" fontAlgn="auto" latinLnBrk="0" hangingPunct="1">
-                <a:lnSpc>
-                  <a:spcPct val="100000"/>
-                </a:lnSpc>
-                <a:spcBef>
-                  <a:spcPts val="0"/>
-                </a:spcBef>
-                <a:spcAft>
-                  <a:spcPts val="0"/>
-                </a:spcAft>
-                <a:buClrTx/>
-                <a:buSzTx/>
-                <a:buFontTx/>
-                <a:buNone/>
-                <a:tabLst/>
-                <a:defRPr/>
-              </a:pPr>
-              <a:r>
-                <a:rPr kumimoji="0" lang="zh-CN" altLang="en-US" sz="2000" b="0" i="0" u="none" strike="noStrike" kern="0" cap="none" spc="0" normalizeH="0" baseline="0" noProof="0" dirty="0">
-                  <a:ln>
-                    <a:noFill/>
-                  </a:ln>
-                  <a:solidFill>
-                    <a:sysClr val="windowText" lastClr="000000"/>
-                  </a:solidFill>
-                  <a:effectLst/>
-                  <a:uLnTx/>
-                  <a:uFillTx/>
-                  <a:latin typeface="宋体"/>
-                  <a:ea typeface="宋体"/>
-                  <a:cs typeface="Times New Roman"/>
-                </a:rPr>
-                <a:t>中值滤波去噪</a:t>
-              </a:r>
-              <a:endParaRPr kumimoji="0" lang="zh-CN" altLang="en-US" sz="2000" b="0" i="0" u="none" strike="noStrike" kern="0" cap="none" spc="0" normalizeH="0" baseline="0" noProof="0" dirty="0">
-                <a:ln>
-                  <a:noFill/>
-                </a:ln>
-                <a:solidFill>
-                  <a:sysClr val="windowText" lastClr="000000"/>
-                </a:solidFill>
-                <a:effectLst/>
-                <a:uLnTx/>
-                <a:uFillTx/>
-                <a:latin typeface="宋体"/>
-                <a:ea typeface="宋体"/>
-                <a:cs typeface="宋体"/>
-              </a:endParaRPr>
-            </a:p>
-          </p:txBody>
-        </p:sp>
-        <p:sp>
-          <p:nvSpPr>
-            <p:cNvPr id="24" name="矩形 23"/>
-            <p:cNvSpPr/>
-            <p:nvPr/>
-          </p:nvSpPr>
-          <p:spPr>
-            <a:xfrm>
-              <a:off x="2027850" y="1789725"/>
-              <a:ext cx="1247775" cy="342900"/>
-            </a:xfrm>
-            <a:prstGeom prst="rect">
-              <a:avLst/>
-            </a:prstGeom>
-            <a:solidFill>
-              <a:sysClr val="window" lastClr="FFFFFF"/>
-            </a:solidFill>
-            <a:ln w="12700" cap="flat" cmpd="sng" algn="ctr">
-              <a:solidFill>
-                <a:sysClr val="windowText" lastClr="000000"/>
-              </a:solidFill>
-              <a:prstDash val="solid"/>
-            </a:ln>
-            <a:effectLst/>
-          </p:spPr>
-          <p:txBody>
-            <a:bodyPr rot="0" spcFirstLastPara="0" vert="horz" wrap="square" lIns="91440" tIns="45720" rIns="91440" bIns="45720" numCol="1" spcCol="0" rtlCol="0" fromWordArt="0" anchor="ctr" anchorCtr="0" forceAA="0" compatLnSpc="1">
-              <a:prstTxWarp prst="textNoShape">
-                <a:avLst/>
-              </a:prstTxWarp>
-              <a:noAutofit/>
-            </a:bodyPr>
-            <a:lstStyle/>
-            <a:p>
-              <a:pPr marL="0" marR="0" lvl="0" indent="0" algn="ctr" defTabSz="914400" eaLnBrk="1" fontAlgn="auto" latinLnBrk="0" hangingPunct="1">
-                <a:lnSpc>
-                  <a:spcPct val="100000"/>
-                </a:lnSpc>
-                <a:spcBef>
-                  <a:spcPts val="0"/>
-                </a:spcBef>
-                <a:spcAft>
-                  <a:spcPts val="0"/>
-                </a:spcAft>
-                <a:buClrTx/>
-                <a:buSzTx/>
-                <a:buFontTx/>
-                <a:buNone/>
-                <a:tabLst/>
-                <a:defRPr/>
-              </a:pPr>
-              <a:r>
-                <a:rPr kumimoji="0" lang="zh-CN" altLang="en-US" sz="2000" b="0" i="0" u="none" strike="noStrike" kern="0" cap="none" spc="0" normalizeH="0" baseline="0" noProof="0" dirty="0">
-                  <a:ln>
-                    <a:noFill/>
-                  </a:ln>
-                  <a:solidFill>
-                    <a:sysClr val="windowText" lastClr="000000"/>
-                  </a:solidFill>
-                  <a:effectLst/>
-                  <a:uLnTx/>
-                  <a:uFillTx/>
-                  <a:latin typeface="宋体"/>
-                  <a:ea typeface="宋体"/>
-                  <a:cs typeface="Times New Roman"/>
-                </a:rPr>
-                <a:t>形态学处理</a:t>
-              </a:r>
-              <a:endParaRPr kumimoji="0" lang="zh-CN" altLang="en-US" sz="2000" b="0" i="0" u="none" strike="noStrike" kern="0" cap="none" spc="0" normalizeH="0" baseline="0" noProof="0" dirty="0">
-                <a:ln>
-                  <a:noFill/>
-                </a:ln>
-                <a:solidFill>
-                  <a:sysClr val="windowText" lastClr="000000"/>
-                </a:solidFill>
-                <a:effectLst/>
-                <a:uLnTx/>
-                <a:uFillTx/>
-                <a:latin typeface="宋体"/>
-                <a:ea typeface="宋体"/>
-                <a:cs typeface="宋体"/>
-              </a:endParaRPr>
-            </a:p>
-          </p:txBody>
-        </p:sp>
-        <p:sp>
-          <p:nvSpPr>
-            <p:cNvPr id="25" name="矩形 24"/>
-            <p:cNvSpPr/>
-            <p:nvPr/>
-          </p:nvSpPr>
-          <p:spPr>
-            <a:xfrm>
-              <a:off x="2027850" y="2408850"/>
-              <a:ext cx="1247775" cy="342900"/>
-            </a:xfrm>
-            <a:prstGeom prst="rect">
-              <a:avLst/>
-            </a:prstGeom>
-            <a:solidFill>
-              <a:sysClr val="window" lastClr="FFFFFF"/>
-            </a:solidFill>
-            <a:ln w="12700" cap="flat" cmpd="sng" algn="ctr">
-              <a:solidFill>
-                <a:sysClr val="windowText" lastClr="000000"/>
-              </a:solidFill>
-              <a:prstDash val="solid"/>
-            </a:ln>
-            <a:effectLst/>
-          </p:spPr>
-          <p:txBody>
-            <a:bodyPr rot="0" spcFirstLastPara="0" vert="horz" wrap="square" lIns="91440" tIns="45720" rIns="91440" bIns="45720" numCol="1" spcCol="0" rtlCol="0" fromWordArt="0" anchor="ctr" anchorCtr="0" forceAA="0" compatLnSpc="1">
-              <a:prstTxWarp prst="textNoShape">
-                <a:avLst/>
-              </a:prstTxWarp>
-              <a:noAutofit/>
-            </a:bodyPr>
-            <a:lstStyle/>
-            <a:p>
-              <a:pPr marL="0" marR="0" lvl="0" indent="0" algn="ctr" defTabSz="914400" eaLnBrk="1" fontAlgn="auto" latinLnBrk="0" hangingPunct="1">
-                <a:lnSpc>
-                  <a:spcPct val="100000"/>
-                </a:lnSpc>
-                <a:spcBef>
-                  <a:spcPts val="0"/>
-                </a:spcBef>
-                <a:spcAft>
-                  <a:spcPts val="0"/>
-                </a:spcAft>
-                <a:buClrTx/>
-                <a:buSzTx/>
-                <a:buFontTx/>
-                <a:buNone/>
-                <a:tabLst/>
-                <a:defRPr/>
-              </a:pPr>
-              <a:r>
-                <a:rPr kumimoji="0" lang="zh-CN" altLang="en-US" sz="2000" b="0" i="0" u="none" strike="noStrike" kern="0" cap="none" spc="0" normalizeH="0" baseline="0" noProof="0" dirty="0">
-                  <a:ln>
-                    <a:noFill/>
-                  </a:ln>
-                  <a:solidFill>
-                    <a:sysClr val="windowText" lastClr="000000"/>
-                  </a:solidFill>
-                  <a:effectLst/>
-                  <a:uLnTx/>
-                  <a:uFillTx/>
-                  <a:latin typeface="宋体"/>
-                  <a:ea typeface="宋体"/>
-                  <a:cs typeface="Times New Roman"/>
-                </a:rPr>
-                <a:t>运动点团跟踪</a:t>
-              </a:r>
-              <a:endParaRPr kumimoji="0" lang="zh-CN" altLang="en-US" sz="2000" b="0" i="0" u="none" strike="noStrike" kern="0" cap="none" spc="0" normalizeH="0" baseline="0" noProof="0" dirty="0">
-                <a:ln>
-                  <a:noFill/>
-                </a:ln>
-                <a:solidFill>
-                  <a:sysClr val="windowText" lastClr="000000"/>
-                </a:solidFill>
-                <a:effectLst/>
-                <a:uLnTx/>
-                <a:uFillTx/>
-                <a:latin typeface="宋体"/>
-                <a:ea typeface="宋体"/>
-                <a:cs typeface="宋体"/>
-              </a:endParaRPr>
-            </a:p>
-          </p:txBody>
-        </p:sp>
-        <p:cxnSp>
-          <p:nvCxnSpPr>
-            <p:cNvPr id="26" name="直接箭头连接符 25"/>
-            <p:cNvCxnSpPr>
-              <a:stCxn id="21" idx="2"/>
-              <a:endCxn id="22" idx="0"/>
-            </p:cNvCxnSpPr>
-            <p:nvPr/>
-          </p:nvCxnSpPr>
-          <p:spPr>
-            <a:xfrm>
-              <a:off x="2643187" y="400050"/>
-              <a:ext cx="0" cy="228600"/>
-            </a:xfrm>
-            <a:prstGeom prst="straightConnector1">
-              <a:avLst/>
-            </a:prstGeom>
-            <a:noFill/>
-            <a:ln w="9525" cap="flat" cmpd="sng" algn="ctr">
-              <a:solidFill>
-                <a:srgbClr val="4F81BD">
-                  <a:shade val="95000"/>
-                  <a:satMod val="105000"/>
-                </a:srgbClr>
-              </a:solidFill>
-              <a:prstDash val="solid"/>
-              <a:tailEnd type="arrow"/>
-            </a:ln>
-            <a:effectLst/>
-          </p:spPr>
-        </p:cxnSp>
-        <p:cxnSp>
-          <p:nvCxnSpPr>
-            <p:cNvPr id="27" name="直接箭头连接符 26"/>
-            <p:cNvCxnSpPr>
-              <a:stCxn id="22" idx="2"/>
-              <a:endCxn id="23" idx="0"/>
-            </p:cNvCxnSpPr>
-            <p:nvPr/>
-          </p:nvCxnSpPr>
-          <p:spPr>
-            <a:xfrm>
-              <a:off x="2643187" y="971550"/>
-              <a:ext cx="1" cy="218100"/>
-            </a:xfrm>
-            <a:prstGeom prst="straightConnector1">
-              <a:avLst/>
-            </a:prstGeom>
-            <a:noFill/>
-            <a:ln w="9525" cap="flat" cmpd="sng" algn="ctr">
-              <a:solidFill>
-                <a:srgbClr val="4F81BD">
-                  <a:shade val="95000"/>
-                  <a:satMod val="105000"/>
-                </a:srgbClr>
-              </a:solidFill>
-              <a:prstDash val="solid"/>
-              <a:tailEnd type="arrow"/>
-            </a:ln>
-            <a:effectLst/>
-          </p:spPr>
-        </p:cxnSp>
-        <p:cxnSp>
-          <p:nvCxnSpPr>
-            <p:cNvPr id="28" name="直接箭头连接符 27"/>
-            <p:cNvCxnSpPr>
-              <a:stCxn id="23" idx="2"/>
-              <a:endCxn id="24" idx="0"/>
-            </p:cNvCxnSpPr>
-            <p:nvPr/>
-          </p:nvCxnSpPr>
-          <p:spPr>
-            <a:xfrm>
-              <a:off x="2643188" y="1532550"/>
-              <a:ext cx="8550" cy="257175"/>
-            </a:xfrm>
-            <a:prstGeom prst="straightConnector1">
-              <a:avLst/>
-            </a:prstGeom>
-            <a:noFill/>
-            <a:ln w="9525" cap="flat" cmpd="sng" algn="ctr">
-              <a:solidFill>
-                <a:srgbClr val="4F81BD">
-                  <a:shade val="95000"/>
-                  <a:satMod val="105000"/>
-                </a:srgbClr>
-              </a:solidFill>
-              <a:prstDash val="solid"/>
-              <a:tailEnd type="arrow"/>
-            </a:ln>
-            <a:effectLst/>
-          </p:spPr>
-        </p:cxnSp>
-        <p:cxnSp>
-          <p:nvCxnSpPr>
-            <p:cNvPr id="29" name="直接箭头连接符 28"/>
-            <p:cNvCxnSpPr>
-              <a:stCxn id="24" idx="2"/>
-              <a:endCxn id="25" idx="0"/>
-            </p:cNvCxnSpPr>
-            <p:nvPr/>
-          </p:nvCxnSpPr>
-          <p:spPr>
-            <a:xfrm>
-              <a:off x="2651738" y="2132625"/>
-              <a:ext cx="0" cy="276225"/>
-            </a:xfrm>
-            <a:prstGeom prst="straightConnector1">
-              <a:avLst/>
-            </a:prstGeom>
-            <a:noFill/>
-            <a:ln w="9525" cap="flat" cmpd="sng" algn="ctr">
-              <a:solidFill>
-                <a:srgbClr val="4F81BD">
-                  <a:shade val="95000"/>
-                  <a:satMod val="105000"/>
-                </a:srgbClr>
-              </a:solidFill>
-              <a:prstDash val="solid"/>
-              <a:tailEnd type="arrow"/>
-            </a:ln>
-            <a:effectLst/>
-          </p:spPr>
-        </p:cxnSp>
-      </p:grpSp>
-    </p:spTree>
-    <p:extLst>
-      <p:ext uri="{BB962C8B-B14F-4D97-AF65-F5344CB8AC3E}">
-        <p14:creationId xmlns:p14="http://schemas.microsoft.com/office/powerpoint/2010/main" val="1448192440"/>
-      </p:ext>
-    </p:extLst>
-  </p:cSld>
-  <p:clrMapOvr>
-    <a:masterClrMapping/>
-  </p:clrMapOvr>
-  <p:timing>
-    <p:tnLst>
-      <p:par>
-        <p:cTn id="1" dur="indefinite" restart="never" nodeType="tmRoot"/>
-      </p:par>
-    </p:tnLst>
-  </p:timing>
-</p:sld>
-</file>
-
-<file path=ppt/slides/slide11.xml><?xml version="1.0" encoding="utf-8"?>
-<p:sld xmlns:a="http://schemas.openxmlformats.org/drawingml/2006/main" xmlns:r="http://schemas.openxmlformats.org/officeDocument/2006/relationships" xmlns:p="http://schemas.openxmlformats.org/presentationml/2006/main">
-  <p:cSld>
-    <p:spTree>
-      <p:nvGrpSpPr>
-        <p:cNvPr id="1" name=""/>
-        <p:cNvGrpSpPr/>
-        <p:nvPr/>
-      </p:nvGrpSpPr>
-      <p:grpSpPr>
-        <a:xfrm>
-          <a:off x="0" y="0"/>
-          <a:ext cx="0" cy="0"/>
-          <a:chOff x="0" y="0"/>
-          <a:chExt cx="0" cy="0"/>
-        </a:xfrm>
-      </p:grpSpPr>
-      <p:sp>
-        <p:nvSpPr>
-          <p:cNvPr id="2" name="标题 1"/>
-          <p:cNvSpPr>
-            <a:spLocks noGrp="1"/>
-          </p:cNvSpPr>
-          <p:nvPr>
-            <p:ph type="title"/>
-          </p:nvPr>
-        </p:nvSpPr>
-        <p:spPr>
-          <a:xfrm>
-            <a:off x="2631489" y="5715000"/>
-            <a:ext cx="6512511" cy="1143000"/>
-          </a:xfrm>
-        </p:spPr>
-        <p:txBody>
-          <a:bodyPr/>
-          <a:lstStyle/>
-          <a:p>
-            <a:r>
-              <a:rPr lang="zh-CN" altLang="en-US" dirty="0" smtClean="0"/>
-              <a:t>图像灰度化操作</a:t>
-            </a:r>
-            <a:endParaRPr lang="zh-CN" altLang="en-US" dirty="0"/>
-          </a:p>
-        </p:txBody>
-      </p:sp>
-      <mc:AlternateContent xmlns:mc="http://schemas.openxmlformats.org/markup-compatibility/2006" xmlns:a14="http://schemas.microsoft.com/office/drawing/2010/main">
-        <mc:Choice Requires="a14">
-          <p:sp>
-            <p:nvSpPr>
-              <p:cNvPr id="4" name="矩形 3"/>
-              <p:cNvSpPr/>
-              <p:nvPr/>
-            </p:nvSpPr>
-            <p:spPr>
-              <a:xfrm>
-                <a:off x="1835696" y="395372"/>
-                <a:ext cx="5145961" cy="369332"/>
-              </a:xfrm>
-              <a:prstGeom prst="rect">
-                <a:avLst/>
-              </a:prstGeom>
-            </p:spPr>
-            <p:txBody>
-              <a:bodyPr wrap="none">
-                <a:spAutoFit/>
-              </a:bodyPr>
-              <a:lstStyle/>
-              <a:p>
-                <a:r>
-                  <a:rPr lang="zh-CN" altLang="en-US" dirty="0" smtClean="0"/>
-                  <a:t>公式</a:t>
-                </a:r>
-                <a14:m>
-                  <m:oMath xmlns:m="http://schemas.openxmlformats.org/officeDocument/2006/math">
-                    <m:r>
-                      <a:rPr lang="en-US" altLang="zh-CN" b="0" i="0" smtClean="0">
-                        <a:latin typeface="Cambria Math"/>
-                      </a:rPr>
-                      <m:t>1</m:t>
-                    </m:r>
-                    <m:r>
-                      <a:rPr lang="zh-CN" altLang="en-US" b="0" i="1" smtClean="0">
-                        <a:latin typeface="Cambria Math"/>
-                      </a:rPr>
-                      <m:t>：</m:t>
-                    </m:r>
-                    <m:r>
-                      <m:rPr>
-                        <m:sty m:val="p"/>
-                      </m:rPr>
-                      <a:rPr lang="en-US" altLang="zh-CN">
-                        <a:latin typeface="Cambria Math"/>
-                      </a:rPr>
-                      <m:t>Gray</m:t>
-                    </m:r>
-                    <m:r>
-                      <a:rPr lang="en-US" altLang="zh-CN">
-                        <a:latin typeface="Cambria Math"/>
-                      </a:rPr>
-                      <m:t>=0.299</m:t>
-                    </m:r>
-                    <m:r>
-                      <a:rPr lang="en-US" altLang="zh-CN" i="1">
-                        <a:latin typeface="Cambria Math"/>
-                      </a:rPr>
-                      <m:t>∗</m:t>
-                    </m:r>
-                    <m:r>
-                      <m:rPr>
-                        <m:sty m:val="p"/>
-                      </m:rPr>
-                      <a:rPr lang="en-US" altLang="zh-CN">
-                        <a:latin typeface="Cambria Math"/>
-                      </a:rPr>
-                      <m:t>R</m:t>
-                    </m:r>
-                    <m:r>
-                      <a:rPr lang="en-US" altLang="zh-CN">
-                        <a:latin typeface="Cambria Math"/>
-                      </a:rPr>
-                      <m:t>+0.587</m:t>
-                    </m:r>
-                    <m:r>
-                      <a:rPr lang="en-US" altLang="zh-CN" i="1">
-                        <a:latin typeface="Cambria Math"/>
-                      </a:rPr>
-                      <m:t>∗</m:t>
-                    </m:r>
-                    <m:r>
-                      <m:rPr>
-                        <m:sty m:val="p"/>
-                      </m:rPr>
-                      <a:rPr lang="en-US" altLang="zh-CN">
-                        <a:latin typeface="Cambria Math"/>
-                      </a:rPr>
-                      <m:t>G</m:t>
-                    </m:r>
-                    <m:r>
-                      <a:rPr lang="en-US" altLang="zh-CN">
-                        <a:latin typeface="Cambria Math"/>
-                      </a:rPr>
-                      <m:t>+0.114</m:t>
-                    </m:r>
-                    <m:r>
-                      <a:rPr lang="en-US" altLang="zh-CN" i="1">
-                        <a:latin typeface="Cambria Math"/>
-                      </a:rPr>
-                      <m:t>∗</m:t>
-                    </m:r>
-                    <m:r>
-                      <m:rPr>
-                        <m:sty m:val="p"/>
-                      </m:rPr>
-                      <a:rPr lang="en-US" altLang="zh-CN">
-                        <a:latin typeface="Cambria Math"/>
-                      </a:rPr>
-                      <m:t>B</m:t>
-                    </m:r>
-                  </m:oMath>
-                </a14:m>
-                <a:r>
-                  <a:rPr lang="en-US" altLang="zh-CN" dirty="0"/>
-                  <a:t> </a:t>
-                </a:r>
-                <a:endParaRPr lang="zh-CN" altLang="en-US" dirty="0"/>
-              </a:p>
-            </p:txBody>
-          </p:sp>
-        </mc:Choice>
-        <mc:Fallback xmlns="">
-          <p:sp>
-            <p:nvSpPr>
-              <p:cNvPr id="4" name="矩形 3"/>
-              <p:cNvSpPr>
-                <a:spLocks noRot="1" noChangeAspect="1" noMove="1" noResize="1" noEditPoints="1" noAdjustHandles="1" noChangeArrowheads="1" noChangeShapeType="1" noTextEdit="1"/>
-              </p:cNvSpPr>
-              <p:nvPr/>
-            </p:nvSpPr>
-            <p:spPr>
-              <a:xfrm>
-                <a:off x="1835696" y="395372"/>
-                <a:ext cx="5145961" cy="369332"/>
-              </a:xfrm>
-              <a:prstGeom prst="rect">
-                <a:avLst/>
-              </a:prstGeom>
-              <a:blipFill rotWithShape="1">
-                <a:blip r:embed="rId2"/>
-                <a:stretch>
-                  <a:fillRect l="-948" t="-13333" b="-21667"/>
-                </a:stretch>
-              </a:blipFill>
-            </p:spPr>
-            <p:txBody>
-              <a:bodyPr/>
-              <a:lstStyle/>
-              <a:p>
-                <a:r>
-                  <a:rPr lang="zh-CN" altLang="en-US">
-                    <a:noFill/>
-                  </a:rPr>
-                  <a:t> </a:t>
-                </a:r>
-              </a:p>
-            </p:txBody>
-          </p:sp>
-        </mc:Fallback>
-      </mc:AlternateContent>
-      <mc:AlternateContent xmlns:mc="http://schemas.openxmlformats.org/markup-compatibility/2006" xmlns:a14="http://schemas.microsoft.com/office/drawing/2010/main">
-        <mc:Choice Requires="a14">
-          <p:sp>
-            <p:nvSpPr>
-              <p:cNvPr id="5" name="矩形 4"/>
-              <p:cNvSpPr/>
-              <p:nvPr/>
-            </p:nvSpPr>
-            <p:spPr>
-              <a:xfrm>
-                <a:off x="1835696" y="899428"/>
-                <a:ext cx="6120680" cy="369332"/>
-              </a:xfrm>
-              <a:prstGeom prst="rect">
-                <a:avLst/>
-              </a:prstGeom>
-            </p:spPr>
-            <p:txBody>
-              <a:bodyPr wrap="square">
-                <a:spAutoFit/>
-              </a:bodyPr>
-              <a:lstStyle/>
-              <a:p>
-                <a:r>
-                  <a:rPr lang="zh-CN" altLang="en-US" dirty="0" smtClean="0"/>
-                  <a:t>公式</a:t>
-                </a:r>
-                <a14:m>
-                  <m:oMath xmlns:m="http://schemas.openxmlformats.org/officeDocument/2006/math">
-                    <m:r>
-                      <a:rPr lang="en-US" altLang="zh-CN" b="0" i="0" smtClean="0">
-                        <a:latin typeface="Cambria Math"/>
-                      </a:rPr>
-                      <m:t>2</m:t>
-                    </m:r>
-                    <m:r>
-                      <a:rPr lang="zh-CN" altLang="en-US" b="0" i="1" smtClean="0">
-                        <a:latin typeface="Cambria Math"/>
-                      </a:rPr>
-                      <m:t>：</m:t>
-                    </m:r>
-                    <m:r>
-                      <m:rPr>
-                        <m:sty m:val="p"/>
-                      </m:rPr>
-                      <a:rPr lang="en-US" altLang="zh-CN">
-                        <a:latin typeface="Cambria Math"/>
-                      </a:rPr>
-                      <m:t>Gray</m:t>
-                    </m:r>
-                    <m:r>
-                      <a:rPr lang="en-US" altLang="zh-CN">
-                        <a:latin typeface="Cambria Math"/>
-                      </a:rPr>
-                      <m:t>=(299</m:t>
-                    </m:r>
-                    <m:r>
-                      <a:rPr lang="en-US" altLang="zh-CN" i="1">
-                        <a:latin typeface="Cambria Math"/>
-                      </a:rPr>
-                      <m:t>∗</m:t>
-                    </m:r>
-                    <m:r>
-                      <m:rPr>
-                        <m:sty m:val="p"/>
-                      </m:rPr>
-                      <a:rPr lang="en-US" altLang="zh-CN">
-                        <a:latin typeface="Cambria Math"/>
-                      </a:rPr>
-                      <m:t>R</m:t>
-                    </m:r>
-                    <m:r>
-                      <a:rPr lang="en-US" altLang="zh-CN">
-                        <a:latin typeface="Cambria Math"/>
-                      </a:rPr>
-                      <m:t>+587</m:t>
-                    </m:r>
-                    <m:r>
-                      <a:rPr lang="en-US" altLang="zh-CN" i="1">
-                        <a:latin typeface="Cambria Math"/>
-                      </a:rPr>
-                      <m:t>∗</m:t>
-                    </m:r>
-                    <m:r>
-                      <m:rPr>
-                        <m:sty m:val="p"/>
-                      </m:rPr>
-                      <a:rPr lang="en-US" altLang="zh-CN">
-                        <a:latin typeface="Cambria Math"/>
-                      </a:rPr>
-                      <m:t>G</m:t>
-                    </m:r>
-                    <m:r>
-                      <a:rPr lang="en-US" altLang="zh-CN">
-                        <a:latin typeface="Cambria Math"/>
-                      </a:rPr>
-                      <m:t>+144</m:t>
-                    </m:r>
-                    <m:r>
-                      <a:rPr lang="en-US" altLang="zh-CN" i="1">
-                        <a:latin typeface="Cambria Math"/>
-                      </a:rPr>
-                      <m:t>∗</m:t>
-                    </m:r>
-                    <m:r>
-                      <m:rPr>
-                        <m:sty m:val="p"/>
-                      </m:rPr>
-                      <a:rPr lang="en-US" altLang="zh-CN">
-                        <a:latin typeface="Cambria Math"/>
-                      </a:rPr>
-                      <m:t>B</m:t>
-                    </m:r>
-                    <m:r>
-                      <a:rPr lang="en-US" altLang="zh-CN">
-                        <a:latin typeface="Cambria Math"/>
-                      </a:rPr>
-                      <m:t>+500)/1000</m:t>
-                    </m:r>
-                  </m:oMath>
-                </a14:m>
-                <a:r>
-                  <a:rPr lang="en-US" altLang="zh-CN" dirty="0"/>
-                  <a:t> </a:t>
-                </a:r>
-                <a:endParaRPr lang="zh-CN" altLang="en-US" dirty="0"/>
-              </a:p>
-            </p:txBody>
-          </p:sp>
-        </mc:Choice>
-        <mc:Fallback xmlns="">
-          <p:sp>
-            <p:nvSpPr>
-              <p:cNvPr id="5" name="矩形 4"/>
-              <p:cNvSpPr>
-                <a:spLocks noRot="1" noChangeAspect="1" noMove="1" noResize="1" noEditPoints="1" noAdjustHandles="1" noChangeArrowheads="1" noChangeShapeType="1" noTextEdit="1"/>
-              </p:cNvSpPr>
-              <p:nvPr/>
-            </p:nvSpPr>
-            <p:spPr>
-              <a:xfrm>
-                <a:off x="1835696" y="899428"/>
-                <a:ext cx="6120680" cy="369332"/>
-              </a:xfrm>
-              <a:prstGeom prst="rect">
-                <a:avLst/>
-              </a:prstGeom>
-              <a:blipFill rotWithShape="1">
-                <a:blip r:embed="rId3"/>
-                <a:stretch>
-                  <a:fillRect l="-797" t="-13333" b="-21667"/>
-                </a:stretch>
-              </a:blipFill>
-            </p:spPr>
-            <p:txBody>
-              <a:bodyPr/>
-              <a:lstStyle/>
-              <a:p>
-                <a:r>
-                  <a:rPr lang="zh-CN" altLang="en-US">
-                    <a:noFill/>
-                  </a:rPr>
-                  <a:t> </a:t>
-                </a:r>
-              </a:p>
-            </p:txBody>
-          </p:sp>
-        </mc:Fallback>
-      </mc:AlternateContent>
-      <mc:AlternateContent xmlns:mc="http://schemas.openxmlformats.org/markup-compatibility/2006" xmlns:a14="http://schemas.microsoft.com/office/drawing/2010/main">
-        <mc:Choice Requires="a14">
-          <p:sp>
-            <p:nvSpPr>
-              <p:cNvPr id="6" name="矩形 5"/>
-              <p:cNvSpPr/>
-              <p:nvPr/>
-            </p:nvSpPr>
-            <p:spPr>
-              <a:xfrm>
-                <a:off x="1835696" y="1403484"/>
-                <a:ext cx="5976664" cy="369332"/>
-              </a:xfrm>
-              <a:prstGeom prst="rect">
-                <a:avLst/>
-              </a:prstGeom>
-            </p:spPr>
-            <p:txBody>
-              <a:bodyPr wrap="square">
-                <a:spAutoFit/>
-              </a:bodyPr>
-              <a:lstStyle/>
-              <a:p>
-                <a:r>
-                  <a:rPr lang="zh-CN" altLang="en-US" dirty="0" smtClean="0"/>
-                  <a:t>公式</a:t>
-                </a:r>
-                <a14:m>
-                  <m:oMath xmlns:m="http://schemas.openxmlformats.org/officeDocument/2006/math">
-                    <m:r>
-                      <a:rPr lang="en-US" altLang="zh-CN" b="0" i="0" smtClean="0">
-                        <a:latin typeface="Cambria Math"/>
-                      </a:rPr>
-                      <m:t>3</m:t>
-                    </m:r>
-                    <m:r>
-                      <a:rPr lang="zh-CN" altLang="en-US" b="0" i="1" smtClean="0">
-                        <a:latin typeface="Cambria Math"/>
-                      </a:rPr>
-                      <m:t>：</m:t>
-                    </m:r>
-                    <m:r>
-                      <m:rPr>
-                        <m:sty m:val="p"/>
-                      </m:rPr>
-                      <a:rPr lang="en-US" altLang="zh-CN">
-                        <a:latin typeface="Cambria Math"/>
-                      </a:rPr>
-                      <m:t>Gray</m:t>
-                    </m:r>
-                    <m:r>
-                      <a:rPr lang="en-US" altLang="zh-CN">
-                        <a:latin typeface="Cambria Math"/>
-                      </a:rPr>
-                      <m:t>=</m:t>
-                    </m:r>
-                    <m:d>
-                      <m:dPr>
-                        <m:ctrlPr>
-                          <a:rPr lang="zh-CN" altLang="zh-CN" i="1">
-                            <a:latin typeface="Cambria Math"/>
-                          </a:rPr>
-                        </m:ctrlPr>
-                      </m:dPr>
-                      <m:e>
-                        <m:r>
-                          <a:rPr lang="en-US" altLang="zh-CN">
-                            <a:latin typeface="Cambria Math"/>
-                          </a:rPr>
-                          <m:t>19595</m:t>
-                        </m:r>
-                        <m:r>
-                          <a:rPr lang="en-US" altLang="zh-CN" i="1">
-                            <a:latin typeface="Cambria Math"/>
-                          </a:rPr>
-                          <m:t>∗</m:t>
-                        </m:r>
-                        <m:r>
-                          <m:rPr>
-                            <m:sty m:val="p"/>
-                          </m:rPr>
-                          <a:rPr lang="en-US" altLang="zh-CN">
-                            <a:latin typeface="Cambria Math"/>
-                          </a:rPr>
-                          <m:t>R</m:t>
-                        </m:r>
-                        <m:r>
-                          <a:rPr lang="en-US" altLang="zh-CN">
-                            <a:latin typeface="Cambria Math"/>
-                          </a:rPr>
-                          <m:t>+38469</m:t>
-                        </m:r>
-                        <m:r>
-                          <a:rPr lang="en-US" altLang="zh-CN" i="1">
-                            <a:latin typeface="Cambria Math"/>
-                          </a:rPr>
-                          <m:t>∗</m:t>
-                        </m:r>
-                        <m:r>
-                          <m:rPr>
-                            <m:sty m:val="p"/>
-                          </m:rPr>
-                          <a:rPr lang="en-US" altLang="zh-CN">
-                            <a:latin typeface="Cambria Math"/>
-                          </a:rPr>
-                          <m:t>G</m:t>
-                        </m:r>
-                        <m:r>
-                          <a:rPr lang="en-US" altLang="zh-CN">
-                            <a:latin typeface="Cambria Math"/>
-                          </a:rPr>
-                          <m:t>+7471</m:t>
-                        </m:r>
-                        <m:r>
-                          <a:rPr lang="en-US" altLang="zh-CN" i="1">
-                            <a:latin typeface="Cambria Math"/>
-                          </a:rPr>
-                          <m:t>∗</m:t>
-                        </m:r>
-                        <m:r>
-                          <m:rPr>
-                            <m:sty m:val="p"/>
-                          </m:rPr>
-                          <a:rPr lang="en-US" altLang="zh-CN">
-                            <a:latin typeface="Cambria Math"/>
-                          </a:rPr>
-                          <m:t>B</m:t>
-                        </m:r>
-                      </m:e>
-                    </m:d>
-                    <m:r>
-                      <a:rPr lang="en-US" altLang="zh-CN">
-                        <a:latin typeface="Cambria Math"/>
-                      </a:rPr>
-                      <m:t>≫16</m:t>
-                    </m:r>
-                  </m:oMath>
-                </a14:m>
-                <a:r>
-                  <a:rPr lang="en-US" altLang="zh-CN" dirty="0"/>
-                  <a:t> </a:t>
-                </a:r>
-                <a:endParaRPr lang="zh-CN" altLang="en-US" dirty="0"/>
-              </a:p>
-            </p:txBody>
-          </p:sp>
-        </mc:Choice>
-        <mc:Fallback xmlns="">
-          <p:sp>
-            <p:nvSpPr>
-              <p:cNvPr id="6" name="矩形 5"/>
-              <p:cNvSpPr>
-                <a:spLocks noRot="1" noChangeAspect="1" noMove="1" noResize="1" noEditPoints="1" noAdjustHandles="1" noChangeArrowheads="1" noChangeShapeType="1" noTextEdit="1"/>
-              </p:cNvSpPr>
-              <p:nvPr/>
-            </p:nvSpPr>
-            <p:spPr>
-              <a:xfrm>
-                <a:off x="1835696" y="1403484"/>
-                <a:ext cx="5976664" cy="369332"/>
-              </a:xfrm>
-              <a:prstGeom prst="rect">
-                <a:avLst/>
-              </a:prstGeom>
-              <a:blipFill rotWithShape="1">
-                <a:blip r:embed="rId4"/>
-                <a:stretch>
-                  <a:fillRect l="-815" t="-13115" b="-19672"/>
-                </a:stretch>
-              </a:blipFill>
-            </p:spPr>
-            <p:txBody>
-              <a:bodyPr/>
-              <a:lstStyle/>
-              <a:p>
-                <a:r>
-                  <a:rPr lang="zh-CN" altLang="en-US">
-                    <a:noFill/>
-                  </a:rPr>
-                  <a:t> </a:t>
-                </a:r>
-              </a:p>
-            </p:txBody>
-          </p:sp>
-        </mc:Fallback>
-      </mc:AlternateContent>
-      <p:graphicFrame>
-        <p:nvGraphicFramePr>
-          <p:cNvPr id="7" name="表格 6"/>
-          <p:cNvGraphicFramePr>
-            <a:graphicFrameLocks noGrp="1"/>
-          </p:cNvGraphicFramePr>
-          <p:nvPr>
-            <p:extLst>
-              <p:ext uri="{D42A27DB-BD31-4B8C-83A1-F6EECF244321}">
-                <p14:modId xmlns:p14="http://schemas.microsoft.com/office/powerpoint/2010/main" val="1033239783"/>
-              </p:ext>
-            </p:extLst>
-          </p:nvPr>
-        </p:nvGraphicFramePr>
-        <p:xfrm>
-          <a:off x="827584" y="2132856"/>
-          <a:ext cx="7560841" cy="3177016"/>
-        </p:xfrm>
-        <a:graphic>
-          <a:graphicData uri="http://schemas.openxmlformats.org/drawingml/2006/table">
-            <a:tbl>
-              <a:tblPr firstRow="1" firstCol="1" bandRow="1">
-                <a:tableStyleId>{5C22544A-7EE6-4342-B048-85BDC9FD1C3A}</a:tableStyleId>
-              </a:tblPr>
-              <a:tblGrid>
-                <a:gridCol w="1224136"/>
-                <a:gridCol w="1397974"/>
-                <a:gridCol w="1476528"/>
-                <a:gridCol w="1623397"/>
-                <a:gridCol w="1838806"/>
-              </a:tblGrid>
-              <a:tr h="401681">
-                <a:tc>
-                  <a:txBody>
-                    <a:bodyPr/>
-                    <a:lstStyle/>
-                    <a:p>
-                      <a:pPr algn="ctr">
-                        <a:lnSpc>
-                          <a:spcPct val="150000"/>
-                        </a:lnSpc>
-                        <a:spcAft>
-                          <a:spcPts val="0"/>
-                        </a:spcAft>
-                      </a:pPr>
-                      <a:r>
-                        <a:rPr lang="zh-CN" sz="2000" kern="100" dirty="0">
-                          <a:effectLst/>
-                        </a:rPr>
-                        <a:t>公式</a:t>
-                      </a:r>
-                      <a:endParaRPr lang="zh-CN" sz="2000" kern="100" dirty="0">
-                        <a:effectLst/>
-                        <a:latin typeface="Calibri"/>
-                        <a:ea typeface="宋体"/>
-                        <a:cs typeface="Times New Roman"/>
-                      </a:endParaRPr>
-                    </a:p>
-                  </a:txBody>
-                  <a:tcPr marL="68580" marR="68580" marT="0" marB="0"/>
-                </a:tc>
-                <a:tc>
-                  <a:txBody>
-                    <a:bodyPr/>
-                    <a:lstStyle/>
-                    <a:p>
-                      <a:pPr algn="ctr">
-                        <a:lnSpc>
-                          <a:spcPct val="150000"/>
-                        </a:lnSpc>
-                        <a:spcAft>
-                          <a:spcPts val="0"/>
-                        </a:spcAft>
-                      </a:pPr>
-                      <a:r>
-                        <a:rPr lang="zh-CN" sz="2000" kern="100">
-                          <a:effectLst/>
-                        </a:rPr>
-                        <a:t>视频长度</a:t>
-                      </a:r>
-                      <a:r>
-                        <a:rPr lang="en-US" sz="2000" kern="100">
-                          <a:effectLst/>
-                        </a:rPr>
-                        <a:t>/</a:t>
-                      </a:r>
-                      <a:r>
-                        <a:rPr lang="zh-CN" sz="2000" kern="100">
-                          <a:effectLst/>
-                        </a:rPr>
-                        <a:t>帧</a:t>
-                      </a:r>
-                      <a:endParaRPr lang="zh-CN" sz="2000" kern="100">
-                        <a:effectLst/>
-                        <a:latin typeface="Calibri"/>
-                        <a:ea typeface="宋体"/>
-                        <a:cs typeface="Times New Roman"/>
-                      </a:endParaRPr>
-                    </a:p>
-                  </a:txBody>
-                  <a:tcPr marL="68580" marR="68580" marT="0" marB="0"/>
-                </a:tc>
-                <a:tc>
-                  <a:txBody>
-                    <a:bodyPr/>
-                    <a:lstStyle/>
-                    <a:p>
-                      <a:pPr algn="ctr">
-                        <a:lnSpc>
-                          <a:spcPct val="150000"/>
-                        </a:lnSpc>
-                        <a:spcAft>
-                          <a:spcPts val="0"/>
-                        </a:spcAft>
-                      </a:pPr>
-                      <a:r>
-                        <a:rPr lang="zh-CN" sz="2000" kern="100" dirty="0">
-                          <a:effectLst/>
-                        </a:rPr>
-                        <a:t>视频分辨率</a:t>
-                      </a:r>
-                      <a:endParaRPr lang="zh-CN" sz="2000" kern="100" dirty="0">
-                        <a:effectLst/>
-                        <a:latin typeface="Calibri"/>
-                        <a:ea typeface="宋体"/>
-                        <a:cs typeface="Times New Roman"/>
-                      </a:endParaRPr>
-                    </a:p>
-                  </a:txBody>
-                  <a:tcPr marL="68580" marR="68580" marT="0" marB="0"/>
-                </a:tc>
-                <a:tc>
-                  <a:txBody>
-                    <a:bodyPr/>
-                    <a:lstStyle/>
-                    <a:p>
-                      <a:pPr algn="ctr">
-                        <a:lnSpc>
-                          <a:spcPct val="150000"/>
-                        </a:lnSpc>
-                        <a:spcAft>
-                          <a:spcPts val="0"/>
-                        </a:spcAft>
-                      </a:pPr>
-                      <a:r>
-                        <a:rPr lang="zh-CN" sz="2000" kern="100">
-                          <a:effectLst/>
-                        </a:rPr>
-                        <a:t>总时间</a:t>
-                      </a:r>
-                      <a:r>
-                        <a:rPr lang="en-US" sz="2000" kern="100">
-                          <a:effectLst/>
-                        </a:rPr>
-                        <a:t>/ms</a:t>
-                      </a:r>
-                      <a:endParaRPr lang="zh-CN" sz="2000" kern="100">
-                        <a:effectLst/>
-                        <a:latin typeface="Calibri"/>
-                        <a:ea typeface="宋体"/>
-                        <a:cs typeface="Times New Roman"/>
-                      </a:endParaRPr>
-                    </a:p>
-                  </a:txBody>
-                  <a:tcPr marL="68580" marR="68580" marT="0" marB="0"/>
-                </a:tc>
-                <a:tc>
-                  <a:txBody>
-                    <a:bodyPr/>
-                    <a:lstStyle/>
-                    <a:p>
-                      <a:pPr algn="ctr">
-                        <a:lnSpc>
-                          <a:spcPct val="150000"/>
-                        </a:lnSpc>
-                        <a:spcAft>
-                          <a:spcPts val="0"/>
-                        </a:spcAft>
-                      </a:pPr>
-                      <a:r>
-                        <a:rPr lang="zh-CN" sz="2000" kern="100">
-                          <a:effectLst/>
-                        </a:rPr>
-                        <a:t>平均时间</a:t>
-                      </a:r>
-                      <a:r>
-                        <a:rPr lang="en-US" sz="2000" kern="100">
-                          <a:effectLst/>
-                        </a:rPr>
-                        <a:t>/ms</a:t>
-                      </a:r>
-                      <a:endParaRPr lang="zh-CN" sz="2000" kern="100">
-                        <a:effectLst/>
-                        <a:latin typeface="Calibri"/>
-                        <a:ea typeface="宋体"/>
-                        <a:cs typeface="Times New Roman"/>
-                      </a:endParaRPr>
-                    </a:p>
-                  </a:txBody>
-                  <a:tcPr marL="68580" marR="68580" marT="0" marB="0"/>
-                </a:tc>
-              </a:tr>
-              <a:tr h="606431">
-                <a:tc>
-                  <a:txBody>
-                    <a:bodyPr/>
-                    <a:lstStyle/>
-                    <a:p>
-                      <a:pPr algn="ctr">
-                        <a:lnSpc>
-                          <a:spcPct val="150000"/>
-                        </a:lnSpc>
-                        <a:spcAft>
-                          <a:spcPts val="0"/>
-                        </a:spcAft>
-                      </a:pPr>
-                      <a:r>
-                        <a:rPr lang="en-US" altLang="zh-CN" sz="2000" kern="100" dirty="0" smtClean="0">
-                          <a:effectLst/>
-                          <a:latin typeface="Calibri"/>
-                          <a:ea typeface="宋体"/>
-                          <a:cs typeface="Times New Roman"/>
-                        </a:rPr>
-                        <a:t>1</a:t>
-                      </a:r>
-                      <a:endParaRPr lang="zh-CN" sz="2000" kern="100" dirty="0">
-                        <a:effectLst/>
-                        <a:latin typeface="Calibri"/>
-                        <a:ea typeface="宋体"/>
-                        <a:cs typeface="Times New Roman"/>
-                      </a:endParaRPr>
-                    </a:p>
-                  </a:txBody>
-                  <a:tcPr marL="68580" marR="68580" marT="0" marB="0"/>
-                </a:tc>
-                <a:tc rowSpan="4">
-                  <a:txBody>
-                    <a:bodyPr/>
-                    <a:lstStyle/>
-                    <a:p>
-                      <a:pPr algn="ctr">
-                        <a:lnSpc>
-                          <a:spcPct val="150000"/>
-                        </a:lnSpc>
-                        <a:spcAft>
-                          <a:spcPts val="0"/>
-                        </a:spcAft>
-                      </a:pPr>
-                      <a:r>
-                        <a:rPr lang="en-US" sz="2000" kern="100" dirty="0">
-                          <a:effectLst/>
-                        </a:rPr>
-                        <a:t>3623</a:t>
-                      </a:r>
-                      <a:endParaRPr lang="zh-CN" sz="2000" kern="100" dirty="0">
-                        <a:effectLst/>
-                        <a:latin typeface="Calibri"/>
-                        <a:ea typeface="宋体"/>
-                        <a:cs typeface="Times New Roman"/>
-                      </a:endParaRPr>
-                    </a:p>
-                  </a:txBody>
-                  <a:tcPr marL="68580" marR="68580" marT="0" marB="0" anchor="ctr"/>
-                </a:tc>
-                <a:tc rowSpan="4">
-                  <a:txBody>
-                    <a:bodyPr/>
-                    <a:lstStyle/>
-                    <a:p>
-                      <a:pPr algn="ctr">
-                        <a:lnSpc>
-                          <a:spcPct val="150000"/>
-                        </a:lnSpc>
-                        <a:spcAft>
-                          <a:spcPts val="0"/>
-                        </a:spcAft>
-                      </a:pPr>
-                      <a:r>
-                        <a:rPr lang="en-US" sz="2000" kern="100" dirty="0">
-                          <a:effectLst/>
-                        </a:rPr>
-                        <a:t>1280*720</a:t>
-                      </a:r>
-                      <a:endParaRPr lang="zh-CN" sz="2000" kern="100" dirty="0">
-                        <a:effectLst/>
-                        <a:latin typeface="Calibri"/>
-                        <a:ea typeface="宋体"/>
-                        <a:cs typeface="Times New Roman"/>
-                      </a:endParaRPr>
-                    </a:p>
-                  </a:txBody>
-                  <a:tcPr marL="68580" marR="68580" marT="0" marB="0" anchor="ctr"/>
-                </a:tc>
-                <a:tc>
-                  <a:txBody>
-                    <a:bodyPr/>
-                    <a:lstStyle/>
-                    <a:p>
-                      <a:pPr algn="ctr">
-                        <a:lnSpc>
-                          <a:spcPct val="150000"/>
-                        </a:lnSpc>
-                        <a:spcAft>
-                          <a:spcPts val="0"/>
-                        </a:spcAft>
-                      </a:pPr>
-                      <a:r>
-                        <a:rPr lang="en-US" sz="2000" kern="100">
-                          <a:effectLst/>
-                        </a:rPr>
-                        <a:t>15722.8</a:t>
-                      </a:r>
-                      <a:endParaRPr lang="zh-CN" sz="2000" kern="100">
-                        <a:effectLst/>
-                        <a:latin typeface="Calibri"/>
-                        <a:ea typeface="宋体"/>
-                        <a:cs typeface="Times New Roman"/>
-                      </a:endParaRPr>
-                    </a:p>
-                  </a:txBody>
-                  <a:tcPr marL="68580" marR="68580" marT="0" marB="0"/>
-                </a:tc>
-                <a:tc>
-                  <a:txBody>
-                    <a:bodyPr/>
-                    <a:lstStyle/>
-                    <a:p>
-                      <a:pPr algn="ctr">
-                        <a:lnSpc>
-                          <a:spcPct val="150000"/>
-                        </a:lnSpc>
-                        <a:spcAft>
-                          <a:spcPts val="0"/>
-                        </a:spcAft>
-                      </a:pPr>
-                      <a:r>
-                        <a:rPr lang="en-US" sz="2000" kern="100">
-                          <a:effectLst/>
-                        </a:rPr>
-                        <a:t>4.34</a:t>
-                      </a:r>
-                      <a:endParaRPr lang="zh-CN" sz="2000" kern="100">
-                        <a:effectLst/>
-                        <a:latin typeface="Calibri"/>
-                        <a:ea typeface="宋体"/>
-                        <a:cs typeface="Times New Roman"/>
-                      </a:endParaRPr>
-                    </a:p>
-                  </a:txBody>
-                  <a:tcPr marL="68580" marR="68580" marT="0" marB="0"/>
-                </a:tc>
-              </a:tr>
-              <a:tr h="504056">
-                <a:tc>
-                  <a:txBody>
-                    <a:bodyPr/>
-                    <a:lstStyle/>
-                    <a:p>
-                      <a:pPr algn="ctr">
-                        <a:lnSpc>
-                          <a:spcPct val="150000"/>
-                        </a:lnSpc>
-                        <a:spcAft>
-                          <a:spcPts val="0"/>
-                        </a:spcAft>
-                      </a:pPr>
-                      <a:r>
-                        <a:rPr lang="en-US" altLang="zh-CN" sz="2000" kern="100" dirty="0" smtClean="0">
-                          <a:effectLst/>
-                          <a:latin typeface="Calibri"/>
-                          <a:ea typeface="宋体"/>
-                          <a:cs typeface="Times New Roman"/>
-                        </a:rPr>
-                        <a:t>2</a:t>
-                      </a:r>
-                      <a:endParaRPr lang="zh-CN" sz="2000" kern="100" dirty="0">
-                        <a:effectLst/>
-                        <a:latin typeface="Calibri"/>
-                        <a:ea typeface="宋体"/>
-                        <a:cs typeface="Times New Roman"/>
-                      </a:endParaRPr>
-                    </a:p>
-                  </a:txBody>
-                  <a:tcPr marL="68580" marR="68580" marT="0" marB="0"/>
-                </a:tc>
-                <a:tc vMerge="1">
-                  <a:txBody>
-                    <a:bodyPr/>
-                    <a:lstStyle/>
-                    <a:p>
-                      <a:endParaRPr lang="zh-CN" altLang="en-US"/>
-                    </a:p>
-                  </a:txBody>
-                  <a:tcPr/>
-                </a:tc>
-                <a:tc vMerge="1">
-                  <a:txBody>
-                    <a:bodyPr/>
-                    <a:lstStyle/>
-                    <a:p>
-                      <a:endParaRPr lang="zh-CN" altLang="en-US"/>
-                    </a:p>
-                  </a:txBody>
-                  <a:tcPr/>
-                </a:tc>
-                <a:tc>
-                  <a:txBody>
-                    <a:bodyPr/>
-                    <a:lstStyle/>
-                    <a:p>
-                      <a:pPr algn="ctr">
-                        <a:lnSpc>
-                          <a:spcPct val="150000"/>
-                        </a:lnSpc>
-                        <a:spcAft>
-                          <a:spcPts val="0"/>
-                        </a:spcAft>
-                      </a:pPr>
-                      <a:r>
-                        <a:rPr lang="en-US" sz="2000" kern="100" dirty="0">
-                          <a:effectLst/>
-                        </a:rPr>
-                        <a:t>8406.68</a:t>
-                      </a:r>
-                      <a:endParaRPr lang="zh-CN" sz="2000" kern="100" dirty="0">
-                        <a:effectLst/>
-                        <a:latin typeface="Calibri"/>
-                        <a:ea typeface="宋体"/>
-                        <a:cs typeface="Times New Roman"/>
-                      </a:endParaRPr>
-                    </a:p>
-                  </a:txBody>
-                  <a:tcPr marL="68580" marR="68580" marT="0" marB="0"/>
-                </a:tc>
-                <a:tc>
-                  <a:txBody>
-                    <a:bodyPr/>
-                    <a:lstStyle/>
-                    <a:p>
-                      <a:pPr algn="ctr">
-                        <a:lnSpc>
-                          <a:spcPct val="150000"/>
-                        </a:lnSpc>
-                        <a:spcAft>
-                          <a:spcPts val="0"/>
-                        </a:spcAft>
-                      </a:pPr>
-                      <a:r>
-                        <a:rPr lang="en-US" sz="2000" kern="100">
-                          <a:effectLst/>
-                        </a:rPr>
-                        <a:t>2.32</a:t>
-                      </a:r>
-                      <a:endParaRPr lang="zh-CN" sz="2000" kern="100">
-                        <a:effectLst/>
-                        <a:latin typeface="Calibri"/>
-                        <a:ea typeface="宋体"/>
-                        <a:cs typeface="Times New Roman"/>
-                      </a:endParaRPr>
-                    </a:p>
-                  </a:txBody>
-                  <a:tcPr marL="68580" marR="68580" marT="0" marB="0"/>
-                </a:tc>
-              </a:tr>
-              <a:tr h="648072">
-                <a:tc>
-                  <a:txBody>
-                    <a:bodyPr/>
-                    <a:lstStyle/>
-                    <a:p>
-                      <a:pPr algn="ctr">
-                        <a:lnSpc>
-                          <a:spcPct val="150000"/>
-                        </a:lnSpc>
-                        <a:spcAft>
-                          <a:spcPts val="0"/>
-                        </a:spcAft>
-                      </a:pPr>
-                      <a:r>
-                        <a:rPr lang="en-US" altLang="zh-CN" sz="2000" kern="100" dirty="0" smtClean="0">
-                          <a:effectLst/>
-                          <a:latin typeface="Calibri"/>
-                          <a:ea typeface="宋体"/>
-                          <a:cs typeface="Times New Roman"/>
-                        </a:rPr>
-                        <a:t>3</a:t>
-                      </a:r>
-                      <a:endParaRPr lang="zh-CN" sz="2000" kern="100" dirty="0">
-                        <a:effectLst/>
-                        <a:latin typeface="Calibri"/>
-                        <a:ea typeface="宋体"/>
-                        <a:cs typeface="Times New Roman"/>
-                      </a:endParaRPr>
-                    </a:p>
-                  </a:txBody>
-                  <a:tcPr marL="68580" marR="68580" marT="0" marB="0"/>
-                </a:tc>
-                <a:tc vMerge="1">
-                  <a:txBody>
-                    <a:bodyPr/>
-                    <a:lstStyle/>
-                    <a:p>
-                      <a:endParaRPr lang="zh-CN" altLang="en-US"/>
-                    </a:p>
-                  </a:txBody>
-                  <a:tcPr/>
-                </a:tc>
-                <a:tc vMerge="1">
-                  <a:txBody>
-                    <a:bodyPr/>
-                    <a:lstStyle/>
-                    <a:p>
-                      <a:endParaRPr lang="zh-CN" altLang="en-US"/>
-                    </a:p>
-                  </a:txBody>
-                  <a:tcPr/>
-                </a:tc>
-                <a:tc>
-                  <a:txBody>
-                    <a:bodyPr/>
-                    <a:lstStyle/>
-                    <a:p>
-                      <a:pPr algn="ctr">
-                        <a:lnSpc>
-                          <a:spcPct val="150000"/>
-                        </a:lnSpc>
-                        <a:spcAft>
-                          <a:spcPts val="0"/>
-                        </a:spcAft>
-                      </a:pPr>
-                      <a:r>
-                        <a:rPr lang="en-US" sz="2000" kern="100" dirty="0">
-                          <a:effectLst/>
-                        </a:rPr>
-                        <a:t>5764.69</a:t>
-                      </a:r>
-                      <a:endParaRPr lang="zh-CN" sz="2000" kern="100" dirty="0">
-                        <a:effectLst/>
-                        <a:latin typeface="Calibri"/>
-                        <a:ea typeface="宋体"/>
-                        <a:cs typeface="Times New Roman"/>
-                      </a:endParaRPr>
-                    </a:p>
-                  </a:txBody>
-                  <a:tcPr marL="68580" marR="68580" marT="0" marB="0"/>
-                </a:tc>
-                <a:tc>
-                  <a:txBody>
-                    <a:bodyPr/>
-                    <a:lstStyle/>
-                    <a:p>
-                      <a:pPr algn="ctr">
-                        <a:lnSpc>
-                          <a:spcPct val="150000"/>
-                        </a:lnSpc>
-                        <a:spcAft>
-                          <a:spcPts val="0"/>
-                        </a:spcAft>
-                      </a:pPr>
-                      <a:r>
-                        <a:rPr lang="en-US" sz="2000" kern="100" dirty="0">
-                          <a:effectLst/>
-                        </a:rPr>
-                        <a:t>1.59</a:t>
-                      </a:r>
-                      <a:endParaRPr lang="zh-CN" sz="2000" kern="100" dirty="0">
-                        <a:effectLst/>
-                        <a:latin typeface="Calibri"/>
-                        <a:ea typeface="宋体"/>
-                        <a:cs typeface="Times New Roman"/>
-                      </a:endParaRPr>
-                    </a:p>
-                  </a:txBody>
-                  <a:tcPr marL="68580" marR="68580" marT="0" marB="0"/>
-                </a:tc>
-              </a:tr>
-              <a:tr h="504057">
-                <a:tc>
-                  <a:txBody>
-                    <a:bodyPr/>
-                    <a:lstStyle/>
-                    <a:p>
-                      <a:pPr algn="ctr">
-                        <a:lnSpc>
-                          <a:spcPct val="150000"/>
-                        </a:lnSpc>
-                        <a:spcAft>
-                          <a:spcPts val="0"/>
-                        </a:spcAft>
-                      </a:pPr>
-                      <a:r>
-                        <a:rPr lang="en-US" sz="2000" kern="100" dirty="0" err="1">
-                          <a:effectLst/>
-                        </a:rPr>
-                        <a:t>Opencv</a:t>
-                      </a:r>
-                      <a:endParaRPr lang="zh-CN" sz="2000" kern="100" dirty="0">
-                        <a:effectLst/>
-                        <a:latin typeface="Calibri"/>
-                        <a:ea typeface="宋体"/>
-                        <a:cs typeface="Times New Roman"/>
-                      </a:endParaRPr>
-                    </a:p>
-                  </a:txBody>
-                  <a:tcPr marL="68580" marR="68580" marT="0" marB="0"/>
-                </a:tc>
-                <a:tc vMerge="1">
-                  <a:txBody>
-                    <a:bodyPr/>
-                    <a:lstStyle/>
-                    <a:p>
-                      <a:endParaRPr lang="zh-CN" altLang="en-US"/>
-                    </a:p>
-                  </a:txBody>
-                  <a:tcPr/>
-                </a:tc>
-                <a:tc vMerge="1">
-                  <a:txBody>
-                    <a:bodyPr/>
-                    <a:lstStyle/>
-                    <a:p>
-                      <a:endParaRPr lang="zh-CN" altLang="en-US"/>
-                    </a:p>
-                  </a:txBody>
-                  <a:tcPr/>
-                </a:tc>
-                <a:tc>
-                  <a:txBody>
-                    <a:bodyPr/>
-                    <a:lstStyle/>
-                    <a:p>
-                      <a:pPr algn="ctr">
-                        <a:lnSpc>
-                          <a:spcPct val="150000"/>
-                        </a:lnSpc>
-                        <a:spcAft>
-                          <a:spcPts val="0"/>
-                        </a:spcAft>
-                      </a:pPr>
-                      <a:r>
-                        <a:rPr lang="en-US" sz="2000" kern="100" dirty="0">
-                          <a:effectLst/>
-                        </a:rPr>
-                        <a:t>7646.59</a:t>
-                      </a:r>
-                      <a:endParaRPr lang="zh-CN" sz="2000" kern="100" dirty="0">
-                        <a:effectLst/>
-                        <a:latin typeface="Calibri"/>
-                        <a:ea typeface="宋体"/>
-                        <a:cs typeface="Times New Roman"/>
-                      </a:endParaRPr>
-                    </a:p>
-                  </a:txBody>
-                  <a:tcPr marL="68580" marR="68580" marT="0" marB="0"/>
-                </a:tc>
-                <a:tc>
-                  <a:txBody>
-                    <a:bodyPr/>
-                    <a:lstStyle/>
-                    <a:p>
-                      <a:pPr algn="ctr">
-                        <a:lnSpc>
-                          <a:spcPct val="150000"/>
-                        </a:lnSpc>
-                        <a:spcAft>
-                          <a:spcPts val="0"/>
-                        </a:spcAft>
-                      </a:pPr>
-                      <a:r>
-                        <a:rPr lang="en-US" sz="2000" kern="100" dirty="0">
-                          <a:effectLst/>
-                        </a:rPr>
-                        <a:t>2.11</a:t>
-                      </a:r>
-                      <a:endParaRPr lang="zh-CN" sz="2000" kern="100" dirty="0">
-                        <a:effectLst/>
-                        <a:latin typeface="Calibri"/>
-                        <a:ea typeface="宋体"/>
-                        <a:cs typeface="Times New Roman"/>
-                      </a:endParaRPr>
-                    </a:p>
-                  </a:txBody>
-                  <a:tcPr marL="68580" marR="68580" marT="0" marB="0"/>
-                </a:tc>
-              </a:tr>
-            </a:tbl>
-          </a:graphicData>
-        </a:graphic>
-      </p:graphicFrame>
-    </p:spTree>
-    <p:extLst>
-      <p:ext uri="{BB962C8B-B14F-4D97-AF65-F5344CB8AC3E}">
-        <p14:creationId xmlns:p14="http://schemas.microsoft.com/office/powerpoint/2010/main" val="3246679458"/>
-      </p:ext>
-    </p:extLst>
-  </p:cSld>
-  <p:clrMapOvr>
-    <a:masterClrMapping/>
-  </p:clrMapOvr>
-  <p:timing>
-    <p:tnLst>
-      <p:par>
-        <p:cTn id="1" dur="indefinite" restart="never" nodeType="tmRoot">
-          <p:childTnLst>
-            <p:seq concurrent="1" nextAc="seek">
-              <p:cTn id="2" dur="indefinite" nodeType="mainSeq">
-                <p:childTnLst>
-                  <p:par>
-                    <p:cTn id="3" fill="hold">
-                      <p:stCondLst>
-                        <p:cond delay="indefinite"/>
-                      </p:stCondLst>
-                      <p:childTnLst>
-                        <p:par>
-                          <p:cTn id="4" fill="hold">
-                            <p:stCondLst>
-                              <p:cond delay="0"/>
-                            </p:stCondLst>
-                            <p:childTnLst>
-                              <p:par>
-                                <p:cTn id="5" presetID="10" presetClass="entr" presetSubtype="0" fill="hold" grpId="0" nodeType="clickEffect">
-                                  <p:stCondLst>
-                                    <p:cond delay="0"/>
-                                  </p:stCondLst>
-                                  <p:childTnLst>
-                                    <p:set>
-                                      <p:cBhvr>
-                                        <p:cTn id="6" dur="1" fill="hold">
-                                          <p:stCondLst>
-                                            <p:cond delay="0"/>
-                                          </p:stCondLst>
-                                        </p:cTn>
-                                        <p:tgtEl>
-                                          <p:spTgt spid="5"/>
-                                        </p:tgtEl>
-                                        <p:attrNameLst>
-                                          <p:attrName>style.visibility</p:attrName>
-                                        </p:attrNameLst>
-                                      </p:cBhvr>
-                                      <p:to>
-                                        <p:strVal val="visible"/>
-                                      </p:to>
-                                    </p:set>
-                                    <p:animEffect transition="in" filter="fade">
-                                      <p:cBhvr>
-                                        <p:cTn id="7" dur="500"/>
-                                        <p:tgtEl>
-                                          <p:spTgt spid="5"/>
-                                        </p:tgtEl>
-                                      </p:cBhvr>
-                                    </p:animEffect>
-                                  </p:childTnLst>
-                                </p:cTn>
-                              </p:par>
-                            </p:childTnLst>
-                          </p:cTn>
-                        </p:par>
-                      </p:childTnLst>
-                    </p:cTn>
-                  </p:par>
-                  <p:par>
-                    <p:cTn id="8" fill="hold">
-                      <p:stCondLst>
-                        <p:cond delay="indefinite"/>
-                      </p:stCondLst>
-                      <p:childTnLst>
-                        <p:par>
-                          <p:cTn id="9" fill="hold">
-                            <p:stCondLst>
-                              <p:cond delay="0"/>
-                            </p:stCondLst>
-                            <p:childTnLst>
-                              <p:par>
-                                <p:cTn id="10" presetID="10" presetClass="entr" presetSubtype="0" fill="hold" grpId="0" nodeType="clickEffect">
-                                  <p:stCondLst>
-                                    <p:cond delay="0"/>
-                                  </p:stCondLst>
-                                  <p:childTnLst>
-                                    <p:set>
-                                      <p:cBhvr>
-                                        <p:cTn id="11" dur="1" fill="hold">
-                                          <p:stCondLst>
-                                            <p:cond delay="0"/>
-                                          </p:stCondLst>
-                                        </p:cTn>
-                                        <p:tgtEl>
-                                          <p:spTgt spid="6"/>
-                                        </p:tgtEl>
-                                        <p:attrNameLst>
-                                          <p:attrName>style.visibility</p:attrName>
-                                        </p:attrNameLst>
-                                      </p:cBhvr>
-                                      <p:to>
-                                        <p:strVal val="visible"/>
-                                      </p:to>
-                                    </p:set>
-                                    <p:animEffect transition="in" filter="fade">
-                                      <p:cBhvr>
-                                        <p:cTn id="12" dur="500"/>
-                                        <p:tgtEl>
-                                          <p:spTgt spid="6"/>
-                                        </p:tgtEl>
-                                      </p:cBhvr>
-                                    </p:animEffect>
-                                  </p:childTnLst>
-                                </p:cTn>
-                              </p:par>
-                            </p:childTnLst>
-                          </p:cTn>
-                        </p:par>
-                      </p:childTnLst>
-                    </p:cTn>
-                  </p:par>
-                  <p:par>
-                    <p:cTn id="13" fill="hold">
-                      <p:stCondLst>
-                        <p:cond delay="indefinite"/>
-                      </p:stCondLst>
-                      <p:childTnLst>
-                        <p:par>
-                          <p:cTn id="14" fill="hold">
-                            <p:stCondLst>
-                              <p:cond delay="0"/>
-                            </p:stCondLst>
-                            <p:childTnLst>
-                              <p:par>
-                                <p:cTn id="15" presetID="10" presetClass="entr" presetSubtype="0" fill="hold" nodeType="clickEffect">
-                                  <p:stCondLst>
-                                    <p:cond delay="0"/>
-                                  </p:stCondLst>
-                                  <p:childTnLst>
-                                    <p:set>
-                                      <p:cBhvr>
-                                        <p:cTn id="16" dur="1" fill="hold">
-                                          <p:stCondLst>
-                                            <p:cond delay="0"/>
-                                          </p:stCondLst>
-                                        </p:cTn>
-                                        <p:tgtEl>
-                                          <p:spTgt spid="7"/>
-                                        </p:tgtEl>
-                                        <p:attrNameLst>
-                                          <p:attrName>style.visibility</p:attrName>
-                                        </p:attrNameLst>
-                                      </p:cBhvr>
-                                      <p:to>
-                                        <p:strVal val="visible"/>
-                                      </p:to>
-                                    </p:set>
-                                    <p:animEffect transition="in" filter="fade">
-                                      <p:cBhvr>
-                                        <p:cTn id="17" dur="500"/>
-                                        <p:tgtEl>
-                                          <p:spTgt spid="7"/>
-                                        </p:tgtEl>
-                                      </p:cBhvr>
-                                    </p:animEffect>
-                                  </p:childTnLst>
-                                </p:cTn>
-                              </p:par>
-                            </p:childTnLst>
-                          </p:cTn>
-                        </p:par>
-                      </p:childTnLst>
-                    </p:cTn>
-                  </p:par>
-                </p:childTnLst>
-              </p:cTn>
-              <p:prevCondLst>
-                <p:cond evt="onPrev" delay="0">
-                  <p:tgtEl>
-                    <p:sldTgt/>
-                  </p:tgtEl>
-                </p:cond>
-              </p:prevCondLst>
-              <p:nextCondLst>
-                <p:cond evt="onNext" delay="0">
-                  <p:tgtEl>
-                    <p:sldTgt/>
-                  </p:tgtEl>
-                </p:cond>
-              </p:nextCondLst>
-            </p:seq>
-          </p:childTnLst>
-        </p:cTn>
-      </p:par>
-    </p:tnLst>
-    <p:bldLst>
-      <p:bldP spid="5" grpId="0"/>
-      <p:bldP spid="6" grpId="0"/>
-    </p:bldLst>
-  </p:timing>
-</p:sld>
-</file>
-
-<file path=ppt/slides/slide12.xml><?xml version="1.0" encoding="utf-8"?>
-<p:sld xmlns:a="http://schemas.openxmlformats.org/drawingml/2006/main" xmlns:r="http://schemas.openxmlformats.org/officeDocument/2006/relationships" xmlns:p="http://schemas.openxmlformats.org/presentationml/2006/main">
-  <p:cSld>
-    <p:spTree>
-      <p:nvGrpSpPr>
-        <p:cNvPr id="1" name=""/>
-        <p:cNvGrpSpPr/>
-        <p:nvPr/>
-      </p:nvGrpSpPr>
-      <p:grpSpPr>
-        <a:xfrm>
-          <a:off x="0" y="0"/>
-          <a:ext cx="0" cy="0"/>
-          <a:chOff x="0" y="0"/>
-          <a:chExt cx="0" cy="0"/>
-        </a:xfrm>
-      </p:grpSpPr>
-      <p:sp>
-        <p:nvSpPr>
-          <p:cNvPr id="2" name="标题 1"/>
-          <p:cNvSpPr>
-            <a:spLocks noGrp="1"/>
-          </p:cNvSpPr>
-          <p:nvPr>
-            <p:ph type="title"/>
-          </p:nvPr>
-        </p:nvSpPr>
-        <p:spPr>
-          <a:xfrm>
-            <a:off x="2631489" y="5742684"/>
-            <a:ext cx="6512511" cy="1143000"/>
-          </a:xfrm>
-        </p:spPr>
-        <p:txBody>
-          <a:bodyPr/>
-          <a:lstStyle/>
-          <a:p>
-            <a:r>
-              <a:rPr lang="zh-CN" altLang="en-US" dirty="0" smtClean="0"/>
-              <a:t>中值滤波</a:t>
-            </a:r>
-            <a:endParaRPr lang="zh-CN" altLang="en-US" dirty="0"/>
-          </a:p>
-        </p:txBody>
-      </p:sp>
-      <p:pic>
-        <p:nvPicPr>
-          <p:cNvPr id="1026" name="Picture 2"/>
-          <p:cNvPicPr>
-            <a:picLocks noChangeAspect="1" noChangeArrowheads="1"/>
-          </p:cNvPicPr>
-          <p:nvPr/>
-        </p:nvPicPr>
-        <p:blipFill>
-          <a:blip r:embed="rId2">
-            <a:extLst>
-              <a:ext uri="{28A0092B-C50C-407E-A947-70E740481C1C}">
-                <a14:useLocalDpi xmlns:a14="http://schemas.microsoft.com/office/drawing/2010/main" val="0"/>
-              </a:ext>
-            </a:extLst>
-          </a:blip>
-          <a:srcRect/>
-          <a:stretch>
-            <a:fillRect/>
-          </a:stretch>
-        </p:blipFill>
-        <p:spPr bwMode="auto">
-          <a:xfrm>
-            <a:off x="3676089" y="2636912"/>
-            <a:ext cx="5486400" cy="3084513"/>
-          </a:xfrm>
-          <a:prstGeom prst="rect">
-            <a:avLst/>
-          </a:prstGeom>
-          <a:noFill/>
-          <a:ln>
-            <a:noFill/>
-          </a:ln>
-          <a:effectLst/>
-          <a:extLst>
-            <a:ext uri="{909E8E84-426E-40DD-AFC4-6F175D3DCCD1}">
-              <a14:hiddenFill xmlns:a14="http://schemas.microsoft.com/office/drawing/2010/main">
-                <a:solidFill>
-                  <a:schemeClr val="accent1"/>
-                </a:solidFill>
-              </a14:hiddenFill>
-            </a:ext>
-            <a:ext uri="{91240B29-F687-4F45-9708-019B960494DF}">
-              <a14:hiddenLine xmlns:a14="http://schemas.microsoft.com/office/drawing/2010/main" w="9525">
-                <a:solidFill>
-                  <a:schemeClr val="tx1"/>
-                </a:solidFill>
-                <a:miter lim="800000"/>
-                <a:headEnd/>
-                <a:tailEnd/>
-              </a14:hiddenLine>
-            </a:ext>
-            <a:ext uri="{AF507438-7753-43E0-B8FC-AC1667EBCBE1}">
-              <a14:hiddenEffects xmlns:a14="http://schemas.microsoft.com/office/drawing/2010/main">
-                <a:effectLst>
-                  <a:outerShdw dist="35921" dir="2700000" algn="ctr" rotWithShape="0">
-                    <a:schemeClr val="bg2"/>
-                  </a:outerShdw>
-                </a:effectLst>
-              </a14:hiddenEffects>
-            </a:ext>
-          </a:extLst>
-        </p:spPr>
-      </p:pic>
-      <p:pic>
-        <p:nvPicPr>
-          <p:cNvPr id="1027" name="Picture 3"/>
-          <p:cNvPicPr>
-            <a:picLocks noChangeAspect="1" noChangeArrowheads="1"/>
-          </p:cNvPicPr>
-          <p:nvPr/>
-        </p:nvPicPr>
-        <p:blipFill>
-          <a:blip r:embed="rId3">
-            <a:extLst>
-              <a:ext uri="{28A0092B-C50C-407E-A947-70E740481C1C}">
-                <a14:useLocalDpi xmlns:a14="http://schemas.microsoft.com/office/drawing/2010/main" val="0"/>
-              </a:ext>
-            </a:extLst>
-          </a:blip>
-          <a:srcRect/>
-          <a:stretch>
-            <a:fillRect/>
-          </a:stretch>
-        </p:blipFill>
-        <p:spPr bwMode="auto">
-          <a:xfrm>
-            <a:off x="-8712" y="-19972"/>
-            <a:ext cx="5486400" cy="3090863"/>
-          </a:xfrm>
-          <a:prstGeom prst="rect">
-            <a:avLst/>
-          </a:prstGeom>
-          <a:noFill/>
-          <a:ln>
-            <a:noFill/>
-          </a:ln>
-          <a:effectLst/>
-          <a:extLst>
-            <a:ext uri="{909E8E84-426E-40DD-AFC4-6F175D3DCCD1}">
-              <a14:hiddenFill xmlns:a14="http://schemas.microsoft.com/office/drawing/2010/main">
-                <a:solidFill>
-                  <a:schemeClr val="accent1"/>
-                </a:solidFill>
-              </a14:hiddenFill>
-            </a:ext>
-            <a:ext uri="{91240B29-F687-4F45-9708-019B960494DF}">
-              <a14:hiddenLine xmlns:a14="http://schemas.microsoft.com/office/drawing/2010/main" w="9525">
-                <a:solidFill>
-                  <a:schemeClr val="tx1"/>
-                </a:solidFill>
-                <a:miter lim="800000"/>
-                <a:headEnd/>
-                <a:tailEnd/>
-              </a14:hiddenLine>
-            </a:ext>
-            <a:ext uri="{AF507438-7753-43E0-B8FC-AC1667EBCBE1}">
-              <a14:hiddenEffects xmlns:a14="http://schemas.microsoft.com/office/drawing/2010/main">
-                <a:effectLst>
-                  <a:outerShdw dist="35921" dir="2700000" algn="ctr" rotWithShape="0">
-                    <a:schemeClr val="bg2"/>
-                  </a:outerShdw>
-                </a:effectLst>
-              </a14:hiddenEffects>
-            </a:ext>
-          </a:extLst>
-        </p:spPr>
-      </p:pic>
-      <p:sp>
-        <p:nvSpPr>
-          <p:cNvPr id="3" name="矩形 2"/>
-          <p:cNvSpPr/>
-          <p:nvPr/>
-        </p:nvSpPr>
-        <p:spPr>
-          <a:xfrm>
-            <a:off x="-8713" y="4153370"/>
-            <a:ext cx="3684801" cy="1200329"/>
-          </a:xfrm>
-          <a:prstGeom prst="rect">
-            <a:avLst/>
-          </a:prstGeom>
-        </p:spPr>
-        <p:txBody>
-          <a:bodyPr wrap="square">
-            <a:spAutoFit/>
-          </a:bodyPr>
-          <a:lstStyle/>
-          <a:p>
-            <a:r>
-              <a:rPr lang="zh-CN" altLang="zh-CN" dirty="0"/>
-              <a:t>中值滤波的实现方法为用一个滑动窗口沿着图像滑动，窗口中心像素点的灰度值用窗口内所有像素点的中值来代替</a:t>
-            </a:r>
-            <a:endParaRPr lang="zh-CN" altLang="en-US" dirty="0"/>
-          </a:p>
-        </p:txBody>
-      </p:sp>
-      <mc:AlternateContent xmlns:mc="http://schemas.openxmlformats.org/markup-compatibility/2006" xmlns:a14="http://schemas.microsoft.com/office/drawing/2010/main">
-        <mc:Choice Requires="a14">
-          <p:sp>
-            <p:nvSpPr>
-              <p:cNvPr id="4" name="矩形 3"/>
-              <p:cNvSpPr/>
-              <p:nvPr/>
-            </p:nvSpPr>
-            <p:spPr>
-              <a:xfrm>
-                <a:off x="12410" y="5877272"/>
-                <a:ext cx="4265207" cy="369332"/>
-              </a:xfrm>
-              <a:prstGeom prst="rect">
-                <a:avLst/>
-              </a:prstGeom>
-            </p:spPr>
-            <p:txBody>
-              <a:bodyPr wrap="none">
-                <a:spAutoFit/>
-              </a:bodyPr>
-              <a:lstStyle/>
-              <a:p>
-                <a:pPr/>
-                <a14:m>
-                  <m:oMathPara xmlns:m="http://schemas.openxmlformats.org/officeDocument/2006/math">
-                    <m:oMathParaPr>
-                      <m:jc m:val="centerGroup"/>
-                    </m:oMathParaPr>
-                    <m:oMath xmlns:m="http://schemas.openxmlformats.org/officeDocument/2006/math">
-                      <m:r>
-                        <a:rPr lang="en-US" altLang="zh-CN" i="1">
-                          <a:latin typeface="Cambria Math"/>
-                        </a:rPr>
-                        <m:t>𝑂</m:t>
-                      </m:r>
-                      <m:d>
-                        <m:dPr>
-                          <m:ctrlPr>
-                            <a:rPr lang="zh-CN" altLang="zh-CN" i="1">
-                              <a:latin typeface="Cambria Math"/>
-                            </a:rPr>
-                          </m:ctrlPr>
-                        </m:dPr>
-                        <m:e>
-                          <m:r>
-                            <a:rPr lang="en-US" altLang="zh-CN" i="1">
-                              <a:latin typeface="Cambria Math"/>
-                            </a:rPr>
-                            <m:t>𝑥</m:t>
-                          </m:r>
-                          <m:r>
-                            <a:rPr lang="en-US" altLang="zh-CN" i="1">
-                              <a:latin typeface="Cambria Math"/>
-                            </a:rPr>
-                            <m:t>,</m:t>
-                          </m:r>
-                          <m:r>
-                            <a:rPr lang="en-US" altLang="zh-CN" i="1">
-                              <a:latin typeface="Cambria Math"/>
-                            </a:rPr>
-                            <m:t>𝑦</m:t>
-                          </m:r>
-                        </m:e>
-                      </m:d>
-                      <m:r>
-                        <a:rPr lang="en-US" altLang="zh-CN" i="1">
-                          <a:latin typeface="Cambria Math"/>
-                        </a:rPr>
-                        <m:t>=</m:t>
-                      </m:r>
-                      <m:r>
-                        <a:rPr lang="en-US" altLang="zh-CN" i="1">
-                          <a:latin typeface="Cambria Math"/>
-                        </a:rPr>
-                        <m:t>𝑚𝑒𝑑</m:t>
-                      </m:r>
-                      <m:r>
-                        <a:rPr lang="en-US" altLang="zh-CN" i="1">
-                          <a:latin typeface="Cambria Math"/>
-                        </a:rPr>
-                        <m:t>{</m:t>
-                      </m:r>
-                      <m:r>
-                        <a:rPr lang="en-US" altLang="zh-CN" i="1">
-                          <a:latin typeface="Cambria Math"/>
-                        </a:rPr>
-                        <m:t>𝐹</m:t>
-                      </m:r>
-                      <m:d>
-                        <m:dPr>
-                          <m:ctrlPr>
-                            <a:rPr lang="zh-CN" altLang="zh-CN" i="1">
-                              <a:latin typeface="Cambria Math"/>
-                            </a:rPr>
-                          </m:ctrlPr>
-                        </m:dPr>
-                        <m:e>
-                          <m:r>
-                            <a:rPr lang="en-US" altLang="zh-CN" i="1">
-                              <a:latin typeface="Cambria Math"/>
-                            </a:rPr>
-                            <m:t>𝑥</m:t>
-                          </m:r>
-                          <m:r>
-                            <a:rPr lang="en-US" altLang="zh-CN" i="1">
-                              <a:latin typeface="Cambria Math"/>
-                            </a:rPr>
-                            <m:t>−</m:t>
-                          </m:r>
-                          <m:r>
-                            <a:rPr lang="en-US" altLang="zh-CN" i="1">
-                              <a:latin typeface="Cambria Math"/>
-                            </a:rPr>
-                            <m:t>𝑘</m:t>
-                          </m:r>
-                          <m:r>
-                            <a:rPr lang="en-US" altLang="zh-CN" i="1">
-                              <a:latin typeface="Cambria Math"/>
-                            </a:rPr>
-                            <m:t>,</m:t>
-                          </m:r>
-                          <m:r>
-                            <a:rPr lang="en-US" altLang="zh-CN" i="1">
-                              <a:latin typeface="Cambria Math"/>
-                            </a:rPr>
-                            <m:t>𝑦</m:t>
-                          </m:r>
-                          <m:r>
-                            <a:rPr lang="en-US" altLang="zh-CN" i="1">
-                              <a:latin typeface="Cambria Math"/>
-                            </a:rPr>
-                            <m:t>−</m:t>
-                          </m:r>
-                          <m:r>
-                            <a:rPr lang="en-US" altLang="zh-CN" i="1">
-                              <a:latin typeface="Cambria Math"/>
-                            </a:rPr>
-                            <m:t>𝑙</m:t>
-                          </m:r>
-                        </m:e>
-                      </m:d>
-                      <m:r>
-                        <a:rPr lang="en-US" altLang="zh-CN" i="1">
-                          <a:latin typeface="Cambria Math"/>
-                        </a:rPr>
-                        <m:t>,</m:t>
-                      </m:r>
-                      <m:d>
-                        <m:dPr>
-                          <m:ctrlPr>
-                            <a:rPr lang="zh-CN" altLang="zh-CN" i="1">
-                              <a:latin typeface="Cambria Math"/>
-                            </a:rPr>
-                          </m:ctrlPr>
-                        </m:dPr>
-                        <m:e>
-                          <m:r>
-                            <a:rPr lang="en-US" altLang="zh-CN" i="1">
-                              <a:latin typeface="Cambria Math"/>
-                            </a:rPr>
-                            <m:t>𝑘</m:t>
-                          </m:r>
-                          <m:r>
-                            <a:rPr lang="en-US" altLang="zh-CN" i="1">
-                              <a:latin typeface="Cambria Math"/>
-                            </a:rPr>
-                            <m:t>,</m:t>
-                          </m:r>
-                          <m:r>
-                            <a:rPr lang="en-US" altLang="zh-CN" i="1">
-                              <a:latin typeface="Cambria Math"/>
-                            </a:rPr>
-                            <m:t>𝑙</m:t>
-                          </m:r>
-                          <m:r>
-                            <a:rPr lang="zh-CN" altLang="zh-CN">
-                              <a:latin typeface="Cambria Math"/>
-                            </a:rPr>
-                            <m:t>∈</m:t>
-                          </m:r>
-                          <m:r>
-                            <m:rPr>
-                              <m:sty m:val="p"/>
-                            </m:rPr>
-                            <a:rPr lang="en-US" altLang="zh-CN">
-                              <a:latin typeface="Cambria Math"/>
-                            </a:rPr>
-                            <m:t>A</m:t>
-                          </m:r>
-                        </m:e>
-                      </m:d>
-                      <m:r>
-                        <a:rPr lang="en-US" altLang="zh-CN">
-                          <a:latin typeface="Cambria Math"/>
-                        </a:rPr>
-                        <m:t>}</m:t>
-                      </m:r>
-                    </m:oMath>
-                  </m:oMathPara>
-                </a14:m>
-                <a:endParaRPr lang="zh-CN" altLang="en-US" dirty="0"/>
-              </a:p>
-            </p:txBody>
-          </p:sp>
-        </mc:Choice>
-        <mc:Fallback xmlns="">
-          <p:sp>
-            <p:nvSpPr>
-              <p:cNvPr id="4" name="矩形 3"/>
-              <p:cNvSpPr>
-                <a:spLocks noRot="1" noChangeAspect="1" noMove="1" noResize="1" noEditPoints="1" noAdjustHandles="1" noChangeArrowheads="1" noChangeShapeType="1" noTextEdit="1"/>
-              </p:cNvSpPr>
-              <p:nvPr/>
-            </p:nvSpPr>
-            <p:spPr>
-              <a:xfrm>
-                <a:off x="12410" y="5877272"/>
-                <a:ext cx="4265207" cy="369332"/>
-              </a:xfrm>
-              <a:prstGeom prst="rect">
-                <a:avLst/>
-              </a:prstGeom>
-              <a:blipFill rotWithShape="1">
-                <a:blip r:embed="rId4"/>
-                <a:stretch>
-                  <a:fillRect b="-16393"/>
-                </a:stretch>
-              </a:blipFill>
-            </p:spPr>
-            <p:txBody>
-              <a:bodyPr/>
-              <a:lstStyle/>
-              <a:p>
-                <a:r>
-                  <a:rPr lang="zh-CN" altLang="en-US">
-                    <a:noFill/>
-                  </a:rPr>
-                  <a:t> </a:t>
-                </a:r>
-              </a:p>
-            </p:txBody>
-          </p:sp>
-        </mc:Fallback>
-      </mc:AlternateContent>
-    </p:spTree>
-    <p:extLst>
-      <p:ext uri="{BB962C8B-B14F-4D97-AF65-F5344CB8AC3E}">
-        <p14:creationId xmlns:p14="http://schemas.microsoft.com/office/powerpoint/2010/main" val="654095680"/>
-      </p:ext>
-    </p:extLst>
-  </p:cSld>
-  <p:clrMapOvr>
-    <a:masterClrMapping/>
-  </p:clrMapOvr>
-  <p:timing>
-    <p:tnLst>
-      <p:par>
-        <p:cTn id="1" dur="indefinite" restart="never" nodeType="tmRoot">
-          <p:childTnLst>
-            <p:seq concurrent="1" nextAc="seek">
-              <p:cTn id="2" dur="indefinite" nodeType="mainSeq">
-                <p:childTnLst>
-                  <p:par>
-                    <p:cTn id="3" fill="hold">
-                      <p:stCondLst>
-                        <p:cond delay="indefinite"/>
-                      </p:stCondLst>
-                      <p:childTnLst>
-                        <p:par>
-                          <p:cTn id="4" fill="hold">
-                            <p:stCondLst>
-                              <p:cond delay="0"/>
-                            </p:stCondLst>
-                            <p:childTnLst>
-                              <p:par>
-                                <p:cTn id="5" presetID="10" presetClass="entr" presetSubtype="0" fill="hold" nodeType="clickEffect">
-                                  <p:stCondLst>
-                                    <p:cond delay="0"/>
-                                  </p:stCondLst>
-                                  <p:childTnLst>
-                                    <p:set>
-                                      <p:cBhvr>
-                                        <p:cTn id="6" dur="1" fill="hold">
-                                          <p:stCondLst>
-                                            <p:cond delay="0"/>
-                                          </p:stCondLst>
-                                        </p:cTn>
-                                        <p:tgtEl>
-                                          <p:spTgt spid="1026"/>
-                                        </p:tgtEl>
-                                        <p:attrNameLst>
-                                          <p:attrName>style.visibility</p:attrName>
-                                        </p:attrNameLst>
-                                      </p:cBhvr>
-                                      <p:to>
-                                        <p:strVal val="visible"/>
-                                      </p:to>
-                                    </p:set>
-                                    <p:animEffect transition="in" filter="fade">
-                                      <p:cBhvr>
-                                        <p:cTn id="7" dur="500"/>
-                                        <p:tgtEl>
-                                          <p:spTgt spid="1026"/>
-                                        </p:tgtEl>
-                                      </p:cBhvr>
-                                    </p:animEffect>
-                                  </p:childTnLst>
-                                </p:cTn>
-                              </p:par>
-                            </p:childTnLst>
-                          </p:cTn>
-                        </p:par>
-                      </p:childTnLst>
-                    </p:cTn>
-                  </p:par>
-                </p:childTnLst>
-              </p:cTn>
-              <p:prevCondLst>
-                <p:cond evt="onPrev" delay="0">
-                  <p:tgtEl>
-                    <p:sldTgt/>
-                  </p:tgtEl>
-                </p:cond>
-              </p:prevCondLst>
-              <p:nextCondLst>
-                <p:cond evt="onNext" delay="0">
-                  <p:tgtEl>
-                    <p:sldTgt/>
-                  </p:tgtEl>
-                </p:cond>
-              </p:nextCondLst>
-            </p:seq>
-          </p:childTnLst>
-        </p:cTn>
-      </p:par>
-    </p:tnLst>
-  </p:timing>
-</p:sld>
-</file>
-
-<file path=ppt/slides/slide13.xml><?xml version="1.0" encoding="utf-8"?>
-<p:sld xmlns:a="http://schemas.openxmlformats.org/drawingml/2006/main" xmlns:r="http://schemas.openxmlformats.org/officeDocument/2006/relationships" xmlns:p="http://schemas.openxmlformats.org/presentationml/2006/main">
-  <p:cSld>
-    <p:spTree>
-      <p:nvGrpSpPr>
-        <p:cNvPr id="1" name=""/>
-        <p:cNvGrpSpPr/>
-        <p:nvPr/>
-      </p:nvGrpSpPr>
-      <p:grpSpPr>
-        <a:xfrm>
-          <a:off x="0" y="0"/>
-          <a:ext cx="0" cy="0"/>
-          <a:chOff x="0" y="0"/>
-          <a:chExt cx="0" cy="0"/>
-        </a:xfrm>
-      </p:grpSpPr>
-      <p:sp>
-        <p:nvSpPr>
-          <p:cNvPr id="2" name="标题 1"/>
-          <p:cNvSpPr>
-            <a:spLocks noGrp="1"/>
-          </p:cNvSpPr>
-          <p:nvPr>
-            <p:ph type="title"/>
-          </p:nvPr>
-        </p:nvSpPr>
-        <p:spPr>
-          <a:xfrm>
             <a:off x="1475656" y="5742684"/>
             <a:ext cx="7674242" cy="1143000"/>
           </a:xfrm>
@@ -7352,90 +4746,14 @@
   <p:timing>
     <p:tnLst>
       <p:par>
-        <p:cTn id="1" dur="indefinite" restart="never" nodeType="tmRoot">
-          <p:childTnLst>
-            <p:seq concurrent="1" nextAc="seek">
-              <p:cTn id="2" dur="indefinite" nodeType="mainSeq">
-                <p:childTnLst>
-                  <p:par>
-                    <p:cTn id="3" fill="hold">
-                      <p:stCondLst>
-                        <p:cond delay="indefinite"/>
-                      </p:stCondLst>
-                      <p:childTnLst>
-                        <p:par>
-                          <p:cTn id="4" fill="hold">
-                            <p:stCondLst>
-                              <p:cond delay="0"/>
-                            </p:stCondLst>
-                            <p:childTnLst>
-                              <p:par>
-                                <p:cTn id="5" presetID="10" presetClass="entr" presetSubtype="0" fill="hold" nodeType="clickEffect">
-                                  <p:stCondLst>
-                                    <p:cond delay="0"/>
-                                  </p:stCondLst>
-                                  <p:childTnLst>
-                                    <p:set>
-                                      <p:cBhvr>
-                                        <p:cTn id="6" dur="1" fill="hold">
-                                          <p:stCondLst>
-                                            <p:cond delay="0"/>
-                                          </p:stCondLst>
-                                        </p:cTn>
-                                        <p:tgtEl>
-                                          <p:spTgt spid="5"/>
-                                        </p:tgtEl>
-                                        <p:attrNameLst>
-                                          <p:attrName>style.visibility</p:attrName>
-                                        </p:attrNameLst>
-                                      </p:cBhvr>
-                                      <p:to>
-                                        <p:strVal val="visible"/>
-                                      </p:to>
-                                    </p:set>
-                                    <p:animEffect transition="in" filter="fade">
-                                      <p:cBhvr>
-                                        <p:cTn id="7" dur="500"/>
-                                        <p:tgtEl>
-                                          <p:spTgt spid="5"/>
-                                        </p:tgtEl>
-                                      </p:cBhvr>
-                                    </p:animEffect>
-                                  </p:childTnLst>
-                                </p:cTn>
-                              </p:par>
-                            </p:childTnLst>
-                          </p:cTn>
-                        </p:par>
-                      </p:childTnLst>
-                    </p:cTn>
-                  </p:par>
-                </p:childTnLst>
-              </p:cTn>
-              <p:prevCondLst>
-                <p:cond evt="onPrev" delay="0">
-                  <p:tgtEl>
-                    <p:sldTgt/>
-                  </p:tgtEl>
-                </p:cond>
-              </p:prevCondLst>
-              <p:nextCondLst>
-                <p:cond evt="onNext" delay="0">
-                  <p:tgtEl>
-                    <p:sldTgt/>
-                  </p:tgtEl>
-                </p:cond>
-              </p:nextCondLst>
-            </p:seq>
-          </p:childTnLst>
-        </p:cTn>
+        <p:cTn id="1" dur="indefinite" restart="never" nodeType="tmRoot"/>
       </p:par>
     </p:tnLst>
   </p:timing>
 </p:sld>
 </file>
 
-<file path=ppt/slides/slide14.xml><?xml version="1.0" encoding="utf-8"?>
+<file path=ppt/slides/slide11.xml><?xml version="1.0" encoding="utf-8"?>
 <p:sld xmlns:a="http://schemas.openxmlformats.org/drawingml/2006/main" xmlns:r="http://schemas.openxmlformats.org/officeDocument/2006/relationships" xmlns:p="http://schemas.openxmlformats.org/presentationml/2006/main">
   <p:cSld>
     <p:spTree>
@@ -8698,10 +6016,17 @@
   <p:clrMapOvr>
     <a:masterClrMapping/>
   </p:clrMapOvr>
+  <p:timing>
+    <p:tnLst>
+      <p:par>
+        <p:cTn id="1" dur="indefinite" restart="never" nodeType="tmRoot"/>
+      </p:par>
+    </p:tnLst>
+  </p:timing>
 </p:sld>
 </file>
 
-<file path=ppt/slides/slide15.xml><?xml version="1.0" encoding="utf-8"?>
+<file path=ppt/slides/slide12.xml><?xml version="1.0" encoding="utf-8"?>
 <p:sld xmlns:a="http://schemas.openxmlformats.org/drawingml/2006/main" xmlns:r="http://schemas.openxmlformats.org/officeDocument/2006/relationships" xmlns:p="http://schemas.openxmlformats.org/presentationml/2006/main">
   <p:cSld>
     <p:spTree>
@@ -11119,7 +8444,7 @@
 </p:sld>
 </file>
 
-<file path=ppt/slides/slide16.xml><?xml version="1.0" encoding="utf-8"?>
+<file path=ppt/slides/slide13.xml><?xml version="1.0" encoding="utf-8"?>
 <p:sld xmlns:a="http://schemas.openxmlformats.org/drawingml/2006/main" xmlns:r="http://schemas.openxmlformats.org/officeDocument/2006/relationships" xmlns:p="http://schemas.openxmlformats.org/presentationml/2006/main">
   <p:cSld>
     <p:spTree>
@@ -11597,7 +8922,7 @@
 </p:sld>
 </file>
 
-<file path=ppt/slides/slide17.xml><?xml version="1.0" encoding="utf-8"?>
+<file path=ppt/slides/slide14.xml><?xml version="1.0" encoding="utf-8"?>
 <p:sld xmlns:a="http://schemas.openxmlformats.org/drawingml/2006/main" xmlns:r="http://schemas.openxmlformats.org/officeDocument/2006/relationships" xmlns:p="http://schemas.openxmlformats.org/presentationml/2006/main">
   <p:cSld>
     <p:spTree>
@@ -11684,7 +9009,7 @@
 </p:sld>
 </file>
 
-<file path=ppt/slides/slide18.xml><?xml version="1.0" encoding="utf-8"?>
+<file path=ppt/slides/slide15.xml><?xml version="1.0" encoding="utf-8"?>
 <p:sld xmlns:a="http://schemas.openxmlformats.org/drawingml/2006/main" xmlns:r="http://schemas.openxmlformats.org/officeDocument/2006/relationships" xmlns:p="http://schemas.openxmlformats.org/presentationml/2006/main">
   <p:cSld>
     <p:spTree>
@@ -11989,7 +9314,7 @@
 </p:sld>
 </file>
 
-<file path=ppt/slides/slide19.xml><?xml version="1.0" encoding="utf-8"?>
+<file path=ppt/slides/slide16.xml><?xml version="1.0" encoding="utf-8"?>
 <p:sld xmlns:a="http://schemas.openxmlformats.org/drawingml/2006/main" xmlns:r="http://schemas.openxmlformats.org/officeDocument/2006/relationships" xmlns:p="http://schemas.openxmlformats.org/presentationml/2006/main">
   <p:cSld>
     <p:spTree>
@@ -12530,604 +9855,7 @@
 </p:sld>
 </file>
 
-<file path=ppt/slides/slide2.xml><?xml version="1.0" encoding="utf-8"?>
-<p:sld xmlns:a="http://schemas.openxmlformats.org/drawingml/2006/main" xmlns:r="http://schemas.openxmlformats.org/officeDocument/2006/relationships" xmlns:p="http://schemas.openxmlformats.org/presentationml/2006/main">
-  <p:cSld>
-    <p:spTree>
-      <p:nvGrpSpPr>
-        <p:cNvPr id="1" name=""/>
-        <p:cNvGrpSpPr/>
-        <p:nvPr/>
-      </p:nvGrpSpPr>
-      <p:grpSpPr>
-        <a:xfrm>
-          <a:off x="0" y="0"/>
-          <a:ext cx="0" cy="0"/>
-          <a:chOff x="0" y="0"/>
-          <a:chExt cx="0" cy="0"/>
-        </a:xfrm>
-      </p:grpSpPr>
-      <p:sp>
-        <p:nvSpPr>
-          <p:cNvPr id="2" name="标题 1"/>
-          <p:cNvSpPr>
-            <a:spLocks noGrp="1"/>
-          </p:cNvSpPr>
-          <p:nvPr>
-            <p:ph type="title"/>
-          </p:nvPr>
-        </p:nvSpPr>
-        <p:spPr>
-          <a:xfrm>
-            <a:off x="2627784" y="5742384"/>
-            <a:ext cx="6512511" cy="1143000"/>
-          </a:xfrm>
-        </p:spPr>
-        <p:txBody>
-          <a:bodyPr/>
-          <a:lstStyle/>
-          <a:p>
-            <a:r>
-              <a:rPr lang="zh-CN" altLang="en-US" dirty="0" smtClean="0"/>
-              <a:t>监控领域现状</a:t>
-            </a:r>
-            <a:endParaRPr lang="zh-CN" altLang="en-US" dirty="0"/>
-          </a:p>
-        </p:txBody>
-      </p:sp>
-      <p:sp>
-        <p:nvSpPr>
-          <p:cNvPr id="3" name="内容占位符 2"/>
-          <p:cNvSpPr>
-            <a:spLocks noGrp="1"/>
-          </p:cNvSpPr>
-          <p:nvPr>
-            <p:ph sz="quarter" idx="13"/>
-          </p:nvPr>
-        </p:nvSpPr>
-        <p:spPr>
-          <a:xfrm>
-            <a:off x="1143000" y="116632"/>
-            <a:ext cx="6400800" cy="1368152"/>
-          </a:xfrm>
-        </p:spPr>
-        <p:txBody>
-          <a:bodyPr/>
-          <a:lstStyle/>
-          <a:p>
-            <a:r>
-              <a:rPr lang="zh-CN" altLang="en-US" dirty="0" smtClean="0"/>
-              <a:t>随着信息技术的不断发展和社会各方面的安防需求，监控摄像头被安装在每一个角落，从公共场所到室内，从步行街到交通公路等。</a:t>
-            </a:r>
-            <a:endParaRPr lang="en-US" altLang="zh-CN" dirty="0" smtClean="0"/>
-          </a:p>
-        </p:txBody>
-      </p:sp>
-      <p:pic>
-        <p:nvPicPr>
-          <p:cNvPr id="4" name="内容占位符 3"/>
-          <p:cNvPicPr>
-            <a:picLocks noChangeAspect="1"/>
-          </p:cNvPicPr>
-          <p:nvPr/>
-        </p:nvPicPr>
-        <p:blipFill>
-          <a:blip r:embed="rId2" cstate="print">
-            <a:extLst>
-              <a:ext uri="{28A0092B-C50C-407E-A947-70E740481C1C}">
-                <a14:useLocalDpi xmlns:a14="http://schemas.microsoft.com/office/drawing/2010/main" val="0"/>
-              </a:ext>
-            </a:extLst>
-          </a:blip>
-          <a:stretch>
-            <a:fillRect/>
-          </a:stretch>
-        </p:blipFill>
-        <p:spPr>
-          <a:xfrm>
-            <a:off x="3967255" y="2627620"/>
-            <a:ext cx="1180809" cy="1080120"/>
-          </a:xfrm>
-          <a:prstGeom prst="rect">
-            <a:avLst/>
-          </a:prstGeom>
-        </p:spPr>
-      </p:pic>
-      <p:pic>
-        <p:nvPicPr>
-          <p:cNvPr id="5" name="Picture 2" descr="E:\项目资料\运动物体跟踪与检测\motion-detect-tiqu\研究生毕业设计\文档管理\六合路双车道卡口106-1-20121228082000-20121228082152-83677298_2013627153832.JPG"/>
-          <p:cNvPicPr>
-            <a:picLocks noChangeAspect="1" noChangeArrowheads="1"/>
-          </p:cNvPicPr>
-          <p:nvPr/>
-        </p:nvPicPr>
-        <p:blipFill>
-          <a:blip r:embed="rId3" cstate="print">
-            <a:extLst>
-              <a:ext uri="{28A0092B-C50C-407E-A947-70E740481C1C}">
-                <a14:useLocalDpi xmlns:a14="http://schemas.microsoft.com/office/drawing/2010/main" val="0"/>
-              </a:ext>
-            </a:extLst>
-          </a:blip>
-          <a:srcRect/>
-          <a:stretch>
-            <a:fillRect/>
-          </a:stretch>
-        </p:blipFill>
-        <p:spPr bwMode="auto">
-          <a:xfrm>
-            <a:off x="6243656" y="3786000"/>
-            <a:ext cx="1861259" cy="1046959"/>
-          </a:xfrm>
-          <a:prstGeom prst="rect">
-            <a:avLst/>
-          </a:prstGeom>
-          <a:noFill/>
-          <a:extLst>
-            <a:ext uri="{909E8E84-426E-40DD-AFC4-6F175D3DCCD1}">
-              <a14:hiddenFill xmlns:a14="http://schemas.microsoft.com/office/drawing/2010/main">
-                <a:solidFill>
-                  <a:srgbClr val="FFFFFF"/>
-                </a:solidFill>
-              </a14:hiddenFill>
-            </a:ext>
-          </a:extLst>
-        </p:spPr>
-      </p:pic>
-      <p:pic>
-        <p:nvPicPr>
-          <p:cNvPr id="6" name="Picture 3" descr="E:\项目资料\运动物体跟踪与检测\motion-detect-tiqu\研究生毕业设计\文档管理\8-0-20090519044548_baofeng_2013627154211.JPG"/>
-          <p:cNvPicPr>
-            <a:picLocks noChangeAspect="1" noChangeArrowheads="1"/>
-          </p:cNvPicPr>
-          <p:nvPr/>
-        </p:nvPicPr>
-        <p:blipFill>
-          <a:blip r:embed="rId4">
-            <a:extLst>
-              <a:ext uri="{28A0092B-C50C-407E-A947-70E740481C1C}">
-                <a14:useLocalDpi xmlns:a14="http://schemas.microsoft.com/office/drawing/2010/main" val="0"/>
-              </a:ext>
-            </a:extLst>
-          </a:blip>
-          <a:srcRect/>
-          <a:stretch>
-            <a:fillRect/>
-          </a:stretch>
-        </p:blipFill>
-        <p:spPr bwMode="auto">
-          <a:xfrm>
-            <a:off x="6118534" y="1556792"/>
-            <a:ext cx="1800200" cy="1350150"/>
-          </a:xfrm>
-          <a:prstGeom prst="rect">
-            <a:avLst/>
-          </a:prstGeom>
-          <a:noFill/>
-          <a:extLst>
-            <a:ext uri="{909E8E84-426E-40DD-AFC4-6F175D3DCCD1}">
-              <a14:hiddenFill xmlns:a14="http://schemas.microsoft.com/office/drawing/2010/main">
-                <a:solidFill>
-                  <a:srgbClr val="FFFFFF"/>
-                </a:solidFill>
-              </a14:hiddenFill>
-            </a:ext>
-          </a:extLst>
-        </p:spPr>
-      </p:pic>
-      <p:pic>
-        <p:nvPicPr>
-          <p:cNvPr id="7" name="Picture 4" descr="E:\项目资料\运动物体跟踪与检测\motion-detect-tiqu\研究生毕业设计\文档管理\13-0-20090519001548_baofeng_2013627154345.JPG"/>
-          <p:cNvPicPr>
-            <a:picLocks noChangeAspect="1" noChangeArrowheads="1"/>
-          </p:cNvPicPr>
-          <p:nvPr/>
-        </p:nvPicPr>
-        <p:blipFill>
-          <a:blip r:embed="rId5">
-            <a:extLst>
-              <a:ext uri="{28A0092B-C50C-407E-A947-70E740481C1C}">
-                <a14:useLocalDpi xmlns:a14="http://schemas.microsoft.com/office/drawing/2010/main" val="0"/>
-              </a:ext>
-            </a:extLst>
-          </a:blip>
-          <a:srcRect/>
-          <a:stretch>
-            <a:fillRect/>
-          </a:stretch>
-        </p:blipFill>
-        <p:spPr bwMode="auto">
-          <a:xfrm>
-            <a:off x="914794" y="1700100"/>
-            <a:ext cx="1872208" cy="1404156"/>
-          </a:xfrm>
-          <a:prstGeom prst="rect">
-            <a:avLst/>
-          </a:prstGeom>
-          <a:noFill/>
-          <a:extLst>
-            <a:ext uri="{909E8E84-426E-40DD-AFC4-6F175D3DCCD1}">
-              <a14:hiddenFill xmlns:a14="http://schemas.microsoft.com/office/drawing/2010/main">
-                <a:solidFill>
-                  <a:srgbClr val="FFFFFF"/>
-                </a:solidFill>
-              </a14:hiddenFill>
-            </a:ext>
-          </a:extLst>
-        </p:spPr>
-      </p:pic>
-      <p:pic>
-        <p:nvPicPr>
-          <p:cNvPr id="8" name="Picture 5"/>
-          <p:cNvPicPr>
-            <a:picLocks noChangeAspect="1" noChangeArrowheads="1"/>
-          </p:cNvPicPr>
-          <p:nvPr/>
-        </p:nvPicPr>
-        <p:blipFill>
-          <a:blip r:embed="rId6">
-            <a:extLst>
-              <a:ext uri="{28A0092B-C50C-407E-A947-70E740481C1C}">
-                <a14:useLocalDpi xmlns:a14="http://schemas.microsoft.com/office/drawing/2010/main" val="0"/>
-              </a:ext>
-            </a:extLst>
-          </a:blip>
-          <a:srcRect/>
-          <a:stretch>
-            <a:fillRect/>
-          </a:stretch>
-        </p:blipFill>
-        <p:spPr bwMode="auto">
-          <a:xfrm>
-            <a:off x="933948" y="3817928"/>
-            <a:ext cx="1765843" cy="1223624"/>
-          </a:xfrm>
-          <a:prstGeom prst="rect">
-            <a:avLst/>
-          </a:prstGeom>
-          <a:noFill/>
-          <a:ln>
-            <a:noFill/>
-          </a:ln>
-          <a:extLst>
-            <a:ext uri="{909E8E84-426E-40DD-AFC4-6F175D3DCCD1}">
-              <a14:hiddenFill xmlns:a14="http://schemas.microsoft.com/office/drawing/2010/main">
-                <a:solidFill>
-                  <a:schemeClr val="accent1"/>
-                </a:solidFill>
-              </a14:hiddenFill>
-            </a:ext>
-            <a:ext uri="{91240B29-F687-4F45-9708-019B960494DF}">
-              <a14:hiddenLine xmlns:a14="http://schemas.microsoft.com/office/drawing/2010/main" w="9525">
-                <a:solidFill>
-                  <a:schemeClr val="tx1"/>
-                </a:solidFill>
-                <a:miter lim="800000"/>
-                <a:headEnd/>
-                <a:tailEnd/>
-              </a14:hiddenLine>
-            </a:ext>
-          </a:extLst>
-        </p:spPr>
-      </p:pic>
-      <p:sp>
-        <p:nvSpPr>
-          <p:cNvPr id="9" name="右箭头 8"/>
-          <p:cNvSpPr/>
-          <p:nvPr/>
-        </p:nvSpPr>
-        <p:spPr>
-          <a:xfrm rot="19902346">
-            <a:off x="4987796" y="2622085"/>
-            <a:ext cx="1131401" cy="282376"/>
-          </a:xfrm>
-          <a:prstGeom prst="rightArrow">
-            <a:avLst>
-              <a:gd name="adj1" fmla="val 50000"/>
-              <a:gd name="adj2" fmla="val 60246"/>
-            </a:avLst>
-          </a:prstGeom>
-        </p:spPr>
-        <p:style>
-          <a:lnRef idx="2">
-            <a:schemeClr val="accent1">
-              <a:shade val="50000"/>
-            </a:schemeClr>
-          </a:lnRef>
-          <a:fillRef idx="1">
-            <a:schemeClr val="accent1"/>
-          </a:fillRef>
-          <a:effectRef idx="0">
-            <a:schemeClr val="accent1"/>
-          </a:effectRef>
-          <a:fontRef idx="minor">
-            <a:schemeClr val="lt1"/>
-          </a:fontRef>
-        </p:style>
-        <p:txBody>
-          <a:bodyPr rtlCol="0" anchor="ctr"/>
-          <a:lstStyle/>
-          <a:p>
-            <a:pPr algn="ctr"/>
-            <a:endParaRPr lang="zh-CN" altLang="en-US"/>
-          </a:p>
-        </p:txBody>
-      </p:sp>
-      <p:sp>
-        <p:nvSpPr>
-          <p:cNvPr id="10" name="TextBox 9"/>
-          <p:cNvSpPr txBox="1"/>
-          <p:nvPr/>
-        </p:nvSpPr>
-        <p:spPr>
-          <a:xfrm>
-            <a:off x="6562217" y="4979442"/>
-            <a:ext cx="1224136" cy="369332"/>
-          </a:xfrm>
-          <a:prstGeom prst="rect">
-            <a:avLst/>
-          </a:prstGeom>
-          <a:noFill/>
-          <a:ln>
-            <a:noFill/>
-          </a:ln>
-        </p:spPr>
-        <p:txBody>
-          <a:bodyPr wrap="square" rtlCol="0">
-            <a:spAutoFit/>
-          </a:bodyPr>
-          <a:lstStyle/>
-          <a:p>
-            <a:r>
-              <a:rPr lang="zh-CN" altLang="en-US" dirty="0" smtClean="0"/>
-              <a:t>交通监控</a:t>
-            </a:r>
-            <a:endParaRPr lang="zh-CN" altLang="en-US" dirty="0"/>
-          </a:p>
-        </p:txBody>
-      </p:sp>
-      <p:sp>
-        <p:nvSpPr>
-          <p:cNvPr id="11" name="TextBox 10"/>
-          <p:cNvSpPr txBox="1"/>
-          <p:nvPr/>
-        </p:nvSpPr>
-        <p:spPr>
-          <a:xfrm>
-            <a:off x="1165347" y="5171717"/>
-            <a:ext cx="1447674" cy="369332"/>
-          </a:xfrm>
-          <a:prstGeom prst="rect">
-            <a:avLst/>
-          </a:prstGeom>
-          <a:noFill/>
-          <a:ln>
-            <a:noFill/>
-          </a:ln>
-        </p:spPr>
-        <p:txBody>
-          <a:bodyPr wrap="square" rtlCol="0">
-            <a:spAutoFit/>
-          </a:bodyPr>
-          <a:lstStyle/>
-          <a:p>
-            <a:r>
-              <a:rPr lang="zh-CN" altLang="en-US" dirty="0"/>
-              <a:t>步行街</a:t>
-            </a:r>
-          </a:p>
-        </p:txBody>
-      </p:sp>
-      <p:sp>
-        <p:nvSpPr>
-          <p:cNvPr id="12" name="TextBox 11"/>
-          <p:cNvSpPr txBox="1"/>
-          <p:nvPr/>
-        </p:nvSpPr>
-        <p:spPr>
-          <a:xfrm>
-            <a:off x="1202989" y="3202976"/>
-            <a:ext cx="1224136" cy="369332"/>
-          </a:xfrm>
-          <a:prstGeom prst="rect">
-            <a:avLst/>
-          </a:prstGeom>
-          <a:noFill/>
-          <a:ln>
-            <a:noFill/>
-          </a:ln>
-        </p:spPr>
-        <p:txBody>
-          <a:bodyPr wrap="square" rtlCol="0">
-            <a:spAutoFit/>
-          </a:bodyPr>
-          <a:lstStyle/>
-          <a:p>
-            <a:r>
-              <a:rPr lang="zh-CN" altLang="en-US" dirty="0" smtClean="0"/>
-              <a:t>公共场所</a:t>
-            </a:r>
-            <a:endParaRPr lang="zh-CN" altLang="en-US" dirty="0"/>
-          </a:p>
-        </p:txBody>
-      </p:sp>
-      <p:sp>
-        <p:nvSpPr>
-          <p:cNvPr id="13" name="右箭头 12"/>
-          <p:cNvSpPr/>
-          <p:nvPr/>
-        </p:nvSpPr>
-        <p:spPr>
-          <a:xfrm rot="1934449">
-            <a:off x="4825273" y="3755997"/>
-            <a:ext cx="1458982" cy="288032"/>
-          </a:xfrm>
-          <a:prstGeom prst="rightArrow">
-            <a:avLst/>
-          </a:prstGeom>
-        </p:spPr>
-        <p:style>
-          <a:lnRef idx="2">
-            <a:schemeClr val="accent1">
-              <a:shade val="50000"/>
-            </a:schemeClr>
-          </a:lnRef>
-          <a:fillRef idx="1">
-            <a:schemeClr val="accent1"/>
-          </a:fillRef>
-          <a:effectRef idx="0">
-            <a:schemeClr val="accent1"/>
-          </a:effectRef>
-          <a:fontRef idx="minor">
-            <a:schemeClr val="lt1"/>
-          </a:fontRef>
-        </p:style>
-        <p:txBody>
-          <a:bodyPr rtlCol="0" anchor="ctr"/>
-          <a:lstStyle/>
-          <a:p>
-            <a:pPr algn="ctr"/>
-            <a:endParaRPr lang="zh-CN" altLang="en-US"/>
-          </a:p>
-        </p:txBody>
-      </p:sp>
-      <p:sp>
-        <p:nvSpPr>
-          <p:cNvPr id="14" name="右箭头 13"/>
-          <p:cNvSpPr/>
-          <p:nvPr/>
-        </p:nvSpPr>
-        <p:spPr>
-          <a:xfrm rot="12646928">
-            <a:off x="2819998" y="2622085"/>
-            <a:ext cx="1390149" cy="282376"/>
-          </a:xfrm>
-          <a:prstGeom prst="rightArrow">
-            <a:avLst>
-              <a:gd name="adj1" fmla="val 50000"/>
-              <a:gd name="adj2" fmla="val 60246"/>
-            </a:avLst>
-          </a:prstGeom>
-        </p:spPr>
-        <p:style>
-          <a:lnRef idx="2">
-            <a:schemeClr val="accent1">
-              <a:shade val="50000"/>
-            </a:schemeClr>
-          </a:lnRef>
-          <a:fillRef idx="1">
-            <a:schemeClr val="accent1"/>
-          </a:fillRef>
-          <a:effectRef idx="0">
-            <a:schemeClr val="accent1"/>
-          </a:effectRef>
-          <a:fontRef idx="minor">
-            <a:schemeClr val="lt1"/>
-          </a:fontRef>
-        </p:style>
-        <p:txBody>
-          <a:bodyPr rtlCol="0" anchor="ctr"/>
-          <a:lstStyle/>
-          <a:p>
-            <a:pPr algn="ctr"/>
-            <a:endParaRPr lang="zh-CN" altLang="en-US"/>
-          </a:p>
-        </p:txBody>
-      </p:sp>
-      <p:sp>
-        <p:nvSpPr>
-          <p:cNvPr id="15" name="右箭头 14"/>
-          <p:cNvSpPr/>
-          <p:nvPr/>
-        </p:nvSpPr>
-        <p:spPr>
-          <a:xfrm rot="8526797">
-            <a:off x="2826319" y="3673912"/>
-            <a:ext cx="1458982" cy="288032"/>
-          </a:xfrm>
-          <a:prstGeom prst="rightArrow">
-            <a:avLst/>
-          </a:prstGeom>
-        </p:spPr>
-        <p:style>
-          <a:lnRef idx="2">
-            <a:schemeClr val="accent1">
-              <a:shade val="50000"/>
-            </a:schemeClr>
-          </a:lnRef>
-          <a:fillRef idx="1">
-            <a:schemeClr val="accent1"/>
-          </a:fillRef>
-          <a:effectRef idx="0">
-            <a:schemeClr val="accent1"/>
-          </a:effectRef>
-          <a:fontRef idx="minor">
-            <a:schemeClr val="lt1"/>
-          </a:fontRef>
-        </p:style>
-        <p:txBody>
-          <a:bodyPr rtlCol="0" anchor="ctr"/>
-          <a:lstStyle/>
-          <a:p>
-            <a:pPr algn="ctr"/>
-            <a:endParaRPr lang="zh-CN" altLang="en-US"/>
-          </a:p>
-        </p:txBody>
-      </p:sp>
-      <p:sp>
-        <p:nvSpPr>
-          <p:cNvPr id="16" name="TextBox 15"/>
-          <p:cNvSpPr txBox="1"/>
-          <p:nvPr/>
-        </p:nvSpPr>
-        <p:spPr>
-          <a:xfrm>
-            <a:off x="6406566" y="3018310"/>
-            <a:ext cx="1224136" cy="369332"/>
-          </a:xfrm>
-          <a:prstGeom prst="rect">
-            <a:avLst/>
-          </a:prstGeom>
-          <a:noFill/>
-          <a:ln>
-            <a:noFill/>
-          </a:ln>
-        </p:spPr>
-        <p:txBody>
-          <a:bodyPr wrap="square" rtlCol="0">
-            <a:spAutoFit/>
-          </a:bodyPr>
-          <a:lstStyle/>
-          <a:p>
-            <a:r>
-              <a:rPr lang="zh-CN" altLang="en-US" dirty="0" smtClean="0"/>
-              <a:t>大厦内部</a:t>
-            </a:r>
-            <a:endParaRPr lang="zh-CN" altLang="en-US" dirty="0"/>
-          </a:p>
-        </p:txBody>
-      </p:sp>
-    </p:spTree>
-    <p:extLst>
-      <p:ext uri="{BB962C8B-B14F-4D97-AF65-F5344CB8AC3E}">
-        <p14:creationId xmlns:p14="http://schemas.microsoft.com/office/powerpoint/2010/main" val="455628246"/>
-      </p:ext>
-    </p:extLst>
-  </p:cSld>
-  <p:clrMapOvr>
-    <a:masterClrMapping/>
-  </p:clrMapOvr>
-  <p:timing>
-    <p:tnLst>
-      <p:par>
-        <p:cTn id="1" dur="indefinite" restart="never" nodeType="tmRoot"/>
-      </p:par>
-    </p:tnLst>
-  </p:timing>
-</p:sld>
-</file>
-
-<file path=ppt/slides/slide20.xml><?xml version="1.0" encoding="utf-8"?>
+<file path=ppt/slides/slide17.xml><?xml version="1.0" encoding="utf-8"?>
 <p:sld xmlns:a="http://schemas.openxmlformats.org/drawingml/2006/main" xmlns:r="http://schemas.openxmlformats.org/officeDocument/2006/relationships" xmlns:p="http://schemas.openxmlformats.org/presentationml/2006/main">
   <p:cSld>
     <p:spTree>
@@ -14744,7 +11472,7 @@
 </p:sld>
 </file>
 
-<file path=ppt/slides/slide21.xml><?xml version="1.0" encoding="utf-8"?>
+<file path=ppt/slides/slide18.xml><?xml version="1.0" encoding="utf-8"?>
 <p:sld xmlns:a="http://schemas.openxmlformats.org/drawingml/2006/main" xmlns:r="http://schemas.openxmlformats.org/officeDocument/2006/relationships" xmlns:p="http://schemas.openxmlformats.org/presentationml/2006/main">
   <p:cSld>
     <p:spTree>
@@ -15980,7 +12708,7 @@
 </p:sld>
 </file>
 
-<file path=ppt/slides/slide22.xml><?xml version="1.0" encoding="utf-8"?>
+<file path=ppt/slides/slide19.xml><?xml version="1.0" encoding="utf-8"?>
 <p:sld xmlns:a="http://schemas.openxmlformats.org/drawingml/2006/main" xmlns:r="http://schemas.openxmlformats.org/officeDocument/2006/relationships" xmlns:p="http://schemas.openxmlformats.org/presentationml/2006/main">
   <p:cSld>
     <p:spTree>
@@ -16686,7 +13414,604 @@
 </p:sld>
 </file>
 
-<file path=ppt/slides/slide23.xml><?xml version="1.0" encoding="utf-8"?>
+<file path=ppt/slides/slide2.xml><?xml version="1.0" encoding="utf-8"?>
+<p:sld xmlns:a="http://schemas.openxmlformats.org/drawingml/2006/main" xmlns:r="http://schemas.openxmlformats.org/officeDocument/2006/relationships" xmlns:p="http://schemas.openxmlformats.org/presentationml/2006/main">
+  <p:cSld>
+    <p:spTree>
+      <p:nvGrpSpPr>
+        <p:cNvPr id="1" name=""/>
+        <p:cNvGrpSpPr/>
+        <p:nvPr/>
+      </p:nvGrpSpPr>
+      <p:grpSpPr>
+        <a:xfrm>
+          <a:off x="0" y="0"/>
+          <a:ext cx="0" cy="0"/>
+          <a:chOff x="0" y="0"/>
+          <a:chExt cx="0" cy="0"/>
+        </a:xfrm>
+      </p:grpSpPr>
+      <p:sp>
+        <p:nvSpPr>
+          <p:cNvPr id="2" name="标题 1"/>
+          <p:cNvSpPr>
+            <a:spLocks noGrp="1"/>
+          </p:cNvSpPr>
+          <p:nvPr>
+            <p:ph type="title"/>
+          </p:nvPr>
+        </p:nvSpPr>
+        <p:spPr>
+          <a:xfrm>
+            <a:off x="2627784" y="5742384"/>
+            <a:ext cx="6512511" cy="1143000"/>
+          </a:xfrm>
+        </p:spPr>
+        <p:txBody>
+          <a:bodyPr/>
+          <a:lstStyle/>
+          <a:p>
+            <a:r>
+              <a:rPr lang="zh-CN" altLang="en-US" dirty="0" smtClean="0"/>
+              <a:t>监控领域现状</a:t>
+            </a:r>
+            <a:endParaRPr lang="zh-CN" altLang="en-US" dirty="0"/>
+          </a:p>
+        </p:txBody>
+      </p:sp>
+      <p:sp>
+        <p:nvSpPr>
+          <p:cNvPr id="3" name="内容占位符 2"/>
+          <p:cNvSpPr>
+            <a:spLocks noGrp="1"/>
+          </p:cNvSpPr>
+          <p:nvPr>
+            <p:ph sz="quarter" idx="13"/>
+          </p:nvPr>
+        </p:nvSpPr>
+        <p:spPr>
+          <a:xfrm>
+            <a:off x="1143000" y="116632"/>
+            <a:ext cx="6400800" cy="1368152"/>
+          </a:xfrm>
+        </p:spPr>
+        <p:txBody>
+          <a:bodyPr/>
+          <a:lstStyle/>
+          <a:p>
+            <a:r>
+              <a:rPr lang="zh-CN" altLang="en-US" dirty="0" smtClean="0"/>
+              <a:t>随着信息技术的不断发展和社会各方面的安防需求，监控摄像头被安装在每一个角落，从公共场所到室内，从步行街到交通公路等。</a:t>
+            </a:r>
+            <a:endParaRPr lang="en-US" altLang="zh-CN" dirty="0" smtClean="0"/>
+          </a:p>
+        </p:txBody>
+      </p:sp>
+      <p:pic>
+        <p:nvPicPr>
+          <p:cNvPr id="4" name="内容占位符 3"/>
+          <p:cNvPicPr>
+            <a:picLocks noChangeAspect="1"/>
+          </p:cNvPicPr>
+          <p:nvPr/>
+        </p:nvPicPr>
+        <p:blipFill>
+          <a:blip r:embed="rId2" cstate="print">
+            <a:extLst>
+              <a:ext uri="{28A0092B-C50C-407E-A947-70E740481C1C}">
+                <a14:useLocalDpi xmlns:a14="http://schemas.microsoft.com/office/drawing/2010/main" val="0"/>
+              </a:ext>
+            </a:extLst>
+          </a:blip>
+          <a:stretch>
+            <a:fillRect/>
+          </a:stretch>
+        </p:blipFill>
+        <p:spPr>
+          <a:xfrm>
+            <a:off x="3967255" y="2627620"/>
+            <a:ext cx="1180809" cy="1080120"/>
+          </a:xfrm>
+          <a:prstGeom prst="rect">
+            <a:avLst/>
+          </a:prstGeom>
+        </p:spPr>
+      </p:pic>
+      <p:pic>
+        <p:nvPicPr>
+          <p:cNvPr id="5" name="Picture 2" descr="E:\项目资料\运动物体跟踪与检测\motion-detect-tiqu\研究生毕业设计\文档管理\六合路双车道卡口106-1-20121228082000-20121228082152-83677298_2013627153832.JPG"/>
+          <p:cNvPicPr>
+            <a:picLocks noChangeAspect="1" noChangeArrowheads="1"/>
+          </p:cNvPicPr>
+          <p:nvPr/>
+        </p:nvPicPr>
+        <p:blipFill>
+          <a:blip r:embed="rId3" cstate="print">
+            <a:extLst>
+              <a:ext uri="{28A0092B-C50C-407E-A947-70E740481C1C}">
+                <a14:useLocalDpi xmlns:a14="http://schemas.microsoft.com/office/drawing/2010/main" val="0"/>
+              </a:ext>
+            </a:extLst>
+          </a:blip>
+          <a:srcRect/>
+          <a:stretch>
+            <a:fillRect/>
+          </a:stretch>
+        </p:blipFill>
+        <p:spPr bwMode="auto">
+          <a:xfrm>
+            <a:off x="6243656" y="3786000"/>
+            <a:ext cx="1861259" cy="1046959"/>
+          </a:xfrm>
+          <a:prstGeom prst="rect">
+            <a:avLst/>
+          </a:prstGeom>
+          <a:noFill/>
+          <a:extLst>
+            <a:ext uri="{909E8E84-426E-40DD-AFC4-6F175D3DCCD1}">
+              <a14:hiddenFill xmlns:a14="http://schemas.microsoft.com/office/drawing/2010/main">
+                <a:solidFill>
+                  <a:srgbClr val="FFFFFF"/>
+                </a:solidFill>
+              </a14:hiddenFill>
+            </a:ext>
+          </a:extLst>
+        </p:spPr>
+      </p:pic>
+      <p:pic>
+        <p:nvPicPr>
+          <p:cNvPr id="6" name="Picture 3" descr="E:\项目资料\运动物体跟踪与检测\motion-detect-tiqu\研究生毕业设计\文档管理\8-0-20090519044548_baofeng_2013627154211.JPG"/>
+          <p:cNvPicPr>
+            <a:picLocks noChangeAspect="1" noChangeArrowheads="1"/>
+          </p:cNvPicPr>
+          <p:nvPr/>
+        </p:nvPicPr>
+        <p:blipFill>
+          <a:blip r:embed="rId4">
+            <a:extLst>
+              <a:ext uri="{28A0092B-C50C-407E-A947-70E740481C1C}">
+                <a14:useLocalDpi xmlns:a14="http://schemas.microsoft.com/office/drawing/2010/main" val="0"/>
+              </a:ext>
+            </a:extLst>
+          </a:blip>
+          <a:srcRect/>
+          <a:stretch>
+            <a:fillRect/>
+          </a:stretch>
+        </p:blipFill>
+        <p:spPr bwMode="auto">
+          <a:xfrm>
+            <a:off x="6118534" y="1556792"/>
+            <a:ext cx="1800200" cy="1350150"/>
+          </a:xfrm>
+          <a:prstGeom prst="rect">
+            <a:avLst/>
+          </a:prstGeom>
+          <a:noFill/>
+          <a:extLst>
+            <a:ext uri="{909E8E84-426E-40DD-AFC4-6F175D3DCCD1}">
+              <a14:hiddenFill xmlns:a14="http://schemas.microsoft.com/office/drawing/2010/main">
+                <a:solidFill>
+                  <a:srgbClr val="FFFFFF"/>
+                </a:solidFill>
+              </a14:hiddenFill>
+            </a:ext>
+          </a:extLst>
+        </p:spPr>
+      </p:pic>
+      <p:pic>
+        <p:nvPicPr>
+          <p:cNvPr id="7" name="Picture 4" descr="E:\项目资料\运动物体跟踪与检测\motion-detect-tiqu\研究生毕业设计\文档管理\13-0-20090519001548_baofeng_2013627154345.JPG"/>
+          <p:cNvPicPr>
+            <a:picLocks noChangeAspect="1" noChangeArrowheads="1"/>
+          </p:cNvPicPr>
+          <p:nvPr/>
+        </p:nvPicPr>
+        <p:blipFill>
+          <a:blip r:embed="rId5">
+            <a:extLst>
+              <a:ext uri="{28A0092B-C50C-407E-A947-70E740481C1C}">
+                <a14:useLocalDpi xmlns:a14="http://schemas.microsoft.com/office/drawing/2010/main" val="0"/>
+              </a:ext>
+            </a:extLst>
+          </a:blip>
+          <a:srcRect/>
+          <a:stretch>
+            <a:fillRect/>
+          </a:stretch>
+        </p:blipFill>
+        <p:spPr bwMode="auto">
+          <a:xfrm>
+            <a:off x="914794" y="1700100"/>
+            <a:ext cx="1872208" cy="1404156"/>
+          </a:xfrm>
+          <a:prstGeom prst="rect">
+            <a:avLst/>
+          </a:prstGeom>
+          <a:noFill/>
+          <a:extLst>
+            <a:ext uri="{909E8E84-426E-40DD-AFC4-6F175D3DCCD1}">
+              <a14:hiddenFill xmlns:a14="http://schemas.microsoft.com/office/drawing/2010/main">
+                <a:solidFill>
+                  <a:srgbClr val="FFFFFF"/>
+                </a:solidFill>
+              </a14:hiddenFill>
+            </a:ext>
+          </a:extLst>
+        </p:spPr>
+      </p:pic>
+      <p:pic>
+        <p:nvPicPr>
+          <p:cNvPr id="8" name="Picture 5"/>
+          <p:cNvPicPr>
+            <a:picLocks noChangeAspect="1" noChangeArrowheads="1"/>
+          </p:cNvPicPr>
+          <p:nvPr/>
+        </p:nvPicPr>
+        <p:blipFill>
+          <a:blip r:embed="rId6">
+            <a:extLst>
+              <a:ext uri="{28A0092B-C50C-407E-A947-70E740481C1C}">
+                <a14:useLocalDpi xmlns:a14="http://schemas.microsoft.com/office/drawing/2010/main" val="0"/>
+              </a:ext>
+            </a:extLst>
+          </a:blip>
+          <a:srcRect/>
+          <a:stretch>
+            <a:fillRect/>
+          </a:stretch>
+        </p:blipFill>
+        <p:spPr bwMode="auto">
+          <a:xfrm>
+            <a:off x="933948" y="3817928"/>
+            <a:ext cx="1765843" cy="1223624"/>
+          </a:xfrm>
+          <a:prstGeom prst="rect">
+            <a:avLst/>
+          </a:prstGeom>
+          <a:noFill/>
+          <a:ln>
+            <a:noFill/>
+          </a:ln>
+          <a:extLst>
+            <a:ext uri="{909E8E84-426E-40DD-AFC4-6F175D3DCCD1}">
+              <a14:hiddenFill xmlns:a14="http://schemas.microsoft.com/office/drawing/2010/main">
+                <a:solidFill>
+                  <a:schemeClr val="accent1"/>
+                </a:solidFill>
+              </a14:hiddenFill>
+            </a:ext>
+            <a:ext uri="{91240B29-F687-4F45-9708-019B960494DF}">
+              <a14:hiddenLine xmlns:a14="http://schemas.microsoft.com/office/drawing/2010/main" w="9525">
+                <a:solidFill>
+                  <a:schemeClr val="tx1"/>
+                </a:solidFill>
+                <a:miter lim="800000"/>
+                <a:headEnd/>
+                <a:tailEnd/>
+              </a14:hiddenLine>
+            </a:ext>
+          </a:extLst>
+        </p:spPr>
+      </p:pic>
+      <p:sp>
+        <p:nvSpPr>
+          <p:cNvPr id="9" name="右箭头 8"/>
+          <p:cNvSpPr/>
+          <p:nvPr/>
+        </p:nvSpPr>
+        <p:spPr>
+          <a:xfrm rot="19902346">
+            <a:off x="4987796" y="2622085"/>
+            <a:ext cx="1131401" cy="282376"/>
+          </a:xfrm>
+          <a:prstGeom prst="rightArrow">
+            <a:avLst>
+              <a:gd name="adj1" fmla="val 50000"/>
+              <a:gd name="adj2" fmla="val 60246"/>
+            </a:avLst>
+          </a:prstGeom>
+        </p:spPr>
+        <p:style>
+          <a:lnRef idx="2">
+            <a:schemeClr val="accent1">
+              <a:shade val="50000"/>
+            </a:schemeClr>
+          </a:lnRef>
+          <a:fillRef idx="1">
+            <a:schemeClr val="accent1"/>
+          </a:fillRef>
+          <a:effectRef idx="0">
+            <a:schemeClr val="accent1"/>
+          </a:effectRef>
+          <a:fontRef idx="minor">
+            <a:schemeClr val="lt1"/>
+          </a:fontRef>
+        </p:style>
+        <p:txBody>
+          <a:bodyPr rtlCol="0" anchor="ctr"/>
+          <a:lstStyle/>
+          <a:p>
+            <a:pPr algn="ctr"/>
+            <a:endParaRPr lang="zh-CN" altLang="en-US"/>
+          </a:p>
+        </p:txBody>
+      </p:sp>
+      <p:sp>
+        <p:nvSpPr>
+          <p:cNvPr id="10" name="TextBox 9"/>
+          <p:cNvSpPr txBox="1"/>
+          <p:nvPr/>
+        </p:nvSpPr>
+        <p:spPr>
+          <a:xfrm>
+            <a:off x="6562217" y="4979442"/>
+            <a:ext cx="1224136" cy="369332"/>
+          </a:xfrm>
+          <a:prstGeom prst="rect">
+            <a:avLst/>
+          </a:prstGeom>
+          <a:noFill/>
+          <a:ln>
+            <a:noFill/>
+          </a:ln>
+        </p:spPr>
+        <p:txBody>
+          <a:bodyPr wrap="square" rtlCol="0">
+            <a:spAutoFit/>
+          </a:bodyPr>
+          <a:lstStyle/>
+          <a:p>
+            <a:r>
+              <a:rPr lang="zh-CN" altLang="en-US" dirty="0" smtClean="0"/>
+              <a:t>交通监控</a:t>
+            </a:r>
+            <a:endParaRPr lang="zh-CN" altLang="en-US" dirty="0"/>
+          </a:p>
+        </p:txBody>
+      </p:sp>
+      <p:sp>
+        <p:nvSpPr>
+          <p:cNvPr id="11" name="TextBox 10"/>
+          <p:cNvSpPr txBox="1"/>
+          <p:nvPr/>
+        </p:nvSpPr>
+        <p:spPr>
+          <a:xfrm>
+            <a:off x="1165347" y="5171717"/>
+            <a:ext cx="1447674" cy="369332"/>
+          </a:xfrm>
+          <a:prstGeom prst="rect">
+            <a:avLst/>
+          </a:prstGeom>
+          <a:noFill/>
+          <a:ln>
+            <a:noFill/>
+          </a:ln>
+        </p:spPr>
+        <p:txBody>
+          <a:bodyPr wrap="square" rtlCol="0">
+            <a:spAutoFit/>
+          </a:bodyPr>
+          <a:lstStyle/>
+          <a:p>
+            <a:r>
+              <a:rPr lang="zh-CN" altLang="en-US" dirty="0"/>
+              <a:t>步行街</a:t>
+            </a:r>
+          </a:p>
+        </p:txBody>
+      </p:sp>
+      <p:sp>
+        <p:nvSpPr>
+          <p:cNvPr id="12" name="TextBox 11"/>
+          <p:cNvSpPr txBox="1"/>
+          <p:nvPr/>
+        </p:nvSpPr>
+        <p:spPr>
+          <a:xfrm>
+            <a:off x="1202989" y="3202976"/>
+            <a:ext cx="1224136" cy="369332"/>
+          </a:xfrm>
+          <a:prstGeom prst="rect">
+            <a:avLst/>
+          </a:prstGeom>
+          <a:noFill/>
+          <a:ln>
+            <a:noFill/>
+          </a:ln>
+        </p:spPr>
+        <p:txBody>
+          <a:bodyPr wrap="square" rtlCol="0">
+            <a:spAutoFit/>
+          </a:bodyPr>
+          <a:lstStyle/>
+          <a:p>
+            <a:r>
+              <a:rPr lang="zh-CN" altLang="en-US" dirty="0" smtClean="0"/>
+              <a:t>公共场所</a:t>
+            </a:r>
+            <a:endParaRPr lang="zh-CN" altLang="en-US" dirty="0"/>
+          </a:p>
+        </p:txBody>
+      </p:sp>
+      <p:sp>
+        <p:nvSpPr>
+          <p:cNvPr id="13" name="右箭头 12"/>
+          <p:cNvSpPr/>
+          <p:nvPr/>
+        </p:nvSpPr>
+        <p:spPr>
+          <a:xfrm rot="1934449">
+            <a:off x="4825273" y="3755997"/>
+            <a:ext cx="1458982" cy="288032"/>
+          </a:xfrm>
+          <a:prstGeom prst="rightArrow">
+            <a:avLst/>
+          </a:prstGeom>
+        </p:spPr>
+        <p:style>
+          <a:lnRef idx="2">
+            <a:schemeClr val="accent1">
+              <a:shade val="50000"/>
+            </a:schemeClr>
+          </a:lnRef>
+          <a:fillRef idx="1">
+            <a:schemeClr val="accent1"/>
+          </a:fillRef>
+          <a:effectRef idx="0">
+            <a:schemeClr val="accent1"/>
+          </a:effectRef>
+          <a:fontRef idx="minor">
+            <a:schemeClr val="lt1"/>
+          </a:fontRef>
+        </p:style>
+        <p:txBody>
+          <a:bodyPr rtlCol="0" anchor="ctr"/>
+          <a:lstStyle/>
+          <a:p>
+            <a:pPr algn="ctr"/>
+            <a:endParaRPr lang="zh-CN" altLang="en-US"/>
+          </a:p>
+        </p:txBody>
+      </p:sp>
+      <p:sp>
+        <p:nvSpPr>
+          <p:cNvPr id="14" name="右箭头 13"/>
+          <p:cNvSpPr/>
+          <p:nvPr/>
+        </p:nvSpPr>
+        <p:spPr>
+          <a:xfrm rot="12646928">
+            <a:off x="2819998" y="2622085"/>
+            <a:ext cx="1390149" cy="282376"/>
+          </a:xfrm>
+          <a:prstGeom prst="rightArrow">
+            <a:avLst>
+              <a:gd name="adj1" fmla="val 50000"/>
+              <a:gd name="adj2" fmla="val 60246"/>
+            </a:avLst>
+          </a:prstGeom>
+        </p:spPr>
+        <p:style>
+          <a:lnRef idx="2">
+            <a:schemeClr val="accent1">
+              <a:shade val="50000"/>
+            </a:schemeClr>
+          </a:lnRef>
+          <a:fillRef idx="1">
+            <a:schemeClr val="accent1"/>
+          </a:fillRef>
+          <a:effectRef idx="0">
+            <a:schemeClr val="accent1"/>
+          </a:effectRef>
+          <a:fontRef idx="minor">
+            <a:schemeClr val="lt1"/>
+          </a:fontRef>
+        </p:style>
+        <p:txBody>
+          <a:bodyPr rtlCol="0" anchor="ctr"/>
+          <a:lstStyle/>
+          <a:p>
+            <a:pPr algn="ctr"/>
+            <a:endParaRPr lang="zh-CN" altLang="en-US"/>
+          </a:p>
+        </p:txBody>
+      </p:sp>
+      <p:sp>
+        <p:nvSpPr>
+          <p:cNvPr id="15" name="右箭头 14"/>
+          <p:cNvSpPr/>
+          <p:nvPr/>
+        </p:nvSpPr>
+        <p:spPr>
+          <a:xfrm rot="8526797">
+            <a:off x="2826319" y="3673912"/>
+            <a:ext cx="1458982" cy="288032"/>
+          </a:xfrm>
+          <a:prstGeom prst="rightArrow">
+            <a:avLst/>
+          </a:prstGeom>
+        </p:spPr>
+        <p:style>
+          <a:lnRef idx="2">
+            <a:schemeClr val="accent1">
+              <a:shade val="50000"/>
+            </a:schemeClr>
+          </a:lnRef>
+          <a:fillRef idx="1">
+            <a:schemeClr val="accent1"/>
+          </a:fillRef>
+          <a:effectRef idx="0">
+            <a:schemeClr val="accent1"/>
+          </a:effectRef>
+          <a:fontRef idx="minor">
+            <a:schemeClr val="lt1"/>
+          </a:fontRef>
+        </p:style>
+        <p:txBody>
+          <a:bodyPr rtlCol="0" anchor="ctr"/>
+          <a:lstStyle/>
+          <a:p>
+            <a:pPr algn="ctr"/>
+            <a:endParaRPr lang="zh-CN" altLang="en-US"/>
+          </a:p>
+        </p:txBody>
+      </p:sp>
+      <p:sp>
+        <p:nvSpPr>
+          <p:cNvPr id="16" name="TextBox 15"/>
+          <p:cNvSpPr txBox="1"/>
+          <p:nvPr/>
+        </p:nvSpPr>
+        <p:spPr>
+          <a:xfrm>
+            <a:off x="6406566" y="3018310"/>
+            <a:ext cx="1224136" cy="369332"/>
+          </a:xfrm>
+          <a:prstGeom prst="rect">
+            <a:avLst/>
+          </a:prstGeom>
+          <a:noFill/>
+          <a:ln>
+            <a:noFill/>
+          </a:ln>
+        </p:spPr>
+        <p:txBody>
+          <a:bodyPr wrap="square" rtlCol="0">
+            <a:spAutoFit/>
+          </a:bodyPr>
+          <a:lstStyle/>
+          <a:p>
+            <a:r>
+              <a:rPr lang="zh-CN" altLang="en-US" dirty="0" smtClean="0"/>
+              <a:t>大厦内部</a:t>
+            </a:r>
+            <a:endParaRPr lang="zh-CN" altLang="en-US" dirty="0"/>
+          </a:p>
+        </p:txBody>
+      </p:sp>
+    </p:spTree>
+    <p:extLst>
+      <p:ext uri="{BB962C8B-B14F-4D97-AF65-F5344CB8AC3E}">
+        <p14:creationId xmlns:p14="http://schemas.microsoft.com/office/powerpoint/2010/main" val="455628246"/>
+      </p:ext>
+    </p:extLst>
+  </p:cSld>
+  <p:clrMapOvr>
+    <a:masterClrMapping/>
+  </p:clrMapOvr>
+  <p:timing>
+    <p:tnLst>
+      <p:par>
+        <p:cTn id="1" dur="indefinite" restart="never" nodeType="tmRoot"/>
+      </p:par>
+    </p:tnLst>
+  </p:timing>
+</p:sld>
+</file>
+
+<file path=ppt/slides/slide20.xml><?xml version="1.0" encoding="utf-8"?>
 <p:sld xmlns:a="http://schemas.openxmlformats.org/drawingml/2006/main" xmlns:r="http://schemas.openxmlformats.org/officeDocument/2006/relationships" xmlns:p="http://schemas.openxmlformats.org/presentationml/2006/main">
   <p:cSld>
     <p:spTree>
@@ -16856,10 +14181,17 @@
   <p:clrMapOvr>
     <a:masterClrMapping/>
   </p:clrMapOvr>
+  <p:timing>
+    <p:tnLst>
+      <p:par>
+        <p:cTn id="1" dur="indefinite" restart="never" nodeType="tmRoot"/>
+      </p:par>
+    </p:tnLst>
+  </p:timing>
 </p:sld>
 </file>
 
-<file path=ppt/slides/slide24.xml><?xml version="1.0" encoding="utf-8"?>
+<file path=ppt/slides/slide21.xml><?xml version="1.0" encoding="utf-8"?>
 <p:sld xmlns:a="http://schemas.openxmlformats.org/drawingml/2006/main" xmlns:r="http://schemas.openxmlformats.org/officeDocument/2006/relationships" xmlns:p="http://schemas.openxmlformats.org/presentationml/2006/main">
   <p:cSld>
     <p:spTree>
@@ -17128,10 +14460,17 @@
   <p:clrMapOvr>
     <a:masterClrMapping/>
   </p:clrMapOvr>
+  <p:timing>
+    <p:tnLst>
+      <p:par>
+        <p:cTn id="1" dur="indefinite" restart="never" nodeType="tmRoot"/>
+      </p:par>
+    </p:tnLst>
+  </p:timing>
 </p:sld>
 </file>
 
-<file path=ppt/slides/slide25.xml><?xml version="1.0" encoding="utf-8"?>
+<file path=ppt/slides/slide22.xml><?xml version="1.0" encoding="utf-8"?>
 <p:sld xmlns:a="http://schemas.openxmlformats.org/drawingml/2006/main" xmlns:r="http://schemas.openxmlformats.org/officeDocument/2006/relationships" xmlns:p="http://schemas.openxmlformats.org/presentationml/2006/main">
   <p:cSld>
     <p:spTree>
@@ -17311,10 +14650,17 @@
   <p:clrMapOvr>
     <a:masterClrMapping/>
   </p:clrMapOvr>
+  <p:timing>
+    <p:tnLst>
+      <p:par>
+        <p:cTn id="1" dur="indefinite" restart="never" nodeType="tmRoot"/>
+      </p:par>
+    </p:tnLst>
+  </p:timing>
 </p:sld>
 </file>
 
-<file path=ppt/slides/slide26.xml><?xml version="1.0" encoding="utf-8"?>
+<file path=ppt/slides/slide23.xml><?xml version="1.0" encoding="utf-8"?>
 <p:sld xmlns:a="http://schemas.openxmlformats.org/drawingml/2006/main" xmlns:r="http://schemas.openxmlformats.org/officeDocument/2006/relationships" xmlns:p="http://schemas.openxmlformats.org/presentationml/2006/main">
   <p:cSld>
     <p:spTree>
@@ -19289,10 +16635,17 @@
   <p:clrMapOvr>
     <a:masterClrMapping/>
   </p:clrMapOvr>
+  <p:timing>
+    <p:tnLst>
+      <p:par>
+        <p:cTn id="1" dur="indefinite" restart="never" nodeType="tmRoot"/>
+      </p:par>
+    </p:tnLst>
+  </p:timing>
 </p:sld>
 </file>
 
-<file path=ppt/slides/slide27.xml><?xml version="1.0" encoding="utf-8"?>
+<file path=ppt/slides/slide24.xml><?xml version="1.0" encoding="utf-8"?>
 <p:sld xmlns:a="http://schemas.openxmlformats.org/drawingml/2006/main" xmlns:r="http://schemas.openxmlformats.org/officeDocument/2006/relationships" xmlns:p="http://schemas.openxmlformats.org/presentationml/2006/main">
   <p:cSld>
     <p:spTree>
@@ -20257,157 +17610,6 @@
   <p:clrMapOvr>
     <a:masterClrMapping/>
   </p:clrMapOvr>
-</p:sld>
-</file>
-
-<file path=ppt/slides/slide28.xml><?xml version="1.0" encoding="utf-8"?>
-<p:sld xmlns:a="http://schemas.openxmlformats.org/drawingml/2006/main" xmlns:r="http://schemas.openxmlformats.org/officeDocument/2006/relationships" xmlns:p="http://schemas.openxmlformats.org/presentationml/2006/main">
-  <p:cSld>
-    <p:spTree>
-      <p:nvGrpSpPr>
-        <p:cNvPr id="1" name=""/>
-        <p:cNvGrpSpPr/>
-        <p:nvPr/>
-      </p:nvGrpSpPr>
-      <p:grpSpPr>
-        <a:xfrm>
-          <a:off x="0" y="0"/>
-          <a:ext cx="0" cy="0"/>
-          <a:chOff x="0" y="0"/>
-          <a:chExt cx="0" cy="0"/>
-        </a:xfrm>
-      </p:grpSpPr>
-      <p:sp>
-        <p:nvSpPr>
-          <p:cNvPr id="2" name="标题 1"/>
-          <p:cNvSpPr>
-            <a:spLocks noGrp="1"/>
-          </p:cNvSpPr>
-          <p:nvPr>
-            <p:ph type="title"/>
-          </p:nvPr>
-        </p:nvSpPr>
-        <p:spPr>
-          <a:xfrm>
-            <a:off x="2627784" y="5742384"/>
-            <a:ext cx="6512511" cy="1143000"/>
-          </a:xfrm>
-        </p:spPr>
-        <p:txBody>
-          <a:bodyPr/>
-          <a:lstStyle/>
-          <a:p>
-            <a:r>
-              <a:rPr lang="zh-CN" altLang="en-US" dirty="0" smtClean="0"/>
-              <a:t>技术难点</a:t>
-            </a:r>
-            <a:endParaRPr lang="zh-CN" altLang="en-US" dirty="0"/>
-          </a:p>
-        </p:txBody>
-      </p:sp>
-      <p:sp>
-        <p:nvSpPr>
-          <p:cNvPr id="3" name="内容占位符 2"/>
-          <p:cNvSpPr>
-            <a:spLocks noGrp="1"/>
-          </p:cNvSpPr>
-          <p:nvPr>
-            <p:ph sz="quarter" idx="13"/>
-          </p:nvPr>
-        </p:nvSpPr>
-        <p:spPr/>
-        <p:txBody>
-          <a:bodyPr>
-            <a:normAutofit fontScale="92500"/>
-          </a:bodyPr>
-          <a:lstStyle/>
-          <a:p>
-            <a:r>
-              <a:rPr lang="zh-CN" altLang="en-US" dirty="0" smtClean="0"/>
-              <a:t>运动对象的复杂性</a:t>
-            </a:r>
-            <a:endParaRPr lang="en-US" altLang="zh-CN" dirty="0" smtClean="0"/>
-          </a:p>
-          <a:p>
-            <a:pPr marL="45720" indent="0">
-              <a:buNone/>
-            </a:pPr>
-            <a:r>
-              <a:rPr lang="en-US" altLang="zh-CN" dirty="0"/>
-              <a:t> </a:t>
-            </a:r>
-            <a:r>
-              <a:rPr lang="en-US" altLang="zh-CN" dirty="0" smtClean="0"/>
-              <a:t>  </a:t>
-            </a:r>
-            <a:r>
-              <a:rPr lang="zh-CN" altLang="en-US" dirty="0" smtClean="0"/>
-              <a:t>运动对象太多，太杂会对跟踪造成很大的影响，具体表现为当两个运动对象有交错重叠的时候应该如何区分。</a:t>
-            </a:r>
-            <a:endParaRPr lang="en-US" altLang="zh-CN" dirty="0" smtClean="0"/>
-          </a:p>
-          <a:p>
-            <a:r>
-              <a:rPr lang="zh-CN" altLang="en-US" dirty="0" smtClean="0"/>
-              <a:t>场景的复杂性</a:t>
-            </a:r>
-            <a:endParaRPr lang="en-US" altLang="zh-CN" dirty="0" smtClean="0"/>
-          </a:p>
-          <a:p>
-            <a:pPr marL="45720" indent="0">
-              <a:buNone/>
-            </a:pPr>
-            <a:r>
-              <a:rPr lang="en-US" altLang="zh-CN" dirty="0"/>
-              <a:t> </a:t>
-            </a:r>
-            <a:r>
-              <a:rPr lang="en-US" altLang="zh-CN" dirty="0" smtClean="0"/>
-              <a:t>  </a:t>
-            </a:r>
-            <a:r>
-              <a:rPr lang="zh-CN" altLang="en-US" dirty="0" smtClean="0"/>
-              <a:t>背景因素的干扰会对运动物体检测造成一定的影响，比如下雨天的雨点，随风摇摆的树枝等。</a:t>
-            </a:r>
-            <a:endParaRPr lang="en-US" altLang="zh-CN" dirty="0" smtClean="0"/>
-          </a:p>
-          <a:p>
-            <a:r>
-              <a:rPr lang="zh-CN" altLang="en-US" dirty="0" smtClean="0"/>
-              <a:t>监控视频色彩失真</a:t>
-            </a:r>
-            <a:endParaRPr lang="en-US" altLang="zh-CN" dirty="0" smtClean="0"/>
-          </a:p>
-          <a:p>
-            <a:pPr marL="45720" indent="0">
-              <a:buNone/>
-            </a:pPr>
-            <a:r>
-              <a:rPr lang="en-US" altLang="zh-CN" dirty="0"/>
-              <a:t> </a:t>
-            </a:r>
-            <a:r>
-              <a:rPr lang="en-US" altLang="zh-CN" dirty="0" smtClean="0"/>
-              <a:t>  </a:t>
-            </a:r>
-            <a:r>
-              <a:rPr lang="zh-CN" altLang="en-US" dirty="0" smtClean="0"/>
-              <a:t>监控摄像头拍摄的画面可能会有些许颜色失真，会对事件的特征分析带来一定影响。</a:t>
-            </a:r>
-            <a:endParaRPr lang="zh-CN" altLang="en-US" dirty="0"/>
-          </a:p>
-        </p:txBody>
-      </p:sp>
-    </p:spTree>
-    <p:extLst>
-      <p:ext uri="{BB962C8B-B14F-4D97-AF65-F5344CB8AC3E}">
-        <p14:creationId xmlns:p14="http://schemas.microsoft.com/office/powerpoint/2010/main" val="2528434094"/>
-      </p:ext>
-    </p:extLst>
-  </p:cSld>
-  <p:clrMapOvr>
-    <a:masterClrMapping/>
-  </p:clrMapOvr>
   <p:timing>
     <p:tnLst>
       <p:par>
@@ -20418,7 +17620,7 @@
 </p:sld>
 </file>
 
-<file path=ppt/slides/slide29.xml><?xml version="1.0" encoding="utf-8"?>
+<file path=ppt/slides/slide25.xml><?xml version="1.0" encoding="utf-8"?>
 <p:sld xmlns:a="http://schemas.openxmlformats.org/drawingml/2006/main" xmlns:r="http://schemas.openxmlformats.org/officeDocument/2006/relationships" xmlns:p="http://schemas.openxmlformats.org/presentationml/2006/main">
   <p:cSld>
     <p:spTree>
@@ -20502,6 +17704,74 @@
     <p:extLst>
       <p:ext uri="{BB962C8B-B14F-4D97-AF65-F5344CB8AC3E}">
         <p14:creationId xmlns:p14="http://schemas.microsoft.com/office/powerpoint/2010/main" val="3756721532"/>
+      </p:ext>
+    </p:extLst>
+  </p:cSld>
+  <p:clrMapOvr>
+    <a:masterClrMapping/>
+  </p:clrMapOvr>
+  <p:timing>
+    <p:tnLst>
+      <p:par>
+        <p:cTn id="1" dur="indefinite" restart="never" nodeType="tmRoot"/>
+      </p:par>
+    </p:tnLst>
+  </p:timing>
+</p:sld>
+</file>
+
+<file path=ppt/slides/slide26.xml><?xml version="1.0" encoding="utf-8"?>
+<p:sld xmlns:a="http://schemas.openxmlformats.org/drawingml/2006/main" xmlns:r="http://schemas.openxmlformats.org/officeDocument/2006/relationships" xmlns:p="http://schemas.openxmlformats.org/presentationml/2006/main">
+  <p:cSld>
+    <p:spTree>
+      <p:nvGrpSpPr>
+        <p:cNvPr id="1" name=""/>
+        <p:cNvGrpSpPr/>
+        <p:nvPr/>
+      </p:nvGrpSpPr>
+      <p:grpSpPr>
+        <a:xfrm>
+          <a:off x="0" y="0"/>
+          <a:ext cx="0" cy="0"/>
+          <a:chOff x="0" y="0"/>
+          <a:chExt cx="0" cy="0"/>
+        </a:xfrm>
+      </p:grpSpPr>
+      <p:sp>
+        <p:nvSpPr>
+          <p:cNvPr id="2" name="标题 1"/>
+          <p:cNvSpPr>
+            <a:spLocks noGrp="1"/>
+          </p:cNvSpPr>
+          <p:nvPr>
+            <p:ph type="title"/>
+          </p:nvPr>
+        </p:nvSpPr>
+        <p:spPr>
+          <a:xfrm>
+            <a:off x="3100049" y="2646040"/>
+            <a:ext cx="3056127" cy="1143000"/>
+          </a:xfrm>
+        </p:spPr>
+        <p:txBody>
+          <a:bodyPr/>
+          <a:lstStyle/>
+          <a:p>
+            <a:pPr marL="0" indent="0">
+              <a:buNone/>
+            </a:pPr>
+            <a:r>
+              <a:rPr lang="zh-CN" altLang="en-US" dirty="0" smtClean="0"/>
+              <a:t>谢   谢！</a:t>
+            </a:r>
+            <a:endParaRPr lang="zh-CN" altLang="en-US" dirty="0"/>
+          </a:p>
+        </p:txBody>
+      </p:sp>
+    </p:spTree>
+    <p:extLst>
+      <p:ext uri="{BB962C8B-B14F-4D97-AF65-F5344CB8AC3E}">
+        <p14:creationId xmlns:p14="http://schemas.microsoft.com/office/powerpoint/2010/main" val="3106269031"/>
       </p:ext>
     </p:extLst>
   </p:cSld>
@@ -20631,74 +17901,6 @@
     <p:extLst>
       <p:ext uri="{BB962C8B-B14F-4D97-AF65-F5344CB8AC3E}">
         <p14:creationId xmlns:p14="http://schemas.microsoft.com/office/powerpoint/2010/main" val="1592459702"/>
-      </p:ext>
-    </p:extLst>
-  </p:cSld>
-  <p:clrMapOvr>
-    <a:masterClrMapping/>
-  </p:clrMapOvr>
-  <p:timing>
-    <p:tnLst>
-      <p:par>
-        <p:cTn id="1" dur="indefinite" restart="never" nodeType="tmRoot"/>
-      </p:par>
-    </p:tnLst>
-  </p:timing>
-</p:sld>
-</file>
-
-<file path=ppt/slides/slide30.xml><?xml version="1.0" encoding="utf-8"?>
-<p:sld xmlns:a="http://schemas.openxmlformats.org/drawingml/2006/main" xmlns:r="http://schemas.openxmlformats.org/officeDocument/2006/relationships" xmlns:p="http://schemas.openxmlformats.org/presentationml/2006/main">
-  <p:cSld>
-    <p:spTree>
-      <p:nvGrpSpPr>
-        <p:cNvPr id="1" name=""/>
-        <p:cNvGrpSpPr/>
-        <p:nvPr/>
-      </p:nvGrpSpPr>
-      <p:grpSpPr>
-        <a:xfrm>
-          <a:off x="0" y="0"/>
-          <a:ext cx="0" cy="0"/>
-          <a:chOff x="0" y="0"/>
-          <a:chExt cx="0" cy="0"/>
-        </a:xfrm>
-      </p:grpSpPr>
-      <p:sp>
-        <p:nvSpPr>
-          <p:cNvPr id="2" name="标题 1"/>
-          <p:cNvSpPr>
-            <a:spLocks noGrp="1"/>
-          </p:cNvSpPr>
-          <p:nvPr>
-            <p:ph type="title"/>
-          </p:nvPr>
-        </p:nvSpPr>
-        <p:spPr>
-          <a:xfrm>
-            <a:off x="3100049" y="2646040"/>
-            <a:ext cx="3056127" cy="1143000"/>
-          </a:xfrm>
-        </p:spPr>
-        <p:txBody>
-          <a:bodyPr/>
-          <a:lstStyle/>
-          <a:p>
-            <a:pPr marL="0" indent="0">
-              <a:buNone/>
-            </a:pPr>
-            <a:r>
-              <a:rPr lang="zh-CN" altLang="en-US" dirty="0" smtClean="0"/>
-              <a:t>谢   谢！</a:t>
-            </a:r>
-            <a:endParaRPr lang="zh-CN" altLang="en-US" dirty="0"/>
-          </a:p>
-        </p:txBody>
-      </p:sp>
-    </p:spTree>
-    <p:extLst>
-      <p:ext uri="{BB962C8B-B14F-4D97-AF65-F5344CB8AC3E}">
-        <p14:creationId xmlns:p14="http://schemas.microsoft.com/office/powerpoint/2010/main" val="3106269031"/>
       </p:ext>
     </p:extLst>
   </p:cSld>
@@ -21096,125 +18298,6 @@
 </file>
 
 <file path=ppt/slides/slide6.xml><?xml version="1.0" encoding="utf-8"?>
-<p:sld xmlns:a="http://schemas.openxmlformats.org/drawingml/2006/main" xmlns:r="http://schemas.openxmlformats.org/officeDocument/2006/relationships" xmlns:p="http://schemas.openxmlformats.org/presentationml/2006/main">
-  <p:cSld>
-    <p:spTree>
-      <p:nvGrpSpPr>
-        <p:cNvPr id="1" name=""/>
-        <p:cNvGrpSpPr/>
-        <p:nvPr/>
-      </p:nvGrpSpPr>
-      <p:grpSpPr>
-        <a:xfrm>
-          <a:off x="0" y="0"/>
-          <a:ext cx="0" cy="0"/>
-          <a:chOff x="0" y="0"/>
-          <a:chExt cx="0" cy="0"/>
-        </a:xfrm>
-      </p:grpSpPr>
-      <p:sp>
-        <p:nvSpPr>
-          <p:cNvPr id="2" name="标题 1"/>
-          <p:cNvSpPr>
-            <a:spLocks noGrp="1"/>
-          </p:cNvSpPr>
-          <p:nvPr>
-            <p:ph type="title"/>
-          </p:nvPr>
-        </p:nvSpPr>
-        <p:spPr>
-          <a:xfrm>
-            <a:off x="2627784" y="5742384"/>
-            <a:ext cx="6512511" cy="1143000"/>
-          </a:xfrm>
-        </p:spPr>
-        <p:txBody>
-          <a:bodyPr/>
-          <a:lstStyle/>
-          <a:p>
-            <a:r>
-              <a:rPr lang="zh-CN" altLang="en-US" dirty="0" smtClean="0"/>
-              <a:t>视频摘要技术路线</a:t>
-            </a:r>
-            <a:endParaRPr lang="zh-CN" altLang="en-US" dirty="0"/>
-          </a:p>
-        </p:txBody>
-      </p:sp>
-      <p:pic>
-        <p:nvPicPr>
-          <p:cNvPr id="1026" name="Picture 2"/>
-          <p:cNvPicPr>
-            <a:picLocks noChangeAspect="1" noChangeArrowheads="1"/>
-          </p:cNvPicPr>
-          <p:nvPr/>
-        </p:nvPicPr>
-        <p:blipFill>
-          <a:blip r:embed="rId2">
-            <a:extLst>
-              <a:ext uri="{28A0092B-C50C-407E-A947-70E740481C1C}">
-                <a14:useLocalDpi xmlns:a14="http://schemas.microsoft.com/office/drawing/2010/main" val="0"/>
-              </a:ext>
-            </a:extLst>
-          </a:blip>
-          <a:srcRect/>
-          <a:stretch>
-            <a:fillRect/>
-          </a:stretch>
-        </p:blipFill>
-        <p:spPr bwMode="auto">
-          <a:xfrm>
-            <a:off x="2267744" y="15691"/>
-            <a:ext cx="4896544" cy="5657172"/>
-          </a:xfrm>
-          <a:prstGeom prst="rect">
-            <a:avLst/>
-          </a:prstGeom>
-          <a:noFill/>
-          <a:ln>
-            <a:noFill/>
-          </a:ln>
-          <a:extLst>
-            <a:ext uri="{909E8E84-426E-40DD-AFC4-6F175D3DCCD1}">
-              <a14:hiddenFill xmlns:a14="http://schemas.microsoft.com/office/drawing/2010/main">
-                <a:solidFill>
-                  <a:schemeClr val="accent1"/>
-                </a:solidFill>
-              </a14:hiddenFill>
-            </a:ext>
-            <a:ext uri="{91240B29-F687-4F45-9708-019B960494DF}">
-              <a14:hiddenLine xmlns:a14="http://schemas.microsoft.com/office/drawing/2010/main" w="9525">
-                <a:solidFill>
-                  <a:schemeClr val="tx1"/>
-                </a:solidFill>
-                <a:miter lim="800000"/>
-                <a:headEnd/>
-                <a:tailEnd/>
-              </a14:hiddenLine>
-            </a:ext>
-          </a:extLst>
-        </p:spPr>
-      </p:pic>
-    </p:spTree>
-    <p:extLst>
-      <p:ext uri="{BB962C8B-B14F-4D97-AF65-F5344CB8AC3E}">
-        <p14:creationId xmlns:p14="http://schemas.microsoft.com/office/powerpoint/2010/main" val="4230202167"/>
-      </p:ext>
-    </p:extLst>
-  </p:cSld>
-  <p:clrMapOvr>
-    <a:masterClrMapping/>
-  </p:clrMapOvr>
-  <p:timing>
-    <p:tnLst>
-      <p:par>
-        <p:cTn id="1" dur="indefinite" restart="never" nodeType="tmRoot"/>
-      </p:par>
-    </p:tnLst>
-  </p:timing>
-</p:sld>
-</file>
-
-<file path=ppt/slides/slide7.xml><?xml version="1.0" encoding="utf-8"?>
 <p:sld xmlns:a="http://schemas.openxmlformats.org/drawingml/2006/main" xmlns:r="http://schemas.openxmlformats.org/officeDocument/2006/relationships" xmlns:p="http://schemas.openxmlformats.org/presentationml/2006/main">
   <p:cSld>
     <p:spTree>
@@ -21726,7 +18809,7 @@
 </p:sld>
 </file>
 
-<file path=ppt/slides/slide8.xml><?xml version="1.0" encoding="utf-8"?>
+<file path=ppt/slides/slide7.xml><?xml version="1.0" encoding="utf-8"?>
 <p:sld xmlns:a="http://schemas.openxmlformats.org/drawingml/2006/main" xmlns:r="http://schemas.openxmlformats.org/officeDocument/2006/relationships" xmlns:p="http://schemas.openxmlformats.org/presentationml/2006/main">
   <p:cSld>
     <p:spTree>
@@ -22153,401 +19236,14 @@
   <p:timing>
     <p:tnLst>
       <p:par>
-        <p:cTn id="1" dur="indefinite" restart="never" nodeType="tmRoot">
-          <p:childTnLst>
-            <p:seq concurrent="1" nextAc="seek">
-              <p:cTn id="2" dur="indefinite" nodeType="mainSeq">
-                <p:childTnLst>
-                  <p:par>
-                    <p:cTn id="3" fill="hold">
-                      <p:stCondLst>
-                        <p:cond delay="indefinite"/>
-                      </p:stCondLst>
-                      <p:childTnLst>
-                        <p:par>
-                          <p:cTn id="4" fill="hold">
-                            <p:stCondLst>
-                              <p:cond delay="0"/>
-                            </p:stCondLst>
-                            <p:childTnLst>
-                              <p:par>
-                                <p:cTn id="5" presetID="10" presetClass="entr" presetSubtype="0" fill="hold" nodeType="clickEffect">
-                                  <p:stCondLst>
-                                    <p:cond delay="0"/>
-                                  </p:stCondLst>
-                                  <p:childTnLst>
-                                    <p:set>
-                                      <p:cBhvr>
-                                        <p:cTn id="6" dur="1" fill="hold">
-                                          <p:stCondLst>
-                                            <p:cond delay="0"/>
-                                          </p:stCondLst>
-                                        </p:cTn>
-                                        <p:tgtEl>
-                                          <p:spTgt spid="4"/>
-                                        </p:tgtEl>
-                                        <p:attrNameLst>
-                                          <p:attrName>style.visibility</p:attrName>
-                                        </p:attrNameLst>
-                                      </p:cBhvr>
-                                      <p:to>
-                                        <p:strVal val="visible"/>
-                                      </p:to>
-                                    </p:set>
-                                    <p:animEffect transition="in" filter="fade">
-                                      <p:cBhvr>
-                                        <p:cTn id="7" dur="500"/>
-                                        <p:tgtEl>
-                                          <p:spTgt spid="4"/>
-                                        </p:tgtEl>
-                                      </p:cBhvr>
-                                    </p:animEffect>
-                                  </p:childTnLst>
-                                </p:cTn>
-                              </p:par>
-                            </p:childTnLst>
-                          </p:cTn>
-                        </p:par>
-                      </p:childTnLst>
-                    </p:cTn>
-                  </p:par>
-                  <p:par>
-                    <p:cTn id="8" fill="hold">
-                      <p:stCondLst>
-                        <p:cond delay="indefinite"/>
-                      </p:stCondLst>
-                      <p:childTnLst>
-                        <p:par>
-                          <p:cTn id="9" fill="hold">
-                            <p:stCondLst>
-                              <p:cond delay="0"/>
-                            </p:stCondLst>
-                            <p:childTnLst>
-                              <p:par>
-                                <p:cTn id="10" presetID="10" presetClass="entr" presetSubtype="0" fill="hold" nodeType="clickEffect">
-                                  <p:stCondLst>
-                                    <p:cond delay="0"/>
-                                  </p:stCondLst>
-                                  <p:childTnLst>
-                                    <p:set>
-                                      <p:cBhvr>
-                                        <p:cTn id="11" dur="1" fill="hold">
-                                          <p:stCondLst>
-                                            <p:cond delay="0"/>
-                                          </p:stCondLst>
-                                        </p:cTn>
-                                        <p:tgtEl>
-                                          <p:spTgt spid="5"/>
-                                        </p:tgtEl>
-                                        <p:attrNameLst>
-                                          <p:attrName>style.visibility</p:attrName>
-                                        </p:attrNameLst>
-                                      </p:cBhvr>
-                                      <p:to>
-                                        <p:strVal val="visible"/>
-                                      </p:to>
-                                    </p:set>
-                                    <p:animEffect transition="in" filter="fade">
-                                      <p:cBhvr>
-                                        <p:cTn id="12" dur="500"/>
-                                        <p:tgtEl>
-                                          <p:spTgt spid="5"/>
-                                        </p:tgtEl>
-                                      </p:cBhvr>
-                                    </p:animEffect>
-                                  </p:childTnLst>
-                                </p:cTn>
-                              </p:par>
-                            </p:childTnLst>
-                          </p:cTn>
-                        </p:par>
-                      </p:childTnLst>
-                    </p:cTn>
-                  </p:par>
-                  <p:par>
-                    <p:cTn id="13" fill="hold">
-                      <p:stCondLst>
-                        <p:cond delay="indefinite"/>
-                      </p:stCondLst>
-                      <p:childTnLst>
-                        <p:par>
-                          <p:cTn id="14" fill="hold">
-                            <p:stCondLst>
-                              <p:cond delay="0"/>
-                            </p:stCondLst>
-                            <p:childTnLst>
-                              <p:par>
-                                <p:cTn id="15" presetID="10" presetClass="entr" presetSubtype="0" fill="hold" nodeType="clickEffect">
-                                  <p:stCondLst>
-                                    <p:cond delay="0"/>
-                                  </p:stCondLst>
-                                  <p:childTnLst>
-                                    <p:set>
-                                      <p:cBhvr>
-                                        <p:cTn id="16" dur="1" fill="hold">
-                                          <p:stCondLst>
-                                            <p:cond delay="0"/>
-                                          </p:stCondLst>
-                                        </p:cTn>
-                                        <p:tgtEl>
-                                          <p:spTgt spid="6"/>
-                                        </p:tgtEl>
-                                        <p:attrNameLst>
-                                          <p:attrName>style.visibility</p:attrName>
-                                        </p:attrNameLst>
-                                      </p:cBhvr>
-                                      <p:to>
-                                        <p:strVal val="visible"/>
-                                      </p:to>
-                                    </p:set>
-                                    <p:animEffect transition="in" filter="fade">
-                                      <p:cBhvr>
-                                        <p:cTn id="17" dur="500"/>
-                                        <p:tgtEl>
-                                          <p:spTgt spid="6"/>
-                                        </p:tgtEl>
-                                      </p:cBhvr>
-                                    </p:animEffect>
-                                  </p:childTnLst>
-                                </p:cTn>
-                              </p:par>
-                            </p:childTnLst>
-                          </p:cTn>
-                        </p:par>
-                      </p:childTnLst>
-                    </p:cTn>
-                  </p:par>
-                  <p:par>
-                    <p:cTn id="18" fill="hold">
-                      <p:stCondLst>
-                        <p:cond delay="indefinite"/>
-                      </p:stCondLst>
-                      <p:childTnLst>
-                        <p:par>
-                          <p:cTn id="19" fill="hold">
-                            <p:stCondLst>
-                              <p:cond delay="0"/>
-                            </p:stCondLst>
-                            <p:childTnLst>
-                              <p:par>
-                                <p:cTn id="20" presetID="10" presetClass="entr" presetSubtype="0" fill="hold" nodeType="clickEffect">
-                                  <p:stCondLst>
-                                    <p:cond delay="0"/>
-                                  </p:stCondLst>
-                                  <p:childTnLst>
-                                    <p:set>
-                                      <p:cBhvr>
-                                        <p:cTn id="21" dur="1" fill="hold">
-                                          <p:stCondLst>
-                                            <p:cond delay="0"/>
-                                          </p:stCondLst>
-                                        </p:cTn>
-                                        <p:tgtEl>
-                                          <p:spTgt spid="7"/>
-                                        </p:tgtEl>
-                                        <p:attrNameLst>
-                                          <p:attrName>style.visibility</p:attrName>
-                                        </p:attrNameLst>
-                                      </p:cBhvr>
-                                      <p:to>
-                                        <p:strVal val="visible"/>
-                                      </p:to>
-                                    </p:set>
-                                    <p:animEffect transition="in" filter="fade">
-                                      <p:cBhvr>
-                                        <p:cTn id="22" dur="500"/>
-                                        <p:tgtEl>
-                                          <p:spTgt spid="7"/>
-                                        </p:tgtEl>
-                                      </p:cBhvr>
-                                    </p:animEffect>
-                                  </p:childTnLst>
-                                </p:cTn>
-                              </p:par>
-                            </p:childTnLst>
-                          </p:cTn>
-                        </p:par>
-                      </p:childTnLst>
-                    </p:cTn>
-                  </p:par>
-                  <p:par>
-                    <p:cTn id="23" fill="hold">
-                      <p:stCondLst>
-                        <p:cond delay="indefinite"/>
-                      </p:stCondLst>
-                      <p:childTnLst>
-                        <p:par>
-                          <p:cTn id="24" fill="hold">
-                            <p:stCondLst>
-                              <p:cond delay="0"/>
-                            </p:stCondLst>
-                            <p:childTnLst>
-                              <p:par>
-                                <p:cTn id="25" presetID="10" presetClass="entr" presetSubtype="0" fill="hold" nodeType="clickEffect">
-                                  <p:stCondLst>
-                                    <p:cond delay="0"/>
-                                  </p:stCondLst>
-                                  <p:childTnLst>
-                                    <p:set>
-                                      <p:cBhvr>
-                                        <p:cTn id="26" dur="1" fill="hold">
-                                          <p:stCondLst>
-                                            <p:cond delay="0"/>
-                                          </p:stCondLst>
-                                        </p:cTn>
-                                        <p:tgtEl>
-                                          <p:spTgt spid="8"/>
-                                        </p:tgtEl>
-                                        <p:attrNameLst>
-                                          <p:attrName>style.visibility</p:attrName>
-                                        </p:attrNameLst>
-                                      </p:cBhvr>
-                                      <p:to>
-                                        <p:strVal val="visible"/>
-                                      </p:to>
-                                    </p:set>
-                                    <p:animEffect transition="in" filter="fade">
-                                      <p:cBhvr>
-                                        <p:cTn id="27" dur="500"/>
-                                        <p:tgtEl>
-                                          <p:spTgt spid="8"/>
-                                        </p:tgtEl>
-                                      </p:cBhvr>
-                                    </p:animEffect>
-                                  </p:childTnLst>
-                                </p:cTn>
-                              </p:par>
-                            </p:childTnLst>
-                          </p:cTn>
-                        </p:par>
-                      </p:childTnLst>
-                    </p:cTn>
-                  </p:par>
-                  <p:par>
-                    <p:cTn id="28" fill="hold">
-                      <p:stCondLst>
-                        <p:cond delay="indefinite"/>
-                      </p:stCondLst>
-                      <p:childTnLst>
-                        <p:par>
-                          <p:cTn id="29" fill="hold">
-                            <p:stCondLst>
-                              <p:cond delay="0"/>
-                            </p:stCondLst>
-                            <p:childTnLst>
-                              <p:par>
-                                <p:cTn id="30" presetID="42" presetClass="entr" presetSubtype="0" fill="hold" nodeType="clickEffect">
-                                  <p:stCondLst>
-                                    <p:cond delay="0"/>
-                                  </p:stCondLst>
-                                  <p:childTnLst>
-                                    <p:set>
-                                      <p:cBhvr>
-                                        <p:cTn id="31" dur="1" fill="hold">
-                                          <p:stCondLst>
-                                            <p:cond delay="0"/>
-                                          </p:stCondLst>
-                                        </p:cTn>
-                                        <p:tgtEl>
-                                          <p:spTgt spid="9"/>
-                                        </p:tgtEl>
-                                        <p:attrNameLst>
-                                          <p:attrName>style.visibility</p:attrName>
-                                        </p:attrNameLst>
-                                      </p:cBhvr>
-                                      <p:to>
-                                        <p:strVal val="visible"/>
-                                      </p:to>
-                                    </p:set>
-                                    <p:animEffect transition="in" filter="fade">
-                                      <p:cBhvr>
-                                        <p:cTn id="32" dur="1000"/>
-                                        <p:tgtEl>
-                                          <p:spTgt spid="9"/>
-                                        </p:tgtEl>
-                                      </p:cBhvr>
-                                    </p:animEffect>
-                                    <p:anim calcmode="lin" valueType="num">
-                                      <p:cBhvr>
-                                        <p:cTn id="33" dur="1000" fill="hold"/>
-                                        <p:tgtEl>
-                                          <p:spTgt spid="9"/>
-                                        </p:tgtEl>
-                                        <p:attrNameLst>
-                                          <p:attrName>ppt_x</p:attrName>
-                                        </p:attrNameLst>
-                                      </p:cBhvr>
-                                      <p:tavLst>
-                                        <p:tav tm="0">
-                                          <p:val>
-                                            <p:strVal val="#ppt_x"/>
-                                          </p:val>
-                                        </p:tav>
-                                        <p:tav tm="100000">
-                                          <p:val>
-                                            <p:strVal val="#ppt_x"/>
-                                          </p:val>
-                                        </p:tav>
-                                      </p:tavLst>
-                                    </p:anim>
-                                    <p:anim calcmode="lin" valueType="num">
-                                      <p:cBhvr>
-                                        <p:cTn id="34" dur="1000" fill="hold"/>
-                                        <p:tgtEl>
-                                          <p:spTgt spid="9"/>
-                                        </p:tgtEl>
-                                        <p:attrNameLst>
-                                          <p:attrName>ppt_y</p:attrName>
-                                        </p:attrNameLst>
-                                      </p:cBhvr>
-                                      <p:tavLst>
-                                        <p:tav tm="0">
-                                          <p:val>
-                                            <p:strVal val="#ppt_y+.1"/>
-                                          </p:val>
-                                        </p:tav>
-                                        <p:tav tm="100000">
-                                          <p:val>
-                                            <p:strVal val="#ppt_y"/>
-                                          </p:val>
-                                        </p:tav>
-                                      </p:tavLst>
-                                    </p:anim>
-                                  </p:childTnLst>
-                                </p:cTn>
-                              </p:par>
-                            </p:childTnLst>
-                          </p:cTn>
-                        </p:par>
-                      </p:childTnLst>
-                    </p:cTn>
-                  </p:par>
-                </p:childTnLst>
-              </p:cTn>
-              <p:prevCondLst>
-                <p:cond evt="onPrev" delay="0">
-                  <p:tgtEl>
-                    <p:sldTgt/>
-                  </p:tgtEl>
-                </p:cond>
-              </p:prevCondLst>
-              <p:nextCondLst>
-                <p:cond evt="onNext" delay="0">
-                  <p:tgtEl>
-                    <p:sldTgt/>
-                  </p:tgtEl>
-                </p:cond>
-              </p:nextCondLst>
-            </p:seq>
-          </p:childTnLst>
-        </p:cTn>
+        <p:cTn id="1" dur="indefinite" restart="never" nodeType="tmRoot"/>
       </p:par>
     </p:tnLst>
   </p:timing>
 </p:sld>
 </file>
 
-<file path=ppt/slides/slide9.xml><?xml version="1.0" encoding="utf-8"?>
+<file path=ppt/slides/slide8.xml><?xml version="1.0" encoding="utf-8"?>
 <p:sld xmlns:a="http://schemas.openxmlformats.org/drawingml/2006/main" xmlns:r="http://schemas.openxmlformats.org/officeDocument/2006/relationships" xmlns:p="http://schemas.openxmlformats.org/presentationml/2006/main">
   <p:cSld>
     <p:spTree>
@@ -23467,6 +20163,473 @@
 </p:sld>
 </file>
 
+<file path=ppt/slides/slide9.xml><?xml version="1.0" encoding="utf-8"?>
+<p:sld xmlns:a="http://schemas.openxmlformats.org/drawingml/2006/main" xmlns:r="http://schemas.openxmlformats.org/officeDocument/2006/relationships" xmlns:p="http://schemas.openxmlformats.org/presentationml/2006/main">
+  <p:cSld>
+    <p:spTree>
+      <p:nvGrpSpPr>
+        <p:cNvPr id="1" name=""/>
+        <p:cNvGrpSpPr/>
+        <p:nvPr/>
+      </p:nvGrpSpPr>
+      <p:grpSpPr>
+        <a:xfrm>
+          <a:off x="0" y="0"/>
+          <a:ext cx="0" cy="0"/>
+          <a:chOff x="0" y="0"/>
+          <a:chExt cx="0" cy="0"/>
+        </a:xfrm>
+      </p:grpSpPr>
+      <p:sp>
+        <p:nvSpPr>
+          <p:cNvPr id="2" name="标题 1"/>
+          <p:cNvSpPr>
+            <a:spLocks noGrp="1"/>
+          </p:cNvSpPr>
+          <p:nvPr>
+            <p:ph type="title"/>
+          </p:nvPr>
+        </p:nvSpPr>
+        <p:spPr>
+          <a:xfrm>
+            <a:off x="2631489" y="5742684"/>
+            <a:ext cx="6512511" cy="1143000"/>
+          </a:xfrm>
+        </p:spPr>
+        <p:txBody>
+          <a:bodyPr/>
+          <a:lstStyle/>
+          <a:p>
+            <a:r>
+              <a:rPr lang="zh-CN" altLang="en-US" dirty="0" smtClean="0"/>
+              <a:t>中值滤波</a:t>
+            </a:r>
+            <a:endParaRPr lang="zh-CN" altLang="en-US" dirty="0"/>
+          </a:p>
+        </p:txBody>
+      </p:sp>
+      <p:pic>
+        <p:nvPicPr>
+          <p:cNvPr id="1026" name="Picture 2"/>
+          <p:cNvPicPr>
+            <a:picLocks noChangeAspect="1" noChangeArrowheads="1"/>
+          </p:cNvPicPr>
+          <p:nvPr/>
+        </p:nvPicPr>
+        <p:blipFill>
+          <a:blip r:embed="rId2">
+            <a:extLst>
+              <a:ext uri="{28A0092B-C50C-407E-A947-70E740481C1C}">
+                <a14:useLocalDpi xmlns:a14="http://schemas.microsoft.com/office/drawing/2010/main" val="0"/>
+              </a:ext>
+            </a:extLst>
+          </a:blip>
+          <a:srcRect/>
+          <a:stretch>
+            <a:fillRect/>
+          </a:stretch>
+        </p:blipFill>
+        <p:spPr bwMode="auto">
+          <a:xfrm>
+            <a:off x="3676089" y="2636912"/>
+            <a:ext cx="5486400" cy="3084513"/>
+          </a:xfrm>
+          <a:prstGeom prst="rect">
+            <a:avLst/>
+          </a:prstGeom>
+          <a:noFill/>
+          <a:ln>
+            <a:noFill/>
+          </a:ln>
+          <a:effectLst/>
+          <a:extLst>
+            <a:ext uri="{909E8E84-426E-40DD-AFC4-6F175D3DCCD1}">
+              <a14:hiddenFill xmlns:a14="http://schemas.microsoft.com/office/drawing/2010/main">
+                <a:solidFill>
+                  <a:schemeClr val="accent1"/>
+                </a:solidFill>
+              </a14:hiddenFill>
+            </a:ext>
+            <a:ext uri="{91240B29-F687-4F45-9708-019B960494DF}">
+              <a14:hiddenLine xmlns:a14="http://schemas.microsoft.com/office/drawing/2010/main" w="9525">
+                <a:solidFill>
+                  <a:schemeClr val="tx1"/>
+                </a:solidFill>
+                <a:miter lim="800000"/>
+                <a:headEnd/>
+                <a:tailEnd/>
+              </a14:hiddenLine>
+            </a:ext>
+            <a:ext uri="{AF507438-7753-43E0-B8FC-AC1667EBCBE1}">
+              <a14:hiddenEffects xmlns:a14="http://schemas.microsoft.com/office/drawing/2010/main">
+                <a:effectLst>
+                  <a:outerShdw dist="35921" dir="2700000" algn="ctr" rotWithShape="0">
+                    <a:schemeClr val="bg2"/>
+                  </a:outerShdw>
+                </a:effectLst>
+              </a14:hiddenEffects>
+            </a:ext>
+          </a:extLst>
+        </p:spPr>
+      </p:pic>
+      <p:pic>
+        <p:nvPicPr>
+          <p:cNvPr id="1027" name="Picture 3"/>
+          <p:cNvPicPr>
+            <a:picLocks noChangeAspect="1" noChangeArrowheads="1"/>
+          </p:cNvPicPr>
+          <p:nvPr/>
+        </p:nvPicPr>
+        <p:blipFill>
+          <a:blip r:embed="rId3">
+            <a:extLst>
+              <a:ext uri="{28A0092B-C50C-407E-A947-70E740481C1C}">
+                <a14:useLocalDpi xmlns:a14="http://schemas.microsoft.com/office/drawing/2010/main" val="0"/>
+              </a:ext>
+            </a:extLst>
+          </a:blip>
+          <a:srcRect/>
+          <a:stretch>
+            <a:fillRect/>
+          </a:stretch>
+        </p:blipFill>
+        <p:spPr bwMode="auto">
+          <a:xfrm>
+            <a:off x="-8712" y="-19972"/>
+            <a:ext cx="5486400" cy="3090863"/>
+          </a:xfrm>
+          <a:prstGeom prst="rect">
+            <a:avLst/>
+          </a:prstGeom>
+          <a:noFill/>
+          <a:ln>
+            <a:noFill/>
+          </a:ln>
+          <a:effectLst/>
+          <a:extLst>
+            <a:ext uri="{909E8E84-426E-40DD-AFC4-6F175D3DCCD1}">
+              <a14:hiddenFill xmlns:a14="http://schemas.microsoft.com/office/drawing/2010/main">
+                <a:solidFill>
+                  <a:schemeClr val="accent1"/>
+                </a:solidFill>
+              </a14:hiddenFill>
+            </a:ext>
+            <a:ext uri="{91240B29-F687-4F45-9708-019B960494DF}">
+              <a14:hiddenLine xmlns:a14="http://schemas.microsoft.com/office/drawing/2010/main" w="9525">
+                <a:solidFill>
+                  <a:schemeClr val="tx1"/>
+                </a:solidFill>
+                <a:miter lim="800000"/>
+                <a:headEnd/>
+                <a:tailEnd/>
+              </a14:hiddenLine>
+            </a:ext>
+            <a:ext uri="{AF507438-7753-43E0-B8FC-AC1667EBCBE1}">
+              <a14:hiddenEffects xmlns:a14="http://schemas.microsoft.com/office/drawing/2010/main">
+                <a:effectLst>
+                  <a:outerShdw dist="35921" dir="2700000" algn="ctr" rotWithShape="0">
+                    <a:schemeClr val="bg2"/>
+                  </a:outerShdw>
+                </a:effectLst>
+              </a14:hiddenEffects>
+            </a:ext>
+          </a:extLst>
+        </p:spPr>
+      </p:pic>
+      <p:sp>
+        <p:nvSpPr>
+          <p:cNvPr id="3" name="矩形 2"/>
+          <p:cNvSpPr/>
+          <p:nvPr/>
+        </p:nvSpPr>
+        <p:spPr>
+          <a:xfrm>
+            <a:off x="-8713" y="4153370"/>
+            <a:ext cx="3684801" cy="1200329"/>
+          </a:xfrm>
+          <a:prstGeom prst="rect">
+            <a:avLst/>
+          </a:prstGeom>
+        </p:spPr>
+        <p:txBody>
+          <a:bodyPr wrap="square">
+            <a:spAutoFit/>
+          </a:bodyPr>
+          <a:lstStyle/>
+          <a:p>
+            <a:r>
+              <a:rPr lang="zh-CN" altLang="zh-CN" dirty="0"/>
+              <a:t>中值滤波的实现方法为用一个滑动窗口沿着图像滑动，窗口中心像素点的灰度值用窗口内所有像素点的中值来代替</a:t>
+            </a:r>
+            <a:endParaRPr lang="zh-CN" altLang="en-US" dirty="0"/>
+          </a:p>
+        </p:txBody>
+      </p:sp>
+      <mc:AlternateContent xmlns:mc="http://schemas.openxmlformats.org/markup-compatibility/2006" xmlns:a14="http://schemas.microsoft.com/office/drawing/2010/main">
+        <mc:Choice Requires="a14">
+          <p:sp>
+            <p:nvSpPr>
+              <p:cNvPr id="4" name="矩形 3"/>
+              <p:cNvSpPr/>
+              <p:nvPr/>
+            </p:nvSpPr>
+            <p:spPr>
+              <a:xfrm>
+                <a:off x="12410" y="5877272"/>
+                <a:ext cx="4265207" cy="369332"/>
+              </a:xfrm>
+              <a:prstGeom prst="rect">
+                <a:avLst/>
+              </a:prstGeom>
+            </p:spPr>
+            <p:txBody>
+              <a:bodyPr wrap="none">
+                <a:spAutoFit/>
+              </a:bodyPr>
+              <a:lstStyle/>
+              <a:p>
+                <a:pPr/>
+                <a14:m>
+                  <m:oMathPara xmlns:m="http://schemas.openxmlformats.org/officeDocument/2006/math">
+                    <m:oMathParaPr>
+                      <m:jc m:val="centerGroup"/>
+                    </m:oMathParaPr>
+                    <m:oMath xmlns:m="http://schemas.openxmlformats.org/officeDocument/2006/math">
+                      <m:r>
+                        <a:rPr lang="en-US" altLang="zh-CN" i="1">
+                          <a:latin typeface="Cambria Math"/>
+                        </a:rPr>
+                        <m:t>𝑂</m:t>
+                      </m:r>
+                      <m:d>
+                        <m:dPr>
+                          <m:ctrlPr>
+                            <a:rPr lang="zh-CN" altLang="zh-CN" i="1">
+                              <a:latin typeface="Cambria Math"/>
+                            </a:rPr>
+                          </m:ctrlPr>
+                        </m:dPr>
+                        <m:e>
+                          <m:r>
+                            <a:rPr lang="en-US" altLang="zh-CN" i="1">
+                              <a:latin typeface="Cambria Math"/>
+                            </a:rPr>
+                            <m:t>𝑥</m:t>
+                          </m:r>
+                          <m:r>
+                            <a:rPr lang="en-US" altLang="zh-CN" i="1">
+                              <a:latin typeface="Cambria Math"/>
+                            </a:rPr>
+                            <m:t>,</m:t>
+                          </m:r>
+                          <m:r>
+                            <a:rPr lang="en-US" altLang="zh-CN" i="1">
+                              <a:latin typeface="Cambria Math"/>
+                            </a:rPr>
+                            <m:t>𝑦</m:t>
+                          </m:r>
+                        </m:e>
+                      </m:d>
+                      <m:r>
+                        <a:rPr lang="en-US" altLang="zh-CN" i="1">
+                          <a:latin typeface="Cambria Math"/>
+                        </a:rPr>
+                        <m:t>=</m:t>
+                      </m:r>
+                      <m:r>
+                        <a:rPr lang="en-US" altLang="zh-CN" i="1">
+                          <a:latin typeface="Cambria Math"/>
+                        </a:rPr>
+                        <m:t>𝑚𝑒𝑑</m:t>
+                      </m:r>
+                      <m:r>
+                        <a:rPr lang="en-US" altLang="zh-CN" i="1">
+                          <a:latin typeface="Cambria Math"/>
+                        </a:rPr>
+                        <m:t>{</m:t>
+                      </m:r>
+                      <m:r>
+                        <a:rPr lang="en-US" altLang="zh-CN" i="1">
+                          <a:latin typeface="Cambria Math"/>
+                        </a:rPr>
+                        <m:t>𝐹</m:t>
+                      </m:r>
+                      <m:d>
+                        <m:dPr>
+                          <m:ctrlPr>
+                            <a:rPr lang="zh-CN" altLang="zh-CN" i="1">
+                              <a:latin typeface="Cambria Math"/>
+                            </a:rPr>
+                          </m:ctrlPr>
+                        </m:dPr>
+                        <m:e>
+                          <m:r>
+                            <a:rPr lang="en-US" altLang="zh-CN" i="1">
+                              <a:latin typeface="Cambria Math"/>
+                            </a:rPr>
+                            <m:t>𝑥</m:t>
+                          </m:r>
+                          <m:r>
+                            <a:rPr lang="en-US" altLang="zh-CN" i="1">
+                              <a:latin typeface="Cambria Math"/>
+                            </a:rPr>
+                            <m:t>−</m:t>
+                          </m:r>
+                          <m:r>
+                            <a:rPr lang="en-US" altLang="zh-CN" i="1">
+                              <a:latin typeface="Cambria Math"/>
+                            </a:rPr>
+                            <m:t>𝑘</m:t>
+                          </m:r>
+                          <m:r>
+                            <a:rPr lang="en-US" altLang="zh-CN" i="1">
+                              <a:latin typeface="Cambria Math"/>
+                            </a:rPr>
+                            <m:t>,</m:t>
+                          </m:r>
+                          <m:r>
+                            <a:rPr lang="en-US" altLang="zh-CN" i="1">
+                              <a:latin typeface="Cambria Math"/>
+                            </a:rPr>
+                            <m:t>𝑦</m:t>
+                          </m:r>
+                          <m:r>
+                            <a:rPr lang="en-US" altLang="zh-CN" i="1">
+                              <a:latin typeface="Cambria Math"/>
+                            </a:rPr>
+                            <m:t>−</m:t>
+                          </m:r>
+                          <m:r>
+                            <a:rPr lang="en-US" altLang="zh-CN" i="1">
+                              <a:latin typeface="Cambria Math"/>
+                            </a:rPr>
+                            <m:t>𝑙</m:t>
+                          </m:r>
+                        </m:e>
+                      </m:d>
+                      <m:r>
+                        <a:rPr lang="en-US" altLang="zh-CN" i="1">
+                          <a:latin typeface="Cambria Math"/>
+                        </a:rPr>
+                        <m:t>,</m:t>
+                      </m:r>
+                      <m:d>
+                        <m:dPr>
+                          <m:ctrlPr>
+                            <a:rPr lang="zh-CN" altLang="zh-CN" i="1">
+                              <a:latin typeface="Cambria Math"/>
+                            </a:rPr>
+                          </m:ctrlPr>
+                        </m:dPr>
+                        <m:e>
+                          <m:r>
+                            <a:rPr lang="en-US" altLang="zh-CN" i="1">
+                              <a:latin typeface="Cambria Math"/>
+                            </a:rPr>
+                            <m:t>𝑘</m:t>
+                          </m:r>
+                          <m:r>
+                            <a:rPr lang="en-US" altLang="zh-CN" i="1">
+                              <a:latin typeface="Cambria Math"/>
+                            </a:rPr>
+                            <m:t>,</m:t>
+                          </m:r>
+                          <m:r>
+                            <a:rPr lang="en-US" altLang="zh-CN" i="1">
+                              <a:latin typeface="Cambria Math"/>
+                            </a:rPr>
+                            <m:t>𝑙</m:t>
+                          </m:r>
+                          <m:r>
+                            <a:rPr lang="zh-CN" altLang="zh-CN">
+                              <a:latin typeface="Cambria Math"/>
+                            </a:rPr>
+                            <m:t>∈</m:t>
+                          </m:r>
+                          <m:r>
+                            <m:rPr>
+                              <m:sty m:val="p"/>
+                            </m:rPr>
+                            <a:rPr lang="en-US" altLang="zh-CN">
+                              <a:latin typeface="Cambria Math"/>
+                            </a:rPr>
+                            <m:t>A</m:t>
+                          </m:r>
+                        </m:e>
+                      </m:d>
+                      <m:r>
+                        <a:rPr lang="en-US" altLang="zh-CN">
+                          <a:latin typeface="Cambria Math"/>
+                        </a:rPr>
+                        <m:t>}</m:t>
+                      </m:r>
+                    </m:oMath>
+                  </m:oMathPara>
+                </a14:m>
+                <a:endParaRPr lang="zh-CN" altLang="en-US" dirty="0"/>
+              </a:p>
+            </p:txBody>
+          </p:sp>
+        </mc:Choice>
+        <mc:Fallback xmlns="">
+          <p:sp>
+            <p:nvSpPr>
+              <p:cNvPr id="4" name="矩形 3"/>
+              <p:cNvSpPr>
+                <a:spLocks noRot="1" noChangeAspect="1" noMove="1" noResize="1" noEditPoints="1" noAdjustHandles="1" noChangeArrowheads="1" noChangeShapeType="1" noTextEdit="1"/>
+              </p:cNvSpPr>
+              <p:nvPr/>
+            </p:nvSpPr>
+            <p:spPr>
+              <a:xfrm>
+                <a:off x="12410" y="5877272"/>
+                <a:ext cx="4265207" cy="369332"/>
+              </a:xfrm>
+              <a:prstGeom prst="rect">
+                <a:avLst/>
+              </a:prstGeom>
+              <a:blipFill rotWithShape="1">
+                <a:blip r:embed="rId4"/>
+                <a:stretch>
+                  <a:fillRect b="-16393"/>
+                </a:stretch>
+              </a:blipFill>
+            </p:spPr>
+            <p:txBody>
+              <a:bodyPr/>
+              <a:lstStyle/>
+              <a:p>
+                <a:r>
+                  <a:rPr lang="zh-CN" altLang="en-US">
+                    <a:noFill/>
+                  </a:rPr>
+                  <a:t> </a:t>
+                </a:r>
+              </a:p>
+            </p:txBody>
+          </p:sp>
+        </mc:Fallback>
+      </mc:AlternateContent>
+    </p:spTree>
+    <p:extLst>
+      <p:ext uri="{BB962C8B-B14F-4D97-AF65-F5344CB8AC3E}">
+        <p14:creationId xmlns:p14="http://schemas.microsoft.com/office/powerpoint/2010/main" val="654095680"/>
+      </p:ext>
+    </p:extLst>
+  </p:cSld>
+  <p:clrMapOvr>
+    <a:masterClrMapping/>
+  </p:clrMapOvr>
+  <p:timing>
+    <p:tnLst>
+      <p:par>
+        <p:cTn id="1" dur="indefinite" restart="never" nodeType="tmRoot"/>
+      </p:par>
+    </p:tnLst>
+  </p:timing>
+</p:sld>
+</file>
+
 <file path=ppt/theme/theme1.xml><?xml version="1.0" encoding="utf-8"?>
 <a:theme xmlns:a="http://schemas.openxmlformats.org/drawingml/2006/main" name="气流">
   <a:themeElements>
